--- a/Slide/slide_sidang.pptx
+++ b/Slide/slide_sidang.pptx
@@ -5,7 +5,7 @@
     <p:sldMasterId id="2147483660" r:id="rId1"/>
   </p:sldMasterIdLst>
   <p:notesMasterIdLst>
-    <p:notesMasterId r:id="rId27"/>
+    <p:notesMasterId r:id="rId33"/>
   </p:notesMasterIdLst>
   <p:sldIdLst>
     <p:sldId id="256" r:id="rId2"/>
@@ -28,11 +28,17 @@
     <p:sldId id="293" r:id="rId19"/>
     <p:sldId id="294" r:id="rId20"/>
     <p:sldId id="283" r:id="rId21"/>
-    <p:sldId id="266" r:id="rId22"/>
-    <p:sldId id="267" r:id="rId23"/>
-    <p:sldId id="268" r:id="rId24"/>
-    <p:sldId id="272" r:id="rId25"/>
-    <p:sldId id="271" r:id="rId26"/>
+    <p:sldId id="295" r:id="rId22"/>
+    <p:sldId id="296" r:id="rId23"/>
+    <p:sldId id="297" r:id="rId24"/>
+    <p:sldId id="298" r:id="rId25"/>
+    <p:sldId id="299" r:id="rId26"/>
+    <p:sldId id="300" r:id="rId27"/>
+    <p:sldId id="301" r:id="rId28"/>
+    <p:sldId id="302" r:id="rId29"/>
+    <p:sldId id="271" r:id="rId30"/>
+    <p:sldId id="303" r:id="rId31"/>
+    <p:sldId id="304" r:id="rId32"/>
   </p:sldIdLst>
   <p:sldSz cx="12192000" cy="6858000"/>
   <p:notesSz cx="6858000" cy="9144000"/>
@@ -221,7 +227,7 @@
           <a:p>
             <a:fld id="{34F21A75-F9FB-2449-8260-09B6441394EC}" type="datetimeFigureOut">
               <a:rPr lang="en-US" smtClean="0"/>
-              <a:t>12/17/18</a:t>
+              <a:t>12/19/18</a:t>
             </a:fld>
             <a:endParaRPr lang="en-US"/>
           </a:p>
@@ -532,13 +538,9 @@
           <a:bodyPr/>
           <a:lstStyle/>
           <a:p>
-            <a:pPr marL="171450" indent="-171450">
-              <a:buFontTx/>
-              <a:buChar char="-"/>
-            </a:pPr>
             <a:r>
               <a:rPr lang="en-US" dirty="0" err="1"/>
-              <a:t>Komunikasi</a:t>
+              <a:t>berkomunikasi</a:t>
             </a:r>
             <a:r>
               <a:rPr lang="en-US" dirty="0"/>
@@ -546,7 +548,7 @@
             </a:r>
             <a:r>
               <a:rPr lang="en-US" dirty="0" err="1"/>
-              <a:t>dilakukan</a:t>
+              <a:t>satu</a:t>
             </a:r>
             <a:r>
               <a:rPr lang="en-US" dirty="0"/>
@@ -554,117 +556,43 @@
             </a:r>
             <a:r>
               <a:rPr lang="en-US" dirty="0" err="1"/>
-              <a:t>melalui</a:t>
-            </a:r>
-            <a:r>
-              <a:rPr lang="en-US" dirty="0"/>
-              <a:t> browser</a:t>
-            </a:r>
-          </a:p>
-          <a:p>
-            <a:pPr marL="171450" indent="-171450">
-              <a:buFontTx/>
-              <a:buChar char="-"/>
-            </a:pPr>
+              <a:t>sama</a:t>
+            </a:r>
+            <a:r>
+              <a:rPr lang="en-US" dirty="0"/>
+              <a:t> lain</a:t>
+            </a:r>
+          </a:p>
+          <a:p>
+            <a:r>
+              <a:rPr lang="en-US" dirty="0"/>
+              <a:t>smartphone </a:t>
+            </a:r>
             <a:r>
               <a:rPr lang="en-US" dirty="0" err="1"/>
-              <a:t>Mengirim</a:t>
-            </a:r>
-            <a:r>
-              <a:rPr lang="en-US" dirty="0"/>
-              <a:t> </a:t>
+              <a:t>sebagai</a:t>
+            </a:r>
+            <a:r>
+              <a:rPr lang="en-US" dirty="0"/>
+              <a:t> controller</a:t>
+            </a:r>
+          </a:p>
+          <a:p>
+            <a:r>
+              <a:rPr lang="en-US" dirty="0"/>
+              <a:t>pc </a:t>
             </a:r>
             <a:r>
               <a:rPr lang="en-US" dirty="0" err="1"/>
-              <a:t>dan</a:t>
-            </a:r>
-            <a:r>
-              <a:rPr lang="en-US" dirty="0"/>
-              <a:t> </a:t>
-            </a:r>
-            <a:r>
-              <a:rPr lang="en-US" dirty="0" err="1"/>
-              <a:t>menerima</a:t>
-            </a:r>
-            <a:r>
-              <a:rPr lang="en-US" dirty="0"/>
-              <a:t> data </a:t>
-            </a:r>
-            <a:r>
-              <a:rPr lang="en-US" dirty="0" err="1"/>
-              <a:t>untuk</a:t>
-            </a:r>
-            <a:r>
-              <a:rPr lang="en-US" dirty="0"/>
-              <a:t> </a:t>
-            </a:r>
-            <a:r>
-              <a:rPr lang="en-US" dirty="0" err="1"/>
-              <a:t>suatu</a:t>
-            </a:r>
-            <a:r>
-              <a:rPr lang="en-US" dirty="0"/>
-              <a:t> </a:t>
-            </a:r>
-            <a:r>
-              <a:rPr lang="en-US" dirty="0" err="1"/>
-              <a:t>perintah</a:t>
-            </a:r>
+              <a:t>sebagai</a:t>
+            </a:r>
+            <a:r>
+              <a:rPr lang="en-US" dirty="0"/>
+              <a:t> console</a:t>
+            </a:r>
+          </a:p>
+          <a:p>
             <a:endParaRPr lang="en-US" dirty="0"/>
-          </a:p>
-          <a:p>
-            <a:pPr marL="171450" indent="-171450">
-              <a:buFontTx/>
-              <a:buChar char="-"/>
-            </a:pPr>
-            <a:r>
-              <a:rPr lang="en-US" dirty="0" err="1"/>
-              <a:t>Menyambung</a:t>
-            </a:r>
-            <a:r>
-              <a:rPr lang="en-US" dirty="0"/>
-              <a:t> </a:t>
-            </a:r>
-            <a:r>
-              <a:rPr lang="en-US" dirty="0" err="1"/>
-              <a:t>dan</a:t>
-            </a:r>
-            <a:r>
-              <a:rPr lang="en-US" dirty="0"/>
-              <a:t> </a:t>
-            </a:r>
-            <a:r>
-              <a:rPr lang="en-US" dirty="0" err="1"/>
-              <a:t>memutus</a:t>
-            </a:r>
-            <a:r>
-              <a:rPr lang="en-US" dirty="0"/>
-              <a:t> </a:t>
-            </a:r>
-            <a:r>
-              <a:rPr lang="en-US" dirty="0" err="1"/>
-              <a:t>koneksi</a:t>
-            </a:r>
-            <a:r>
-              <a:rPr lang="en-US" dirty="0"/>
-              <a:t> </a:t>
-            </a:r>
-            <a:r>
-              <a:rPr lang="en-US" dirty="0" err="1"/>
-              <a:t>antara</a:t>
-            </a:r>
-            <a:r>
-              <a:rPr lang="en-US" dirty="0"/>
-              <a:t> smartphone </a:t>
-            </a:r>
-            <a:r>
-              <a:rPr lang="en-US" dirty="0" err="1"/>
-              <a:t>dan</a:t>
-            </a:r>
-            <a:r>
-              <a:rPr lang="en-US" dirty="0"/>
-              <a:t> PC</a:t>
-            </a:r>
           </a:p>
         </p:txBody>
       </p:sp>
@@ -685,7 +613,7 @@
           <a:p>
             <a:fld id="{7427BB0B-62B8-F740-A38D-531805805F70}" type="slidenum">
               <a:rPr lang="en-US" smtClean="0"/>
-              <a:t>5</a:t>
+              <a:t>2</a:t>
             </a:fld>
             <a:endParaRPr lang="en-US"/>
           </a:p>
@@ -694,7 +622,7 @@
     </p:spTree>
     <p:extLst>
       <p:ext uri="{BB962C8B-B14F-4D97-AF65-F5344CB8AC3E}">
-        <p14:creationId xmlns:p14="http://schemas.microsoft.com/office/powerpoint/2010/main" val="2012368026"/>
+        <p14:creationId xmlns:p14="http://schemas.microsoft.com/office/powerpoint/2010/main" val="571344675"/>
       </p:ext>
     </p:extLst>
   </p:cSld>
@@ -748,6 +676,24 @@
           <a:bodyPr/>
           <a:lstStyle/>
           <a:p>
+            <a:r>
+              <a:rPr lang="en-US" dirty="0" err="1"/>
+              <a:t>berkomunikasi</a:t>
+            </a:r>
+            <a:r>
+              <a:rPr lang="en-US" dirty="0"/>
+              <a:t> </a:t>
+            </a:r>
+            <a:r>
+              <a:rPr lang="en-US" dirty="0" err="1"/>
+              <a:t>melalui</a:t>
+            </a:r>
+            <a:r>
+              <a:rPr lang="en-US" dirty="0"/>
+              <a:t> browser</a:t>
+            </a:r>
+          </a:p>
+          <a:p>
             <a:endParaRPr lang="en-US" dirty="0"/>
           </a:p>
         </p:txBody>
@@ -769,6 +715,954 @@
           <a:p>
             <a:fld id="{7427BB0B-62B8-F740-A38D-531805805F70}" type="slidenum">
               <a:rPr lang="en-US" smtClean="0"/>
+              <a:t>3</a:t>
+            </a:fld>
+            <a:endParaRPr lang="en-US"/>
+          </a:p>
+        </p:txBody>
+      </p:sp>
+    </p:spTree>
+    <p:extLst>
+      <p:ext uri="{BB962C8B-B14F-4D97-AF65-F5344CB8AC3E}">
+        <p14:creationId xmlns:p14="http://schemas.microsoft.com/office/powerpoint/2010/main" val="554927042"/>
+      </p:ext>
+    </p:extLst>
+  </p:cSld>
+  <p:clrMapOvr>
+    <a:masterClrMapping/>
+  </p:clrMapOvr>
+</p:notes>
+</file>
+
+<file path=ppt/notesSlides/notesSlide3.xml><?xml version="1.0" encoding="utf-8"?>
+<p:notes xmlns:a="http://schemas.openxmlformats.org/drawingml/2006/main" xmlns:r="http://schemas.openxmlformats.org/officeDocument/2006/relationships" xmlns:p="http://schemas.openxmlformats.org/presentationml/2006/main">
+  <p:cSld>
+    <p:spTree>
+      <p:nvGrpSpPr>
+        <p:cNvPr id="1" name=""/>
+        <p:cNvGrpSpPr/>
+        <p:nvPr/>
+      </p:nvGrpSpPr>
+      <p:grpSpPr>
+        <a:xfrm>
+          <a:off x="0" y="0"/>
+          <a:ext cx="0" cy="0"/>
+          <a:chOff x="0" y="0"/>
+          <a:chExt cx="0" cy="0"/>
+        </a:xfrm>
+      </p:grpSpPr>
+      <p:sp>
+        <p:nvSpPr>
+          <p:cNvPr id="2" name="Slide Image Placeholder 1"/>
+          <p:cNvSpPr>
+            <a:spLocks noGrp="1" noRot="1" noChangeAspect="1"/>
+          </p:cNvSpPr>
+          <p:nvPr>
+            <p:ph type="sldImg"/>
+          </p:nvPr>
+        </p:nvSpPr>
+        <p:spPr/>
+      </p:sp>
+      <p:sp>
+        <p:nvSpPr>
+          <p:cNvPr id="3" name="Notes Placeholder 2"/>
+          <p:cNvSpPr>
+            <a:spLocks noGrp="1"/>
+          </p:cNvSpPr>
+          <p:nvPr>
+            <p:ph type="body" idx="1"/>
+          </p:nvPr>
+        </p:nvSpPr>
+        <p:spPr/>
+        <p:txBody>
+          <a:bodyPr/>
+          <a:lstStyle/>
+          <a:p>
+            <a:r>
+              <a:rPr lang="en-US" dirty="0" err="1"/>
+              <a:t>cara</a:t>
+            </a:r>
+            <a:r>
+              <a:rPr lang="en-US" dirty="0"/>
+              <a:t> </a:t>
+            </a:r>
+            <a:r>
+              <a:rPr lang="en-US" dirty="0" err="1"/>
+              <a:t>komunikasi</a:t>
+            </a:r>
+            <a:endParaRPr lang="en-US" dirty="0"/>
+          </a:p>
+          <a:p>
+            <a:r>
+              <a:rPr lang="en-US" dirty="0" err="1"/>
+              <a:t>menggunakan</a:t>
+            </a:r>
+            <a:r>
+              <a:rPr lang="en-US" dirty="0"/>
+              <a:t> </a:t>
+            </a:r>
+            <a:r>
+              <a:rPr lang="en-US" dirty="0" err="1"/>
+              <a:t>kode</a:t>
+            </a:r>
+            <a:r>
+              <a:rPr lang="en-US" dirty="0"/>
+              <a:t> </a:t>
+            </a:r>
+            <a:r>
+              <a:rPr lang="en-US" dirty="0" err="1"/>
+              <a:t>dari</a:t>
+            </a:r>
+            <a:r>
+              <a:rPr lang="en-US" dirty="0"/>
+              <a:t> pc </a:t>
+            </a:r>
+            <a:r>
+              <a:rPr lang="en-US" dirty="0" err="1"/>
+              <a:t>ke</a:t>
+            </a:r>
+            <a:r>
+              <a:rPr lang="en-US" dirty="0"/>
+              <a:t> smartphone</a:t>
+            </a:r>
+          </a:p>
+        </p:txBody>
+      </p:sp>
+      <p:sp>
+        <p:nvSpPr>
+          <p:cNvPr id="4" name="Slide Number Placeholder 3"/>
+          <p:cNvSpPr>
+            <a:spLocks noGrp="1"/>
+          </p:cNvSpPr>
+          <p:nvPr>
+            <p:ph type="sldNum" sz="quarter" idx="5"/>
+          </p:nvPr>
+        </p:nvSpPr>
+        <p:spPr/>
+        <p:txBody>
+          <a:bodyPr/>
+          <a:lstStyle/>
+          <a:p>
+            <a:fld id="{7427BB0B-62B8-F740-A38D-531805805F70}" type="slidenum">
+              <a:rPr lang="en-US" smtClean="0"/>
+              <a:t>4</a:t>
+            </a:fld>
+            <a:endParaRPr lang="en-US"/>
+          </a:p>
+        </p:txBody>
+      </p:sp>
+    </p:spTree>
+    <p:extLst>
+      <p:ext uri="{BB962C8B-B14F-4D97-AF65-F5344CB8AC3E}">
+        <p14:creationId xmlns:p14="http://schemas.microsoft.com/office/powerpoint/2010/main" val="177557645"/>
+      </p:ext>
+    </p:extLst>
+  </p:cSld>
+  <p:clrMapOvr>
+    <a:masterClrMapping/>
+  </p:clrMapOvr>
+</p:notes>
+</file>
+
+<file path=ppt/notesSlides/notesSlide4.xml><?xml version="1.0" encoding="utf-8"?>
+<p:notes xmlns:a="http://schemas.openxmlformats.org/drawingml/2006/main" xmlns:r="http://schemas.openxmlformats.org/officeDocument/2006/relationships" xmlns:p="http://schemas.openxmlformats.org/presentationml/2006/main">
+  <p:cSld>
+    <p:spTree>
+      <p:nvGrpSpPr>
+        <p:cNvPr id="1" name=""/>
+        <p:cNvGrpSpPr/>
+        <p:nvPr/>
+      </p:nvGrpSpPr>
+      <p:grpSpPr>
+        <a:xfrm>
+          <a:off x="0" y="0"/>
+          <a:ext cx="0" cy="0"/>
+          <a:chOff x="0" y="0"/>
+          <a:chExt cx="0" cy="0"/>
+        </a:xfrm>
+      </p:grpSpPr>
+      <p:sp>
+        <p:nvSpPr>
+          <p:cNvPr id="2" name="Slide Image Placeholder 1"/>
+          <p:cNvSpPr>
+            <a:spLocks noGrp="1" noRot="1" noChangeAspect="1"/>
+          </p:cNvSpPr>
+          <p:nvPr>
+            <p:ph type="sldImg"/>
+          </p:nvPr>
+        </p:nvSpPr>
+        <p:spPr/>
+      </p:sp>
+      <p:sp>
+        <p:nvSpPr>
+          <p:cNvPr id="3" name="Notes Placeholder 2"/>
+          <p:cNvSpPr>
+            <a:spLocks noGrp="1"/>
+          </p:cNvSpPr>
+          <p:nvPr>
+            <p:ph type="body" idx="1"/>
+          </p:nvPr>
+        </p:nvSpPr>
+        <p:spPr/>
+        <p:txBody>
+          <a:bodyPr/>
+          <a:lstStyle/>
+          <a:p>
+            <a:pPr marL="171450" indent="-171450">
+              <a:buFontTx/>
+              <a:buChar char="-"/>
+            </a:pPr>
+            <a:r>
+              <a:rPr lang="en-US" dirty="0"/>
+              <a:t>smartphone </a:t>
+            </a:r>
+            <a:r>
+              <a:rPr lang="en-US" dirty="0" err="1"/>
+              <a:t>akan</a:t>
+            </a:r>
+            <a:r>
+              <a:rPr lang="en-US" dirty="0"/>
+              <a:t> </a:t>
+            </a:r>
+            <a:r>
+              <a:rPr lang="en-US" dirty="0" err="1"/>
+              <a:t>terkoneksi</a:t>
+            </a:r>
+            <a:r>
+              <a:rPr lang="en-US" dirty="0"/>
+              <a:t> </a:t>
+            </a:r>
+            <a:r>
+              <a:rPr lang="en-US" dirty="0" err="1"/>
+              <a:t>ke</a:t>
+            </a:r>
+            <a:r>
+              <a:rPr lang="en-US" dirty="0"/>
+              <a:t> pc</a:t>
+            </a:r>
+          </a:p>
+          <a:p>
+            <a:pPr marL="171450" indent="-171450">
+              <a:buFontTx/>
+              <a:buChar char="-"/>
+            </a:pPr>
+            <a:r>
+              <a:rPr lang="en-US" dirty="0" err="1"/>
+              <a:t>komunikasi</a:t>
+            </a:r>
+            <a:r>
+              <a:rPr lang="en-US" dirty="0"/>
+              <a:t> </a:t>
+            </a:r>
+            <a:r>
+              <a:rPr lang="en-US" dirty="0" err="1"/>
+              <a:t>melalui</a:t>
+            </a:r>
+            <a:r>
+              <a:rPr lang="en-US" dirty="0"/>
+              <a:t> browser</a:t>
+            </a:r>
+          </a:p>
+          <a:p>
+            <a:pPr marL="171450" indent="-171450">
+              <a:buFontTx/>
+              <a:buChar char="-"/>
+            </a:pPr>
+            <a:r>
+              <a:rPr lang="en-US" dirty="0" err="1"/>
+              <a:t>pengiriman</a:t>
+            </a:r>
+            <a:r>
+              <a:rPr lang="en-US" dirty="0"/>
+              <a:t> </a:t>
+            </a:r>
+            <a:r>
+              <a:rPr lang="en-US" dirty="0" err="1"/>
+              <a:t>kode</a:t>
+            </a:r>
+            <a:r>
+              <a:rPr lang="en-US" dirty="0"/>
+              <a:t> </a:t>
+            </a:r>
+            <a:r>
+              <a:rPr lang="en-US" dirty="0" err="1"/>
+              <a:t>melalui</a:t>
+            </a:r>
+            <a:r>
+              <a:rPr lang="en-US" dirty="0"/>
+              <a:t> browser</a:t>
+            </a:r>
+          </a:p>
+          <a:p>
+            <a:pPr marL="171450" indent="-171450">
+              <a:buFontTx/>
+              <a:buChar char="-"/>
+            </a:pPr>
+            <a:r>
+              <a:rPr lang="en-US" dirty="0" err="1"/>
+              <a:t>cara</a:t>
+            </a:r>
+            <a:r>
+              <a:rPr lang="en-US" dirty="0"/>
+              <a:t> yang </a:t>
+            </a:r>
+            <a:r>
+              <a:rPr lang="en-US" dirty="0" err="1"/>
+              <a:t>akan</a:t>
+            </a:r>
+            <a:r>
+              <a:rPr lang="en-US" dirty="0"/>
+              <a:t> </a:t>
+            </a:r>
+            <a:r>
+              <a:rPr lang="en-US" dirty="0" err="1"/>
+              <a:t>digunakan</a:t>
+            </a:r>
+            <a:r>
+              <a:rPr lang="en-US" dirty="0"/>
+              <a:t> </a:t>
+            </a:r>
+            <a:r>
+              <a:rPr lang="en-US" dirty="0" err="1"/>
+              <a:t>didalam</a:t>
+            </a:r>
+            <a:r>
+              <a:rPr lang="en-US" dirty="0"/>
+              <a:t> program</a:t>
+            </a:r>
+          </a:p>
+          <a:p>
+            <a:pPr marL="171450" indent="-171450">
+              <a:buFontTx/>
+              <a:buChar char="-"/>
+            </a:pPr>
+            <a:r>
+              <a:rPr lang="en-US" dirty="0" err="1"/>
+              <a:t>teknologi</a:t>
+            </a:r>
+            <a:r>
+              <a:rPr lang="en-US" dirty="0"/>
+              <a:t> yang </a:t>
+            </a:r>
+            <a:r>
+              <a:rPr lang="en-US" dirty="0" err="1"/>
+              <a:t>dipakai</a:t>
+            </a:r>
+            <a:endParaRPr lang="en-US" dirty="0"/>
+          </a:p>
+        </p:txBody>
+      </p:sp>
+      <p:sp>
+        <p:nvSpPr>
+          <p:cNvPr id="4" name="Slide Number Placeholder 3"/>
+          <p:cNvSpPr>
+            <a:spLocks noGrp="1"/>
+          </p:cNvSpPr>
+          <p:nvPr>
+            <p:ph type="sldNum" sz="quarter" idx="5"/>
+          </p:nvPr>
+        </p:nvSpPr>
+        <p:spPr/>
+        <p:txBody>
+          <a:bodyPr/>
+          <a:lstStyle/>
+          <a:p>
+            <a:fld id="{7427BB0B-62B8-F740-A38D-531805805F70}" type="slidenum">
+              <a:rPr lang="en-US" smtClean="0"/>
+              <a:t>5</a:t>
+            </a:fld>
+            <a:endParaRPr lang="en-US"/>
+          </a:p>
+        </p:txBody>
+      </p:sp>
+    </p:spTree>
+    <p:extLst>
+      <p:ext uri="{BB962C8B-B14F-4D97-AF65-F5344CB8AC3E}">
+        <p14:creationId xmlns:p14="http://schemas.microsoft.com/office/powerpoint/2010/main" val="2012368026"/>
+      </p:ext>
+    </p:extLst>
+  </p:cSld>
+  <p:clrMapOvr>
+    <a:masterClrMapping/>
+  </p:clrMapOvr>
+</p:notes>
+</file>
+
+<file path=ppt/notesSlides/notesSlide5.xml><?xml version="1.0" encoding="utf-8"?>
+<p:notes xmlns:a="http://schemas.openxmlformats.org/drawingml/2006/main" xmlns:r="http://schemas.openxmlformats.org/officeDocument/2006/relationships" xmlns:p="http://schemas.openxmlformats.org/presentationml/2006/main">
+  <p:cSld>
+    <p:spTree>
+      <p:nvGrpSpPr>
+        <p:cNvPr id="1" name=""/>
+        <p:cNvGrpSpPr/>
+        <p:nvPr/>
+      </p:nvGrpSpPr>
+      <p:grpSpPr>
+        <a:xfrm>
+          <a:off x="0" y="0"/>
+          <a:ext cx="0" cy="0"/>
+          <a:chOff x="0" y="0"/>
+          <a:chExt cx="0" cy="0"/>
+        </a:xfrm>
+      </p:grpSpPr>
+      <p:sp>
+        <p:nvSpPr>
+          <p:cNvPr id="2" name="Slide Image Placeholder 1"/>
+          <p:cNvSpPr>
+            <a:spLocks noGrp="1" noRot="1" noChangeAspect="1"/>
+          </p:cNvSpPr>
+          <p:nvPr>
+            <p:ph type="sldImg"/>
+          </p:nvPr>
+        </p:nvSpPr>
+        <p:spPr/>
+      </p:sp>
+      <p:sp>
+        <p:nvSpPr>
+          <p:cNvPr id="3" name="Notes Placeholder 2"/>
+          <p:cNvSpPr>
+            <a:spLocks noGrp="1"/>
+          </p:cNvSpPr>
+          <p:nvPr>
+            <p:ph type="body" idx="1"/>
+          </p:nvPr>
+        </p:nvSpPr>
+        <p:spPr/>
+        <p:txBody>
+          <a:bodyPr/>
+          <a:lstStyle/>
+          <a:p>
+            <a:r>
+              <a:rPr lang="en-US" dirty="0" err="1"/>
+              <a:t>akan</a:t>
+            </a:r>
+            <a:r>
+              <a:rPr lang="en-US" dirty="0"/>
+              <a:t> </a:t>
+            </a:r>
+            <a:r>
+              <a:rPr lang="en-US" dirty="0" err="1"/>
+              <a:t>membahas</a:t>
+            </a:r>
+            <a:r>
+              <a:rPr lang="en-US" dirty="0"/>
+              <a:t> </a:t>
+            </a:r>
+            <a:r>
+              <a:rPr lang="en-US" dirty="0" err="1"/>
+              <a:t>lebih</a:t>
+            </a:r>
+            <a:r>
+              <a:rPr lang="en-US" dirty="0"/>
+              <a:t> </a:t>
+            </a:r>
+            <a:r>
+              <a:rPr lang="en-US" dirty="0" err="1"/>
+              <a:t>dalam</a:t>
+            </a:r>
+            <a:r>
+              <a:rPr lang="en-US" dirty="0"/>
+              <a:t> </a:t>
+            </a:r>
+            <a:r>
+              <a:rPr lang="en-US" dirty="0" err="1"/>
+              <a:t>mengenai</a:t>
+            </a:r>
+            <a:r>
+              <a:rPr lang="en-US" dirty="0"/>
+              <a:t> </a:t>
+            </a:r>
+            <a:r>
+              <a:rPr lang="en-US" dirty="0" err="1"/>
+              <a:t>socket.io</a:t>
+            </a:r>
+            <a:endParaRPr lang="en-US" dirty="0"/>
+          </a:p>
+          <a:p>
+            <a:r>
+              <a:rPr lang="en-US" dirty="0" err="1"/>
+              <a:t>bagaimana</a:t>
+            </a:r>
+            <a:r>
+              <a:rPr lang="en-US" dirty="0"/>
+              <a:t> </a:t>
+            </a:r>
+            <a:r>
+              <a:rPr lang="en-US" dirty="0" err="1"/>
+              <a:t>fitur</a:t>
+            </a:r>
+            <a:r>
+              <a:rPr lang="en-US" dirty="0"/>
+              <a:t> yang </a:t>
+            </a:r>
+            <a:r>
+              <a:rPr lang="en-US" dirty="0" err="1"/>
+              <a:t>ada</a:t>
+            </a:r>
+            <a:r>
+              <a:rPr lang="en-US" dirty="0"/>
+              <a:t> </a:t>
+            </a:r>
+            <a:r>
+              <a:rPr lang="en-US" dirty="0" err="1"/>
+              <a:t>dimanfaatkan</a:t>
+            </a:r>
+            <a:endParaRPr lang="en-US" dirty="0"/>
+          </a:p>
+        </p:txBody>
+      </p:sp>
+      <p:sp>
+        <p:nvSpPr>
+          <p:cNvPr id="4" name="Slide Number Placeholder 3"/>
+          <p:cNvSpPr>
+            <a:spLocks noGrp="1"/>
+          </p:cNvSpPr>
+          <p:nvPr>
+            <p:ph type="sldNum" sz="quarter" idx="5"/>
+          </p:nvPr>
+        </p:nvSpPr>
+        <p:spPr/>
+        <p:txBody>
+          <a:bodyPr/>
+          <a:lstStyle/>
+          <a:p>
+            <a:fld id="{7427BB0B-62B8-F740-A38D-531805805F70}" type="slidenum">
+              <a:rPr lang="en-US" smtClean="0"/>
+              <a:t>6</a:t>
+            </a:fld>
+            <a:endParaRPr lang="en-US"/>
+          </a:p>
+        </p:txBody>
+      </p:sp>
+    </p:spTree>
+    <p:extLst>
+      <p:ext uri="{BB962C8B-B14F-4D97-AF65-F5344CB8AC3E}">
+        <p14:creationId xmlns:p14="http://schemas.microsoft.com/office/powerpoint/2010/main" val="2750501079"/>
+      </p:ext>
+    </p:extLst>
+  </p:cSld>
+  <p:clrMapOvr>
+    <a:masterClrMapping/>
+  </p:clrMapOvr>
+</p:notes>
+</file>
+
+<file path=ppt/notesSlides/notesSlide6.xml><?xml version="1.0" encoding="utf-8"?>
+<p:notes xmlns:a="http://schemas.openxmlformats.org/drawingml/2006/main" xmlns:r="http://schemas.openxmlformats.org/officeDocument/2006/relationships" xmlns:p="http://schemas.openxmlformats.org/presentationml/2006/main">
+  <p:cSld>
+    <p:spTree>
+      <p:nvGrpSpPr>
+        <p:cNvPr id="1" name=""/>
+        <p:cNvGrpSpPr/>
+        <p:nvPr/>
+      </p:nvGrpSpPr>
+      <p:grpSpPr>
+        <a:xfrm>
+          <a:off x="0" y="0"/>
+          <a:ext cx="0" cy="0"/>
+          <a:chOff x="0" y="0"/>
+          <a:chExt cx="0" cy="0"/>
+        </a:xfrm>
+      </p:grpSpPr>
+      <p:sp>
+        <p:nvSpPr>
+          <p:cNvPr id="2" name="Slide Image Placeholder 1"/>
+          <p:cNvSpPr>
+            <a:spLocks noGrp="1" noRot="1" noChangeAspect="1"/>
+          </p:cNvSpPr>
+          <p:nvPr>
+            <p:ph type="sldImg"/>
+          </p:nvPr>
+        </p:nvSpPr>
+        <p:spPr/>
+      </p:sp>
+      <p:sp>
+        <p:nvSpPr>
+          <p:cNvPr id="3" name="Notes Placeholder 2"/>
+          <p:cNvSpPr>
+            <a:spLocks noGrp="1"/>
+          </p:cNvSpPr>
+          <p:nvPr>
+            <p:ph type="body" idx="1"/>
+          </p:nvPr>
+        </p:nvSpPr>
+        <p:spPr/>
+        <p:txBody>
+          <a:bodyPr/>
+          <a:lstStyle/>
+          <a:p>
+            <a:r>
+              <a:rPr lang="en-US" dirty="0"/>
+              <a:t>real-time </a:t>
+            </a:r>
+            <a:r>
+              <a:rPr lang="en-US" dirty="0" err="1"/>
+              <a:t>artinya</a:t>
+            </a:r>
+            <a:r>
+              <a:rPr lang="en-US" dirty="0"/>
+              <a:t> </a:t>
+            </a:r>
+            <a:r>
+              <a:rPr lang="en-US" dirty="0" err="1"/>
+              <a:t>selisih</a:t>
+            </a:r>
+            <a:r>
+              <a:rPr lang="en-US" dirty="0"/>
+              <a:t> </a:t>
+            </a:r>
+            <a:r>
+              <a:rPr lang="en-US" dirty="0" err="1"/>
+              <a:t>perbedaan</a:t>
+            </a:r>
+            <a:r>
+              <a:rPr lang="en-US" dirty="0"/>
+              <a:t> </a:t>
+            </a:r>
+            <a:r>
+              <a:rPr lang="en-US" dirty="0" err="1"/>
+              <a:t>waktu</a:t>
+            </a:r>
+            <a:r>
+              <a:rPr lang="en-US" dirty="0"/>
+              <a:t> yang </a:t>
+            </a:r>
+            <a:r>
+              <a:rPr lang="en-US" dirty="0" err="1"/>
+              <a:t>ada</a:t>
+            </a:r>
+            <a:r>
+              <a:rPr lang="en-US" dirty="0"/>
+              <a:t> </a:t>
+            </a:r>
+            <a:r>
+              <a:rPr lang="en-US" dirty="0" err="1"/>
+              <a:t>pada</a:t>
+            </a:r>
+            <a:r>
+              <a:rPr lang="en-US" dirty="0"/>
+              <a:t> client </a:t>
+            </a:r>
+            <a:r>
+              <a:rPr lang="en-US" dirty="0" err="1"/>
+              <a:t>dan</a:t>
+            </a:r>
+            <a:r>
+              <a:rPr lang="en-US" dirty="0"/>
+              <a:t> server </a:t>
+            </a:r>
+            <a:r>
+              <a:rPr lang="en-US" dirty="0" err="1"/>
+              <a:t>kecil</a:t>
+            </a:r>
+            <a:endParaRPr lang="en-US" dirty="0"/>
+          </a:p>
+          <a:p>
+            <a:r>
+              <a:rPr lang="en-US" dirty="0" err="1"/>
+              <a:t>apabila</a:t>
+            </a:r>
+            <a:r>
+              <a:rPr lang="en-US" dirty="0"/>
+              <a:t> client </a:t>
+            </a:r>
+            <a:r>
+              <a:rPr lang="en-US" dirty="0" err="1"/>
+              <a:t>mengirim</a:t>
+            </a:r>
+            <a:r>
+              <a:rPr lang="en-US" dirty="0"/>
+              <a:t> data A, </a:t>
+            </a:r>
+            <a:r>
+              <a:rPr lang="en-US" dirty="0" err="1"/>
+              <a:t>maka</a:t>
+            </a:r>
+            <a:r>
+              <a:rPr lang="en-US" dirty="0"/>
+              <a:t> server </a:t>
+            </a:r>
+            <a:r>
+              <a:rPr lang="en-US" dirty="0" err="1"/>
+              <a:t>akan</a:t>
+            </a:r>
+            <a:r>
+              <a:rPr lang="en-US" dirty="0"/>
+              <a:t> </a:t>
+            </a:r>
+            <a:r>
+              <a:rPr lang="en-US" dirty="0" err="1"/>
+              <a:t>menerima</a:t>
+            </a:r>
+            <a:r>
+              <a:rPr lang="en-US" dirty="0"/>
+              <a:t> data A di </a:t>
+            </a:r>
+            <a:r>
+              <a:rPr lang="en-US" dirty="0" err="1"/>
+              <a:t>waktu</a:t>
+            </a:r>
+            <a:r>
+              <a:rPr lang="en-US" dirty="0"/>
+              <a:t> yang </a:t>
+            </a:r>
+            <a:r>
+              <a:rPr lang="en-US" dirty="0" err="1"/>
+              <a:t>sama</a:t>
+            </a:r>
+            <a:endParaRPr lang="en-US" dirty="0"/>
+          </a:p>
+        </p:txBody>
+      </p:sp>
+      <p:sp>
+        <p:nvSpPr>
+          <p:cNvPr id="4" name="Slide Number Placeholder 3"/>
+          <p:cNvSpPr>
+            <a:spLocks noGrp="1"/>
+          </p:cNvSpPr>
+          <p:nvPr>
+            <p:ph type="sldNum" sz="quarter" idx="5"/>
+          </p:nvPr>
+        </p:nvSpPr>
+        <p:spPr/>
+        <p:txBody>
+          <a:bodyPr/>
+          <a:lstStyle/>
+          <a:p>
+            <a:fld id="{7427BB0B-62B8-F740-A38D-531805805F70}" type="slidenum">
+              <a:rPr lang="en-US" smtClean="0"/>
+              <a:t>7</a:t>
+            </a:fld>
+            <a:endParaRPr lang="en-US"/>
+          </a:p>
+        </p:txBody>
+      </p:sp>
+    </p:spTree>
+    <p:extLst>
+      <p:ext uri="{BB962C8B-B14F-4D97-AF65-F5344CB8AC3E}">
+        <p14:creationId xmlns:p14="http://schemas.microsoft.com/office/powerpoint/2010/main" val="758119602"/>
+      </p:ext>
+    </p:extLst>
+  </p:cSld>
+  <p:clrMapOvr>
+    <a:masterClrMapping/>
+  </p:clrMapOvr>
+</p:notes>
+</file>
+
+<file path=ppt/notesSlides/notesSlide7.xml><?xml version="1.0" encoding="utf-8"?>
+<p:notes xmlns:a="http://schemas.openxmlformats.org/drawingml/2006/main" xmlns:r="http://schemas.openxmlformats.org/officeDocument/2006/relationships" xmlns:p="http://schemas.openxmlformats.org/presentationml/2006/main">
+  <p:cSld>
+    <p:spTree>
+      <p:nvGrpSpPr>
+        <p:cNvPr id="1" name=""/>
+        <p:cNvGrpSpPr/>
+        <p:nvPr/>
+      </p:nvGrpSpPr>
+      <p:grpSpPr>
+        <a:xfrm>
+          <a:off x="0" y="0"/>
+          <a:ext cx="0" cy="0"/>
+          <a:chOff x="0" y="0"/>
+          <a:chExt cx="0" cy="0"/>
+        </a:xfrm>
+      </p:grpSpPr>
+      <p:sp>
+        <p:nvSpPr>
+          <p:cNvPr id="2" name="Slide Image Placeholder 1"/>
+          <p:cNvSpPr>
+            <a:spLocks noGrp="1" noRot="1" noChangeAspect="1"/>
+          </p:cNvSpPr>
+          <p:nvPr>
+            <p:ph type="sldImg"/>
+          </p:nvPr>
+        </p:nvSpPr>
+        <p:spPr/>
+      </p:sp>
+      <p:sp>
+        <p:nvSpPr>
+          <p:cNvPr id="3" name="Notes Placeholder 2"/>
+          <p:cNvSpPr>
+            <a:spLocks noGrp="1"/>
+          </p:cNvSpPr>
+          <p:nvPr>
+            <p:ph type="body" idx="1"/>
+          </p:nvPr>
+        </p:nvSpPr>
+        <p:spPr/>
+        <p:txBody>
+          <a:bodyPr/>
+          <a:lstStyle/>
+          <a:p>
+            <a:r>
+              <a:rPr lang="en-US" dirty="0"/>
+              <a:t>client </a:t>
+            </a:r>
+            <a:r>
+              <a:rPr lang="en-US" dirty="0" err="1"/>
+              <a:t>akan</a:t>
+            </a:r>
+            <a:r>
+              <a:rPr lang="en-US" dirty="0"/>
+              <a:t> </a:t>
+            </a:r>
+            <a:r>
+              <a:rPr lang="en-US" dirty="0" err="1"/>
+              <a:t>melakukan</a:t>
+            </a:r>
+            <a:r>
+              <a:rPr lang="en-US" dirty="0"/>
+              <a:t> </a:t>
+            </a:r>
+            <a:r>
+              <a:rPr lang="en-US" dirty="0" err="1"/>
+              <a:t>komunikasi</a:t>
+            </a:r>
+            <a:r>
+              <a:rPr lang="en-US" dirty="0"/>
+              <a:t> </a:t>
+            </a:r>
+            <a:r>
+              <a:rPr lang="en-US" dirty="0" err="1"/>
+              <a:t>kepada</a:t>
+            </a:r>
+            <a:r>
+              <a:rPr lang="en-US" dirty="0"/>
+              <a:t> server</a:t>
+            </a:r>
+          </a:p>
+          <a:p>
+            <a:r>
+              <a:rPr lang="en-US" dirty="0"/>
+              <a:t>client </a:t>
+            </a:r>
+            <a:r>
+              <a:rPr lang="en-US" dirty="0" err="1"/>
+              <a:t>akan</a:t>
+            </a:r>
+            <a:r>
+              <a:rPr lang="en-US" dirty="0"/>
+              <a:t> </a:t>
+            </a:r>
+            <a:r>
+              <a:rPr lang="en-US" dirty="0" err="1"/>
+              <a:t>melakukan</a:t>
+            </a:r>
+            <a:r>
+              <a:rPr lang="en-US" dirty="0"/>
+              <a:t> proses emit </a:t>
+            </a:r>
+            <a:r>
+              <a:rPr lang="en-US" dirty="0" err="1"/>
+              <a:t>atau</a:t>
+            </a:r>
+            <a:r>
+              <a:rPr lang="en-US" dirty="0"/>
+              <a:t> yang </a:t>
+            </a:r>
+            <a:r>
+              <a:rPr lang="en-US" dirty="0" err="1"/>
+              <a:t>artinya</a:t>
+            </a:r>
+            <a:r>
+              <a:rPr lang="en-US" dirty="0"/>
+              <a:t> </a:t>
+            </a:r>
+            <a:r>
+              <a:rPr lang="en-US" dirty="0" err="1"/>
+              <a:t>memancarkan</a:t>
+            </a:r>
+            <a:r>
+              <a:rPr lang="en-US" dirty="0"/>
+              <a:t> </a:t>
+            </a:r>
+            <a:r>
+              <a:rPr lang="en-US" dirty="0" err="1"/>
+              <a:t>suatu</a:t>
+            </a:r>
+            <a:r>
+              <a:rPr lang="en-US" dirty="0"/>
+              <a:t> event</a:t>
+            </a:r>
+          </a:p>
+          <a:p>
+            <a:r>
+              <a:rPr lang="en-US" dirty="0"/>
+              <a:t>event </a:t>
+            </a:r>
+            <a:r>
+              <a:rPr lang="en-US" dirty="0" err="1"/>
+              <a:t>akan</a:t>
+            </a:r>
+            <a:r>
+              <a:rPr lang="en-US" dirty="0"/>
+              <a:t> </a:t>
+            </a:r>
+            <a:r>
+              <a:rPr lang="en-US" dirty="0" err="1"/>
+              <a:t>menunggu</a:t>
+            </a:r>
+            <a:r>
+              <a:rPr lang="en-US" dirty="0"/>
+              <a:t> </a:t>
+            </a:r>
+            <a:r>
+              <a:rPr lang="en-US" dirty="0" err="1"/>
+              <a:t>untuk</a:t>
+            </a:r>
+            <a:r>
+              <a:rPr lang="en-US" dirty="0"/>
+              <a:t> </a:t>
+            </a:r>
+            <a:r>
+              <a:rPr lang="en-US" dirty="0" err="1"/>
+              <a:t>ditangkap</a:t>
+            </a:r>
+            <a:r>
+              <a:rPr lang="en-US" dirty="0"/>
+              <a:t> </a:t>
+            </a:r>
+            <a:r>
+              <a:rPr lang="en-US" dirty="0" err="1"/>
+              <a:t>oleh</a:t>
+            </a:r>
+            <a:r>
+              <a:rPr lang="en-US" dirty="0"/>
+              <a:t> </a:t>
+            </a:r>
+            <a:r>
+              <a:rPr lang="en-US" dirty="0" err="1"/>
+              <a:t>fungsi</a:t>
+            </a:r>
+            <a:r>
+              <a:rPr lang="en-US" dirty="0"/>
+              <a:t> </a:t>
+            </a:r>
+            <a:r>
+              <a:rPr lang="en-US" dirty="0" err="1"/>
+              <a:t>tertentu</a:t>
+            </a:r>
+            <a:endParaRPr lang="en-US" dirty="0"/>
+          </a:p>
+        </p:txBody>
+      </p:sp>
+      <p:sp>
+        <p:nvSpPr>
+          <p:cNvPr id="4" name="Slide Number Placeholder 3"/>
+          <p:cNvSpPr>
+            <a:spLocks noGrp="1"/>
+          </p:cNvSpPr>
+          <p:nvPr>
+            <p:ph type="sldNum" sz="quarter" idx="5"/>
+          </p:nvPr>
+        </p:nvSpPr>
+        <p:spPr/>
+        <p:txBody>
+          <a:bodyPr/>
+          <a:lstStyle/>
+          <a:p>
+            <a:fld id="{7427BB0B-62B8-F740-A38D-531805805F70}" type="slidenum">
+              <a:rPr lang="en-US" smtClean="0"/>
               <a:t>9</a:t>
             </a:fld>
             <a:endParaRPr lang="en-US"/>
@@ -779,6 +1673,250 @@
     <p:extLst>
       <p:ext uri="{BB962C8B-B14F-4D97-AF65-F5344CB8AC3E}">
         <p14:creationId xmlns:p14="http://schemas.microsoft.com/office/powerpoint/2010/main" val="557254355"/>
+      </p:ext>
+    </p:extLst>
+  </p:cSld>
+  <p:clrMapOvr>
+    <a:masterClrMapping/>
+  </p:clrMapOvr>
+</p:notes>
+</file>
+
+<file path=ppt/notesSlides/notesSlide8.xml><?xml version="1.0" encoding="utf-8"?>
+<p:notes xmlns:a="http://schemas.openxmlformats.org/drawingml/2006/main" xmlns:r="http://schemas.openxmlformats.org/officeDocument/2006/relationships" xmlns:p="http://schemas.openxmlformats.org/presentationml/2006/main">
+  <p:cSld>
+    <p:spTree>
+      <p:nvGrpSpPr>
+        <p:cNvPr id="1" name=""/>
+        <p:cNvGrpSpPr/>
+        <p:nvPr/>
+      </p:nvGrpSpPr>
+      <p:grpSpPr>
+        <a:xfrm>
+          <a:off x="0" y="0"/>
+          <a:ext cx="0" cy="0"/>
+          <a:chOff x="0" y="0"/>
+          <a:chExt cx="0" cy="0"/>
+        </a:xfrm>
+      </p:grpSpPr>
+      <p:sp>
+        <p:nvSpPr>
+          <p:cNvPr id="2" name="Slide Image Placeholder 1"/>
+          <p:cNvSpPr>
+            <a:spLocks noGrp="1" noRot="1" noChangeAspect="1"/>
+          </p:cNvSpPr>
+          <p:nvPr>
+            <p:ph type="sldImg"/>
+          </p:nvPr>
+        </p:nvSpPr>
+        <p:spPr/>
+      </p:sp>
+      <p:sp>
+        <p:nvSpPr>
+          <p:cNvPr id="3" name="Notes Placeholder 2"/>
+          <p:cNvSpPr>
+            <a:spLocks noGrp="1"/>
+          </p:cNvSpPr>
+          <p:nvPr>
+            <p:ph type="body" idx="1"/>
+          </p:nvPr>
+        </p:nvSpPr>
+        <p:spPr/>
+        <p:txBody>
+          <a:bodyPr/>
+          <a:lstStyle/>
+          <a:p>
+            <a:endParaRPr lang="en-US" dirty="0"/>
+          </a:p>
+        </p:txBody>
+      </p:sp>
+      <p:sp>
+        <p:nvSpPr>
+          <p:cNvPr id="4" name="Slide Number Placeholder 3"/>
+          <p:cNvSpPr>
+            <a:spLocks noGrp="1"/>
+          </p:cNvSpPr>
+          <p:nvPr>
+            <p:ph type="sldNum" sz="quarter" idx="5"/>
+          </p:nvPr>
+        </p:nvSpPr>
+        <p:spPr/>
+        <p:txBody>
+          <a:bodyPr/>
+          <a:lstStyle/>
+          <a:p>
+            <a:fld id="{7427BB0B-62B8-F740-A38D-531805805F70}" type="slidenum">
+              <a:rPr lang="en-US" smtClean="0"/>
+              <a:t>12</a:t>
+            </a:fld>
+            <a:endParaRPr lang="en-US"/>
+          </a:p>
+        </p:txBody>
+      </p:sp>
+    </p:spTree>
+    <p:extLst>
+      <p:ext uri="{BB962C8B-B14F-4D97-AF65-F5344CB8AC3E}">
+        <p14:creationId xmlns:p14="http://schemas.microsoft.com/office/powerpoint/2010/main" val="489599714"/>
+      </p:ext>
+    </p:extLst>
+  </p:cSld>
+  <p:clrMapOvr>
+    <a:masterClrMapping/>
+  </p:clrMapOvr>
+</p:notes>
+</file>
+
+<file path=ppt/notesSlides/notesSlide9.xml><?xml version="1.0" encoding="utf-8"?>
+<p:notes xmlns:a="http://schemas.openxmlformats.org/drawingml/2006/main" xmlns:r="http://schemas.openxmlformats.org/officeDocument/2006/relationships" xmlns:p="http://schemas.openxmlformats.org/presentationml/2006/main">
+  <p:cSld>
+    <p:spTree>
+      <p:nvGrpSpPr>
+        <p:cNvPr id="1" name=""/>
+        <p:cNvGrpSpPr/>
+        <p:nvPr/>
+      </p:nvGrpSpPr>
+      <p:grpSpPr>
+        <a:xfrm>
+          <a:off x="0" y="0"/>
+          <a:ext cx="0" cy="0"/>
+          <a:chOff x="0" y="0"/>
+          <a:chExt cx="0" cy="0"/>
+        </a:xfrm>
+      </p:grpSpPr>
+      <p:sp>
+        <p:nvSpPr>
+          <p:cNvPr id="2" name="Slide Image Placeholder 1"/>
+          <p:cNvSpPr>
+            <a:spLocks noGrp="1" noRot="1" noChangeAspect="1"/>
+          </p:cNvSpPr>
+          <p:nvPr>
+            <p:ph type="sldImg"/>
+          </p:nvPr>
+        </p:nvSpPr>
+        <p:spPr/>
+      </p:sp>
+      <p:sp>
+        <p:nvSpPr>
+          <p:cNvPr id="3" name="Notes Placeholder 2"/>
+          <p:cNvSpPr>
+            <a:spLocks noGrp="1"/>
+          </p:cNvSpPr>
+          <p:nvPr>
+            <p:ph type="body" idx="1"/>
+          </p:nvPr>
+        </p:nvSpPr>
+        <p:spPr/>
+        <p:txBody>
+          <a:bodyPr/>
+          <a:lstStyle/>
+          <a:p>
+            <a:r>
+              <a:rPr lang="en-US" dirty="0" err="1"/>
+              <a:t>setelah</a:t>
+            </a:r>
+            <a:r>
+              <a:rPr lang="en-US" dirty="0"/>
+              <a:t> tau </a:t>
+            </a:r>
+            <a:r>
+              <a:rPr lang="en-US" dirty="0" err="1"/>
+              <a:t>komunikasi</a:t>
+            </a:r>
+            <a:r>
+              <a:rPr lang="en-US" dirty="0"/>
+              <a:t> client </a:t>
+            </a:r>
+            <a:r>
+              <a:rPr lang="en-US" dirty="0" err="1"/>
+              <a:t>dan</a:t>
+            </a:r>
+            <a:r>
+              <a:rPr lang="en-US" dirty="0"/>
+              <a:t> server, </a:t>
+            </a:r>
+            <a:r>
+              <a:rPr lang="en-US" dirty="0" err="1"/>
+              <a:t>mari</a:t>
+            </a:r>
+            <a:r>
+              <a:rPr lang="en-US" dirty="0"/>
+              <a:t> </a:t>
+            </a:r>
+            <a:r>
+              <a:rPr lang="en-US" dirty="0" err="1"/>
+              <a:t>kita</a:t>
+            </a:r>
+            <a:r>
+              <a:rPr lang="en-US" dirty="0"/>
+              <a:t> </a:t>
+            </a:r>
+            <a:r>
+              <a:rPr lang="en-US" dirty="0" err="1"/>
+              <a:t>masuk</a:t>
+            </a:r>
+            <a:r>
+              <a:rPr lang="en-US" dirty="0"/>
+              <a:t> </a:t>
+            </a:r>
+            <a:r>
+              <a:rPr lang="en-US" dirty="0" err="1"/>
+              <a:t>pada</a:t>
+            </a:r>
+            <a:r>
+              <a:rPr lang="en-US" dirty="0"/>
+              <a:t> </a:t>
+            </a:r>
+            <a:r>
+              <a:rPr lang="en-US" dirty="0" err="1"/>
+              <a:t>tahap</a:t>
+            </a:r>
+            <a:r>
+              <a:rPr lang="en-US" dirty="0"/>
+              <a:t> </a:t>
+            </a:r>
+            <a:r>
+              <a:rPr lang="en-US" dirty="0" err="1"/>
+              <a:t>menyambung</a:t>
+            </a:r>
+            <a:r>
+              <a:rPr lang="en-US" dirty="0"/>
+              <a:t> </a:t>
+            </a:r>
+            <a:r>
+              <a:rPr lang="en-US" dirty="0" err="1"/>
+              <a:t>koneksi</a:t>
+            </a:r>
+            <a:endParaRPr lang="en-US" dirty="0"/>
+          </a:p>
+        </p:txBody>
+      </p:sp>
+      <p:sp>
+        <p:nvSpPr>
+          <p:cNvPr id="4" name="Slide Number Placeholder 3"/>
+          <p:cNvSpPr>
+            <a:spLocks noGrp="1"/>
+          </p:cNvSpPr>
+          <p:nvPr>
+            <p:ph type="sldNum" sz="quarter" idx="5"/>
+          </p:nvPr>
+        </p:nvSpPr>
+        <p:spPr/>
+        <p:txBody>
+          <a:bodyPr/>
+          <a:lstStyle/>
+          <a:p>
+            <a:fld id="{7427BB0B-62B8-F740-A38D-531805805F70}" type="slidenum">
+              <a:rPr lang="en-US" smtClean="0"/>
+              <a:t>13</a:t>
+            </a:fld>
+            <a:endParaRPr lang="en-US"/>
+          </a:p>
+        </p:txBody>
+      </p:sp>
+    </p:spTree>
+    <p:extLst>
+      <p:ext uri="{BB962C8B-B14F-4D97-AF65-F5344CB8AC3E}">
+        <p14:creationId xmlns:p14="http://schemas.microsoft.com/office/powerpoint/2010/main" val="1626805100"/>
       </p:ext>
     </p:extLst>
   </p:cSld>
@@ -1075,7 +2213,7 @@
           <a:p>
             <a:fld id="{E68B30E6-6595-4847-9D7C-E148D938E1A6}" type="datetimeFigureOut">
               <a:rPr lang="en-US" smtClean="0"/>
-              <a:t>12/17/18</a:t>
+              <a:t>12/19/18</a:t>
             </a:fld>
             <a:endParaRPr lang="en-US"/>
           </a:p>
@@ -1393,7 +2531,7 @@
           <a:p>
             <a:fld id="{E68B30E6-6595-4847-9D7C-E148D938E1A6}" type="datetimeFigureOut">
               <a:rPr lang="en-US" smtClean="0"/>
-              <a:t>12/17/18</a:t>
+              <a:t>12/19/18</a:t>
             </a:fld>
             <a:endParaRPr lang="en-US"/>
           </a:p>
@@ -1881,7 +3019,7 @@
           <a:p>
             <a:fld id="{E68B30E6-6595-4847-9D7C-E148D938E1A6}" type="datetimeFigureOut">
               <a:rPr lang="en-US" smtClean="0"/>
-              <a:t>12/17/18</a:t>
+              <a:t>12/19/18</a:t>
             </a:fld>
             <a:endParaRPr lang="en-US"/>
           </a:p>
@@ -2250,7 +3388,7 @@
           <a:p>
             <a:fld id="{E68B30E6-6595-4847-9D7C-E148D938E1A6}" type="datetimeFigureOut">
               <a:rPr lang="en-US" smtClean="0"/>
-              <a:t>12/17/18</a:t>
+              <a:t>12/19/18</a:t>
             </a:fld>
             <a:endParaRPr lang="en-US"/>
           </a:p>
@@ -2523,7 +3661,7 @@
           <a:p>
             <a:fld id="{E68B30E6-6595-4847-9D7C-E148D938E1A6}" type="datetimeFigureOut">
               <a:rPr lang="en-US" smtClean="0"/>
-              <a:t>12/17/18</a:t>
+              <a:t>12/19/18</a:t>
             </a:fld>
             <a:endParaRPr lang="en-US"/>
           </a:p>
@@ -2808,7 +3946,7 @@
           <a:p>
             <a:fld id="{E68B30E6-6595-4847-9D7C-E148D938E1A6}" type="datetimeFigureOut">
               <a:rPr lang="en-US" smtClean="0"/>
-              <a:t>12/17/18</a:t>
+              <a:t>12/19/18</a:t>
             </a:fld>
             <a:endParaRPr lang="en-US"/>
           </a:p>
@@ -3091,7 +4229,7 @@
           <a:p>
             <a:fld id="{E68B30E6-6595-4847-9D7C-E148D938E1A6}" type="datetimeFigureOut">
               <a:rPr lang="en-US" smtClean="0"/>
-              <a:t>12/17/18</a:t>
+              <a:t>12/19/18</a:t>
             </a:fld>
             <a:endParaRPr lang="en-US"/>
           </a:p>
@@ -3434,7 +4572,7 @@
           <a:p>
             <a:fld id="{E68B30E6-6595-4847-9D7C-E148D938E1A6}" type="datetimeFigureOut">
               <a:rPr lang="en-US" smtClean="0"/>
-              <a:t>12/17/18</a:t>
+              <a:t>12/19/18</a:t>
             </a:fld>
             <a:endParaRPr lang="en-US"/>
           </a:p>
@@ -3773,7 +4911,7 @@
           <a:p>
             <a:fld id="{E68B30E6-6595-4847-9D7C-E148D938E1A6}" type="datetimeFigureOut">
               <a:rPr lang="en-US" smtClean="0"/>
-              <a:t>12/17/18</a:t>
+              <a:t>12/19/18</a:t>
             </a:fld>
             <a:endParaRPr lang="en-US"/>
           </a:p>
@@ -4250,7 +5388,7 @@
           <a:p>
             <a:fld id="{E68B30E6-6595-4847-9D7C-E148D938E1A6}" type="datetimeFigureOut">
               <a:rPr lang="en-US" smtClean="0"/>
-              <a:t>12/17/18</a:t>
+              <a:t>12/19/18</a:t>
             </a:fld>
             <a:endParaRPr lang="en-US"/>
           </a:p>
@@ -4471,7 +5609,7 @@
           <a:p>
             <a:fld id="{E68B30E6-6595-4847-9D7C-E148D938E1A6}" type="datetimeFigureOut">
               <a:rPr lang="en-US" smtClean="0"/>
-              <a:t>12/17/18</a:t>
+              <a:t>12/19/18</a:t>
             </a:fld>
             <a:endParaRPr lang="en-US"/>
           </a:p>
@@ -4566,7 +5704,7 @@
           <a:p>
             <a:fld id="{E68B30E6-6595-4847-9D7C-E148D938E1A6}" type="datetimeFigureOut">
               <a:rPr lang="en-US" smtClean="0"/>
-              <a:t>12/17/18</a:t>
+              <a:t>12/19/18</a:t>
             </a:fld>
             <a:endParaRPr lang="en-US"/>
           </a:p>
@@ -5033,7 +6171,7 @@
           <a:p>
             <a:fld id="{E68B30E6-6595-4847-9D7C-E148D938E1A6}" type="datetimeFigureOut">
               <a:rPr lang="en-US" smtClean="0"/>
-              <a:t>12/17/18</a:t>
+              <a:t>12/19/18</a:t>
             </a:fld>
             <a:endParaRPr lang="en-US"/>
           </a:p>
@@ -5346,7 +6484,7 @@
           <a:p>
             <a:fld id="{E68B30E6-6595-4847-9D7C-E148D938E1A6}" type="datetimeFigureOut">
               <a:rPr lang="en-US" smtClean="0"/>
-              <a:t>12/17/18</a:t>
+              <a:t>12/19/18</a:t>
             </a:fld>
             <a:endParaRPr lang="en-US"/>
           </a:p>
@@ -5616,7 +6754,7 @@
           <a:p>
             <a:fld id="{E68B30E6-6595-4847-9D7C-E148D938E1A6}" type="datetimeFigureOut">
               <a:rPr lang="en-US" smtClean="0"/>
-              <a:t>12/17/18</a:t>
+              <a:t>12/19/18</a:t>
             </a:fld>
             <a:endParaRPr lang="en-US"/>
           </a:p>
@@ -7434,7 +8572,15 @@
             </a:r>
             <a:r>
               <a:rPr lang="en-US" sz="2000" dirty="0"/>
-              <a:t>’, callback)</a:t>
+              <a:t>’, </a:t>
+            </a:r>
+            <a:r>
+              <a:rPr lang="en-US" sz="2000" dirty="0" err="1"/>
+              <a:t>args</a:t>
+            </a:r>
+            <a:r>
+              <a:rPr lang="en-US" sz="2000" dirty="0"/>
+              <a:t>)</a:t>
             </a:r>
           </a:p>
           <a:p>
@@ -7560,7 +8706,15 @@
             </a:r>
             <a:r>
               <a:rPr lang="en-US" sz="2000" dirty="0"/>
-              <a:t>’, callback)</a:t>
+              <a:t>’, </a:t>
+            </a:r>
+            <a:r>
+              <a:rPr lang="en-US" sz="2000" dirty="0" err="1"/>
+              <a:t>args</a:t>
+            </a:r>
+            <a:r>
+              <a:rPr lang="en-US" sz="2000" dirty="0"/>
+              <a:t>)</a:t>
             </a:r>
           </a:p>
           <a:p>
@@ -7589,7 +8743,13 @@
           <p:nvPr/>
         </p:nvPicPr>
         <p:blipFill>
-          <a:blip r:embed="rId2"/>
+          <a:blip r:embed="rId3" cstate="screen">
+            <a:extLst>
+              <a:ext uri="{28A0092B-C50C-407E-A947-70E740481C1C}">
+                <a14:useLocalDpi xmlns:a14="http://schemas.microsoft.com/office/drawing/2010/main"/>
+              </a:ext>
+            </a:extLst>
+          </a:blip>
           <a:stretch>
             <a:fillRect/>
           </a:stretch>
@@ -7619,7 +8779,13 @@
           <p:nvPr/>
         </p:nvPicPr>
         <p:blipFill>
-          <a:blip r:embed="rId3"/>
+          <a:blip r:embed="rId4" cstate="screen">
+            <a:extLst>
+              <a:ext uri="{28A0092B-C50C-407E-A947-70E740481C1C}">
+                <a14:useLocalDpi xmlns:a14="http://schemas.microsoft.com/office/drawing/2010/main"/>
+              </a:ext>
+            </a:extLst>
+          </a:blip>
           <a:stretch>
             <a:fillRect/>
           </a:stretch>
@@ -8645,6 +9811,56 @@
           </a:p>
         </p:txBody>
       </p:sp>
+      <p:sp>
+        <p:nvSpPr>
+          <p:cNvPr id="9" name="Rectangle 8">
+            <a:extLst>
+              <a:ext uri="{FF2B5EF4-FFF2-40B4-BE49-F238E27FC236}">
+                <a16:creationId xmlns:a16="http://schemas.microsoft.com/office/drawing/2014/main" id="{5073C4B4-D28C-674A-BBB6-093F423AED8A}"/>
+              </a:ext>
+            </a:extLst>
+          </p:cNvPr>
+          <p:cNvSpPr/>
+          <p:nvPr/>
+        </p:nvSpPr>
+        <p:spPr>
+          <a:xfrm>
+            <a:off x="5135076" y="4719484"/>
+            <a:ext cx="3522227" cy="1460090"/>
+          </a:xfrm>
+          <a:prstGeom prst="rect">
+            <a:avLst/>
+          </a:prstGeom>
+          <a:noFill/>
+          <a:ln>
+            <a:solidFill>
+              <a:srgbClr val="FFFF00"/>
+            </a:solidFill>
+          </a:ln>
+        </p:spPr>
+        <p:style>
+          <a:lnRef idx="2">
+            <a:schemeClr val="accent6"/>
+          </a:lnRef>
+          <a:fillRef idx="1">
+            <a:schemeClr val="lt1"/>
+          </a:fillRef>
+          <a:effectRef idx="0">
+            <a:schemeClr val="accent6"/>
+          </a:effectRef>
+          <a:fontRef idx="minor">
+            <a:schemeClr val="dk1"/>
+          </a:fontRef>
+        </p:style>
+        <p:txBody>
+          <a:bodyPr rtlCol="0" anchor="ctr"/>
+          <a:lstStyle/>
+          <a:p>
+            <a:pPr algn="ctr"/>
+            <a:endParaRPr lang="en-US"/>
+          </a:p>
+        </p:txBody>
+      </p:sp>
     </p:spTree>
     <p:extLst>
       <p:ext uri="{BB962C8B-B14F-4D97-AF65-F5344CB8AC3E}">
@@ -9209,6 +10425,59 @@
                       </p:childTnLst>
                     </p:cTn>
                   </p:par>
+                  <p:par>
+                    <p:cTn id="45" fill="hold">
+                      <p:stCondLst>
+                        <p:cond delay="indefinite"/>
+                      </p:stCondLst>
+                      <p:childTnLst>
+                        <p:par>
+                          <p:cTn id="46" fill="hold">
+                            <p:stCondLst>
+                              <p:cond delay="0"/>
+                            </p:stCondLst>
+                            <p:childTnLst>
+                              <p:par>
+                                <p:cTn id="47" presetID="10" presetClass="entr" presetSubtype="0" fill="hold" grpId="0" nodeType="clickEffect">
+                                  <p:stCondLst>
+                                    <p:cond delay="0"/>
+                                  </p:stCondLst>
+                                  <p:childTnLst>
+                                    <p:set>
+                                      <p:cBhvr>
+                                        <p:cTn id="48" dur="1" fill="hold">
+                                          <p:stCondLst>
+                                            <p:cond delay="0"/>
+                                          </p:stCondLst>
+                                        </p:cTn>
+                                        <p:tgtEl>
+                                          <p:spTgt spid="9"/>
+                                        </p:tgtEl>
+                                        <p:attrNameLst>
+                                          <p:attrName>style.visibility</p:attrName>
+                                        </p:attrNameLst>
+                                      </p:cBhvr>
+                                      <p:to>
+                                        <p:strVal val="visible"/>
+                                      </p:to>
+                                    </p:set>
+                                    <p:animEffect transition="in" filter="fade">
+                                      <p:cBhvr>
+                                        <p:cTn id="49" dur="500"/>
+                                        <p:tgtEl>
+                                          <p:spTgt spid="9"/>
+                                        </p:tgtEl>
+                                      </p:cBhvr>
+                                    </p:animEffect>
+                                  </p:childTnLst>
+                                </p:cTn>
+                              </p:par>
+                            </p:childTnLst>
+                          </p:cTn>
+                        </p:par>
+                      </p:childTnLst>
+                    </p:cTn>
+                  </p:par>
                 </p:childTnLst>
               </p:cTn>
               <p:prevCondLst>
@@ -9234,6 +10503,7 @@
       <p:bldP spid="5" grpId="0" uiExpand="1" build="p"/>
       <p:bldP spid="7" grpId="0" animBg="1"/>
       <p:bldP spid="8" grpId="0"/>
+      <p:bldP spid="9" grpId="0" animBg="1"/>
     </p:bldLst>
   </p:timing>
 </p:sld>
@@ -9273,7 +10543,13 @@
           </p:nvPr>
         </p:nvPicPr>
         <p:blipFill>
-          <a:blip r:embed="rId2"/>
+          <a:blip r:embed="rId2" cstate="screen">
+            <a:extLst>
+              <a:ext uri="{28A0092B-C50C-407E-A947-70E740481C1C}">
+                <a14:useLocalDpi xmlns:a14="http://schemas.microsoft.com/office/drawing/2010/main"/>
+              </a:ext>
+            </a:extLst>
+          </a:blip>
           <a:stretch>
             <a:fillRect/>
           </a:stretch>
@@ -9532,6 +10808,58 @@
           </a:p>
         </p:txBody>
       </p:sp>
+      <p:sp>
+        <p:nvSpPr>
+          <p:cNvPr id="13" name="Rectangle 12">
+            <a:extLst>
+              <a:ext uri="{FF2B5EF4-FFF2-40B4-BE49-F238E27FC236}">
+                <a16:creationId xmlns:a16="http://schemas.microsoft.com/office/drawing/2014/main" id="{9C3ADC91-33EC-9141-8510-970046CF364D}"/>
+              </a:ext>
+            </a:extLst>
+          </p:cNvPr>
+          <p:cNvSpPr/>
+          <p:nvPr/>
+        </p:nvSpPr>
+        <p:spPr>
+          <a:xfrm>
+            <a:off x="6961239" y="3429000"/>
+            <a:ext cx="2580967" cy="508819"/>
+          </a:xfrm>
+          <a:prstGeom prst="rect">
+            <a:avLst/>
+          </a:prstGeom>
+          <a:noFill/>
+          <a:ln>
+            <a:solidFill>
+              <a:srgbClr val="FFFF00"/>
+            </a:solidFill>
+          </a:ln>
+        </p:spPr>
+        <p:style>
+          <a:lnRef idx="2">
+            <a:schemeClr val="accent1">
+              <a:shade val="50000"/>
+            </a:schemeClr>
+          </a:lnRef>
+          <a:fillRef idx="1">
+            <a:schemeClr val="accent1"/>
+          </a:fillRef>
+          <a:effectRef idx="0">
+            <a:schemeClr val="accent1"/>
+          </a:effectRef>
+          <a:fontRef idx="minor">
+            <a:schemeClr val="lt1"/>
+          </a:fontRef>
+        </p:style>
+        <p:txBody>
+          <a:bodyPr rtlCol="0" anchor="ctr"/>
+          <a:lstStyle/>
+          <a:p>
+            <a:pPr algn="ctr"/>
+            <a:endParaRPr lang="en-US"/>
+          </a:p>
+        </p:txBody>
+      </p:sp>
     </p:spTree>
     <p:extLst>
       <p:ext uri="{BB962C8B-B14F-4D97-AF65-F5344CB8AC3E}">
@@ -9871,6 +11199,59 @@
                       </p:childTnLst>
                     </p:cTn>
                   </p:par>
+                  <p:par>
+                    <p:cTn id="28" fill="hold">
+                      <p:stCondLst>
+                        <p:cond delay="indefinite"/>
+                      </p:stCondLst>
+                      <p:childTnLst>
+                        <p:par>
+                          <p:cTn id="29" fill="hold">
+                            <p:stCondLst>
+                              <p:cond delay="0"/>
+                            </p:stCondLst>
+                            <p:childTnLst>
+                              <p:par>
+                                <p:cTn id="30" presetID="10" presetClass="entr" presetSubtype="0" fill="hold" grpId="0" nodeType="clickEffect">
+                                  <p:stCondLst>
+                                    <p:cond delay="0"/>
+                                  </p:stCondLst>
+                                  <p:childTnLst>
+                                    <p:set>
+                                      <p:cBhvr>
+                                        <p:cTn id="31" dur="1" fill="hold">
+                                          <p:stCondLst>
+                                            <p:cond delay="0"/>
+                                          </p:stCondLst>
+                                        </p:cTn>
+                                        <p:tgtEl>
+                                          <p:spTgt spid="13"/>
+                                        </p:tgtEl>
+                                        <p:attrNameLst>
+                                          <p:attrName>style.visibility</p:attrName>
+                                        </p:attrNameLst>
+                                      </p:cBhvr>
+                                      <p:to>
+                                        <p:strVal val="visible"/>
+                                      </p:to>
+                                    </p:set>
+                                    <p:animEffect transition="in" filter="fade">
+                                      <p:cBhvr>
+                                        <p:cTn id="32" dur="500"/>
+                                        <p:tgtEl>
+                                          <p:spTgt spid="13"/>
+                                        </p:tgtEl>
+                                      </p:cBhvr>
+                                    </p:animEffect>
+                                  </p:childTnLst>
+                                </p:cTn>
+                              </p:par>
+                            </p:childTnLst>
+                          </p:cTn>
+                        </p:par>
+                      </p:childTnLst>
+                    </p:cTn>
+                  </p:par>
                 </p:childTnLst>
               </p:cTn>
               <p:prevCondLst>
@@ -9895,6 +11276,7 @@
     <p:bldLst>
       <p:bldP spid="4" grpId="0" uiExpand="1" build="p"/>
       <p:bldP spid="7" grpId="0"/>
+      <p:bldP spid="13" grpId="0" animBg="1"/>
     </p:bldLst>
   </p:timing>
 </p:sld>
@@ -10294,6 +11676,58 @@
           </a:p>
         </p:txBody>
       </p:sp>
+      <p:sp>
+        <p:nvSpPr>
+          <p:cNvPr id="13" name="Rectangle 12">
+            <a:extLst>
+              <a:ext uri="{FF2B5EF4-FFF2-40B4-BE49-F238E27FC236}">
+                <a16:creationId xmlns:a16="http://schemas.microsoft.com/office/drawing/2014/main" id="{3E31462A-5773-B34D-8CE4-65E65719AD65}"/>
+              </a:ext>
+            </a:extLst>
+          </p:cNvPr>
+          <p:cNvSpPr/>
+          <p:nvPr/>
+        </p:nvSpPr>
+        <p:spPr>
+          <a:xfrm>
+            <a:off x="6474542" y="4129548"/>
+            <a:ext cx="3436374" cy="1607575"/>
+          </a:xfrm>
+          <a:prstGeom prst="rect">
+            <a:avLst/>
+          </a:prstGeom>
+          <a:noFill/>
+          <a:ln>
+            <a:solidFill>
+              <a:srgbClr val="FFFF00"/>
+            </a:solidFill>
+          </a:ln>
+        </p:spPr>
+        <p:style>
+          <a:lnRef idx="2">
+            <a:schemeClr val="accent1">
+              <a:shade val="50000"/>
+            </a:schemeClr>
+          </a:lnRef>
+          <a:fillRef idx="1">
+            <a:schemeClr val="accent1"/>
+          </a:fillRef>
+          <a:effectRef idx="0">
+            <a:schemeClr val="accent1"/>
+          </a:effectRef>
+          <a:fontRef idx="minor">
+            <a:schemeClr val="lt1"/>
+          </a:fontRef>
+        </p:style>
+        <p:txBody>
+          <a:bodyPr rtlCol="0" anchor="ctr"/>
+          <a:lstStyle/>
+          <a:p>
+            <a:pPr algn="ctr"/>
+            <a:endParaRPr lang="en-US"/>
+          </a:p>
+        </p:txBody>
+      </p:sp>
     </p:spTree>
     <p:extLst>
       <p:ext uri="{BB962C8B-B14F-4D97-AF65-F5344CB8AC3E}">
@@ -10944,6 +12378,59 @@
                       </p:childTnLst>
                     </p:cTn>
                   </p:par>
+                  <p:par>
+                    <p:cTn id="51" fill="hold">
+                      <p:stCondLst>
+                        <p:cond delay="indefinite"/>
+                      </p:stCondLst>
+                      <p:childTnLst>
+                        <p:par>
+                          <p:cTn id="52" fill="hold">
+                            <p:stCondLst>
+                              <p:cond delay="0"/>
+                            </p:stCondLst>
+                            <p:childTnLst>
+                              <p:par>
+                                <p:cTn id="53" presetID="10" presetClass="entr" presetSubtype="0" fill="hold" grpId="0" nodeType="clickEffect">
+                                  <p:stCondLst>
+                                    <p:cond delay="0"/>
+                                  </p:stCondLst>
+                                  <p:childTnLst>
+                                    <p:set>
+                                      <p:cBhvr>
+                                        <p:cTn id="54" dur="1" fill="hold">
+                                          <p:stCondLst>
+                                            <p:cond delay="0"/>
+                                          </p:stCondLst>
+                                        </p:cTn>
+                                        <p:tgtEl>
+                                          <p:spTgt spid="13"/>
+                                        </p:tgtEl>
+                                        <p:attrNameLst>
+                                          <p:attrName>style.visibility</p:attrName>
+                                        </p:attrNameLst>
+                                      </p:cBhvr>
+                                      <p:to>
+                                        <p:strVal val="visible"/>
+                                      </p:to>
+                                    </p:set>
+                                    <p:animEffect transition="in" filter="fade">
+                                      <p:cBhvr>
+                                        <p:cTn id="55" dur="500"/>
+                                        <p:tgtEl>
+                                          <p:spTgt spid="13"/>
+                                        </p:tgtEl>
+                                      </p:cBhvr>
+                                    </p:animEffect>
+                                  </p:childTnLst>
+                                </p:cTn>
+                              </p:par>
+                            </p:childTnLst>
+                          </p:cTn>
+                        </p:par>
+                      </p:childTnLst>
+                    </p:cTn>
+                  </p:par>
                 </p:childTnLst>
               </p:cTn>
               <p:prevCondLst>
@@ -10969,6 +12456,7 @@
       <p:bldP spid="4" grpId="0" uiExpand="1" build="p"/>
       <p:bldP spid="6" grpId="0" animBg="1"/>
       <p:bldP spid="9" grpId="0"/>
+      <p:bldP spid="13" grpId="0" animBg="1"/>
     </p:bldLst>
   </p:timing>
 </p:sld>
@@ -11301,7 +12789,13 @@
           <p:nvPr/>
         </p:nvPicPr>
         <p:blipFill>
-          <a:blip r:embed="rId2"/>
+          <a:blip r:embed="rId2" cstate="screen">
+            <a:extLst>
+              <a:ext uri="{28A0092B-C50C-407E-A947-70E740481C1C}">
+                <a14:useLocalDpi xmlns:a14="http://schemas.microsoft.com/office/drawing/2010/main"/>
+              </a:ext>
+            </a:extLst>
+          </a:blip>
           <a:stretch>
             <a:fillRect/>
           </a:stretch>
@@ -11780,6 +13274,58 @@
           </a:p>
         </p:txBody>
       </p:sp>
+      <p:sp>
+        <p:nvSpPr>
+          <p:cNvPr id="13" name="Rectangle 12">
+            <a:extLst>
+              <a:ext uri="{FF2B5EF4-FFF2-40B4-BE49-F238E27FC236}">
+                <a16:creationId xmlns:a16="http://schemas.microsoft.com/office/drawing/2014/main" id="{509E5492-31D1-7945-B620-ABCA742F5B94}"/>
+              </a:ext>
+            </a:extLst>
+          </p:cNvPr>
+          <p:cNvSpPr/>
+          <p:nvPr/>
+        </p:nvSpPr>
+        <p:spPr>
+          <a:xfrm>
+            <a:off x="4026310" y="5397910"/>
+            <a:ext cx="2212258" cy="272640"/>
+          </a:xfrm>
+          <a:prstGeom prst="rect">
+            <a:avLst/>
+          </a:prstGeom>
+          <a:noFill/>
+          <a:ln>
+            <a:solidFill>
+              <a:srgbClr val="FFFF00"/>
+            </a:solidFill>
+          </a:ln>
+        </p:spPr>
+        <p:style>
+          <a:lnRef idx="2">
+            <a:schemeClr val="accent1">
+              <a:shade val="50000"/>
+            </a:schemeClr>
+          </a:lnRef>
+          <a:fillRef idx="1">
+            <a:schemeClr val="accent1"/>
+          </a:fillRef>
+          <a:effectRef idx="0">
+            <a:schemeClr val="accent1"/>
+          </a:effectRef>
+          <a:fontRef idx="minor">
+            <a:schemeClr val="lt1"/>
+          </a:fontRef>
+        </p:style>
+        <p:txBody>
+          <a:bodyPr rtlCol="0" anchor="ctr"/>
+          <a:lstStyle/>
+          <a:p>
+            <a:pPr algn="ctr"/>
+            <a:endParaRPr lang="en-US"/>
+          </a:p>
+        </p:txBody>
+      </p:sp>
     </p:spTree>
     <p:extLst>
       <p:ext uri="{BB962C8B-B14F-4D97-AF65-F5344CB8AC3E}">
@@ -12430,6 +13976,59 @@
                       </p:childTnLst>
                     </p:cTn>
                   </p:par>
+                  <p:par>
+                    <p:cTn id="51" fill="hold">
+                      <p:stCondLst>
+                        <p:cond delay="indefinite"/>
+                      </p:stCondLst>
+                      <p:childTnLst>
+                        <p:par>
+                          <p:cTn id="52" fill="hold">
+                            <p:stCondLst>
+                              <p:cond delay="0"/>
+                            </p:stCondLst>
+                            <p:childTnLst>
+                              <p:par>
+                                <p:cTn id="53" presetID="10" presetClass="entr" presetSubtype="0" fill="hold" grpId="0" nodeType="clickEffect">
+                                  <p:stCondLst>
+                                    <p:cond delay="0"/>
+                                  </p:stCondLst>
+                                  <p:childTnLst>
+                                    <p:set>
+                                      <p:cBhvr>
+                                        <p:cTn id="54" dur="1" fill="hold">
+                                          <p:stCondLst>
+                                            <p:cond delay="0"/>
+                                          </p:stCondLst>
+                                        </p:cTn>
+                                        <p:tgtEl>
+                                          <p:spTgt spid="13"/>
+                                        </p:tgtEl>
+                                        <p:attrNameLst>
+                                          <p:attrName>style.visibility</p:attrName>
+                                        </p:attrNameLst>
+                                      </p:cBhvr>
+                                      <p:to>
+                                        <p:strVal val="visible"/>
+                                      </p:to>
+                                    </p:set>
+                                    <p:animEffect transition="in" filter="fade">
+                                      <p:cBhvr>
+                                        <p:cTn id="55" dur="500"/>
+                                        <p:tgtEl>
+                                          <p:spTgt spid="13"/>
+                                        </p:tgtEl>
+                                      </p:cBhvr>
+                                    </p:animEffect>
+                                  </p:childTnLst>
+                                </p:cTn>
+                              </p:par>
+                            </p:childTnLst>
+                          </p:cTn>
+                        </p:par>
+                      </p:childTnLst>
+                    </p:cTn>
+                  </p:par>
                 </p:childTnLst>
               </p:cTn>
               <p:prevCondLst>
@@ -12455,6 +14054,7 @@
       <p:bldP spid="4" grpId="0" uiExpand="1" build="p"/>
       <p:bldP spid="6" grpId="0"/>
       <p:bldP spid="7" grpId="0"/>
+      <p:bldP spid="13" grpId="0" animBg="1"/>
     </p:bldLst>
   </p:timing>
 </p:sld>
@@ -13253,6 +14853,110 @@
           </a:p>
         </p:txBody>
       </p:sp>
+      <p:sp>
+        <p:nvSpPr>
+          <p:cNvPr id="16" name="Rectangle 15">
+            <a:extLst>
+              <a:ext uri="{FF2B5EF4-FFF2-40B4-BE49-F238E27FC236}">
+                <a16:creationId xmlns:a16="http://schemas.microsoft.com/office/drawing/2014/main" id="{0C8A878C-5F68-B349-A5DF-F5CE616B2D73}"/>
+              </a:ext>
+            </a:extLst>
+          </p:cNvPr>
+          <p:cNvSpPr/>
+          <p:nvPr/>
+        </p:nvSpPr>
+        <p:spPr>
+          <a:xfrm>
+            <a:off x="4556234" y="5397910"/>
+            <a:ext cx="3053934" cy="427703"/>
+          </a:xfrm>
+          <a:prstGeom prst="rect">
+            <a:avLst/>
+          </a:prstGeom>
+          <a:noFill/>
+          <a:ln>
+            <a:solidFill>
+              <a:srgbClr val="FFFF00"/>
+            </a:solidFill>
+          </a:ln>
+        </p:spPr>
+        <p:style>
+          <a:lnRef idx="2">
+            <a:schemeClr val="accent1">
+              <a:shade val="50000"/>
+            </a:schemeClr>
+          </a:lnRef>
+          <a:fillRef idx="1">
+            <a:schemeClr val="accent1"/>
+          </a:fillRef>
+          <a:effectRef idx="0">
+            <a:schemeClr val="accent1"/>
+          </a:effectRef>
+          <a:fontRef idx="minor">
+            <a:schemeClr val="lt1"/>
+          </a:fontRef>
+        </p:style>
+        <p:txBody>
+          <a:bodyPr rtlCol="0" anchor="ctr"/>
+          <a:lstStyle/>
+          <a:p>
+            <a:pPr algn="ctr"/>
+            <a:endParaRPr lang="en-US"/>
+          </a:p>
+        </p:txBody>
+      </p:sp>
+      <p:sp>
+        <p:nvSpPr>
+          <p:cNvPr id="17" name="Rectangle 16">
+            <a:extLst>
+              <a:ext uri="{FF2B5EF4-FFF2-40B4-BE49-F238E27FC236}">
+                <a16:creationId xmlns:a16="http://schemas.microsoft.com/office/drawing/2014/main" id="{A32D5229-C315-F448-8A31-A416AF111C2D}"/>
+              </a:ext>
+            </a:extLst>
+          </p:cNvPr>
+          <p:cNvSpPr/>
+          <p:nvPr/>
+        </p:nvSpPr>
+        <p:spPr>
+          <a:xfrm>
+            <a:off x="7974772" y="3908323"/>
+            <a:ext cx="3514222" cy="383458"/>
+          </a:xfrm>
+          <a:prstGeom prst="rect">
+            <a:avLst/>
+          </a:prstGeom>
+          <a:noFill/>
+          <a:ln>
+            <a:solidFill>
+              <a:srgbClr val="FFFF00"/>
+            </a:solidFill>
+          </a:ln>
+        </p:spPr>
+        <p:style>
+          <a:lnRef idx="2">
+            <a:schemeClr val="accent1">
+              <a:shade val="50000"/>
+            </a:schemeClr>
+          </a:lnRef>
+          <a:fillRef idx="1">
+            <a:schemeClr val="accent1"/>
+          </a:fillRef>
+          <a:effectRef idx="0">
+            <a:schemeClr val="accent1"/>
+          </a:effectRef>
+          <a:fontRef idx="minor">
+            <a:schemeClr val="lt1"/>
+          </a:fontRef>
+        </p:style>
+        <p:txBody>
+          <a:bodyPr rtlCol="0" anchor="ctr"/>
+          <a:lstStyle/>
+          <a:p>
+            <a:pPr algn="ctr"/>
+            <a:endParaRPr lang="en-US"/>
+          </a:p>
+        </p:txBody>
+      </p:sp>
     </p:spTree>
     <p:extLst>
       <p:ext uri="{BB962C8B-B14F-4D97-AF65-F5344CB8AC3E}">
@@ -13989,6 +15693,112 @@
                       </p:childTnLst>
                     </p:cTn>
                   </p:par>
+                  <p:par>
+                    <p:cTn id="57" fill="hold">
+                      <p:stCondLst>
+                        <p:cond delay="indefinite"/>
+                      </p:stCondLst>
+                      <p:childTnLst>
+                        <p:par>
+                          <p:cTn id="58" fill="hold">
+                            <p:stCondLst>
+                              <p:cond delay="0"/>
+                            </p:stCondLst>
+                            <p:childTnLst>
+                              <p:par>
+                                <p:cTn id="59" presetID="10" presetClass="entr" presetSubtype="0" fill="hold" grpId="0" nodeType="clickEffect">
+                                  <p:stCondLst>
+                                    <p:cond delay="0"/>
+                                  </p:stCondLst>
+                                  <p:childTnLst>
+                                    <p:set>
+                                      <p:cBhvr>
+                                        <p:cTn id="60" dur="1" fill="hold">
+                                          <p:stCondLst>
+                                            <p:cond delay="0"/>
+                                          </p:stCondLst>
+                                        </p:cTn>
+                                        <p:tgtEl>
+                                          <p:spTgt spid="16"/>
+                                        </p:tgtEl>
+                                        <p:attrNameLst>
+                                          <p:attrName>style.visibility</p:attrName>
+                                        </p:attrNameLst>
+                                      </p:cBhvr>
+                                      <p:to>
+                                        <p:strVal val="visible"/>
+                                      </p:to>
+                                    </p:set>
+                                    <p:animEffect transition="in" filter="fade">
+                                      <p:cBhvr>
+                                        <p:cTn id="61" dur="500"/>
+                                        <p:tgtEl>
+                                          <p:spTgt spid="16"/>
+                                        </p:tgtEl>
+                                      </p:cBhvr>
+                                    </p:animEffect>
+                                  </p:childTnLst>
+                                </p:cTn>
+                              </p:par>
+                            </p:childTnLst>
+                          </p:cTn>
+                        </p:par>
+                      </p:childTnLst>
+                    </p:cTn>
+                  </p:par>
+                  <p:par>
+                    <p:cTn id="62" fill="hold">
+                      <p:stCondLst>
+                        <p:cond delay="indefinite"/>
+                      </p:stCondLst>
+                      <p:childTnLst>
+                        <p:par>
+                          <p:cTn id="63" fill="hold">
+                            <p:stCondLst>
+                              <p:cond delay="0"/>
+                            </p:stCondLst>
+                            <p:childTnLst>
+                              <p:par>
+                                <p:cTn id="64" presetID="10" presetClass="entr" presetSubtype="0" fill="hold" grpId="0" nodeType="clickEffect">
+                                  <p:stCondLst>
+                                    <p:cond delay="0"/>
+                                  </p:stCondLst>
+                                  <p:childTnLst>
+                                    <p:set>
+                                      <p:cBhvr>
+                                        <p:cTn id="65" dur="1" fill="hold">
+                                          <p:stCondLst>
+                                            <p:cond delay="0"/>
+                                          </p:stCondLst>
+                                        </p:cTn>
+                                        <p:tgtEl>
+                                          <p:spTgt spid="17"/>
+                                        </p:tgtEl>
+                                        <p:attrNameLst>
+                                          <p:attrName>style.visibility</p:attrName>
+                                        </p:attrNameLst>
+                                      </p:cBhvr>
+                                      <p:to>
+                                        <p:strVal val="visible"/>
+                                      </p:to>
+                                    </p:set>
+                                    <p:animEffect transition="in" filter="fade">
+                                      <p:cBhvr>
+                                        <p:cTn id="66" dur="500"/>
+                                        <p:tgtEl>
+                                          <p:spTgt spid="17"/>
+                                        </p:tgtEl>
+                                      </p:cBhvr>
+                                    </p:animEffect>
+                                  </p:childTnLst>
+                                </p:cTn>
+                              </p:par>
+                            </p:childTnLst>
+                          </p:cTn>
+                        </p:par>
+                      </p:childTnLst>
+                    </p:cTn>
+                  </p:par>
                 </p:childTnLst>
               </p:cTn>
               <p:prevCondLst>
@@ -14014,6 +15824,8 @@
       <p:bldP spid="4" grpId="0" uiExpand="1" build="p"/>
       <p:bldP spid="6" grpId="0"/>
       <p:bldP spid="12" grpId="0"/>
+      <p:bldP spid="16" grpId="0" animBg="1"/>
+      <p:bldP spid="17" grpId="0" animBg="1"/>
     </p:bldLst>
   </p:timing>
 </p:sld>
@@ -14767,7 +16579,13 @@
           <p:nvPr/>
         </p:nvPicPr>
         <p:blipFill>
-          <a:blip r:embed="rId2"/>
+          <a:blip r:embed="rId3" cstate="screen">
+            <a:extLst>
+              <a:ext uri="{28A0092B-C50C-407E-A947-70E740481C1C}">
+                <a14:useLocalDpi xmlns:a14="http://schemas.microsoft.com/office/drawing/2010/main"/>
+              </a:ext>
+            </a:extLst>
+          </a:blip>
           <a:stretch>
             <a:fillRect/>
           </a:stretch>
@@ -14797,7 +16615,13 @@
           <p:nvPr/>
         </p:nvPicPr>
         <p:blipFill>
-          <a:blip r:embed="rId2"/>
+          <a:blip r:embed="rId3" cstate="screen">
+            <a:extLst>
+              <a:ext uri="{28A0092B-C50C-407E-A947-70E740481C1C}">
+                <a14:useLocalDpi xmlns:a14="http://schemas.microsoft.com/office/drawing/2010/main"/>
+              </a:ext>
+            </a:extLst>
+          </a:blip>
           <a:stretch>
             <a:fillRect/>
           </a:stretch>
@@ -14827,7 +16651,13 @@
           <p:nvPr/>
         </p:nvPicPr>
         <p:blipFill>
-          <a:blip r:embed="rId3"/>
+          <a:blip r:embed="rId4" cstate="screen">
+            <a:extLst>
+              <a:ext uri="{28A0092B-C50C-407E-A947-70E740481C1C}">
+                <a14:useLocalDpi xmlns:a14="http://schemas.microsoft.com/office/drawing/2010/main"/>
+              </a:ext>
+            </a:extLst>
+          </a:blip>
           <a:stretch>
             <a:fillRect/>
           </a:stretch>
@@ -15675,7 +17505,7 @@
 </file>
 
 <file path=ppt/slides/slide21.xml><?xml version="1.0" encoding="utf-8"?>
-<p:sld xmlns:a="http://schemas.openxmlformats.org/drawingml/2006/main" xmlns:r="http://schemas.openxmlformats.org/officeDocument/2006/relationships" xmlns:p="http://schemas.openxmlformats.org/presentationml/2006/main" show="0">
+<p:sld xmlns:a="http://schemas.openxmlformats.org/drawingml/2006/main" xmlns:r="http://schemas.openxmlformats.org/officeDocument/2006/relationships" xmlns:p="http://schemas.openxmlformats.org/presentationml/2006/main">
   <p:cSld>
     <p:spTree>
       <p:nvGrpSpPr>
@@ -15696,7 +17526,7 @@
           <p:cNvPr id="5" name="TextBox 4">
             <a:extLst>
               <a:ext uri="{FF2B5EF4-FFF2-40B4-BE49-F238E27FC236}">
-                <a16:creationId xmlns:a16="http://schemas.microsoft.com/office/drawing/2014/main" id="{E0726A0B-1C2E-254C-890C-8ABB7EF105B2}"/>
+                <a16:creationId xmlns:a16="http://schemas.microsoft.com/office/drawing/2014/main" id="{F546C964-7490-5047-84D9-BDECC6942C55}"/>
               </a:ext>
             </a:extLst>
           </p:cNvPr>
@@ -15705,8 +17535,8 @@
         </p:nvSpPr>
         <p:spPr>
           <a:xfrm>
-            <a:off x="4282843" y="2967335"/>
-            <a:ext cx="3626314" cy="923330"/>
+            <a:off x="4341353" y="2875002"/>
+            <a:ext cx="3005951" cy="1107996"/>
           </a:xfrm>
           <a:prstGeom prst="rect">
             <a:avLst/>
@@ -15720,152 +17550,114 @@
           <a:lstStyle/>
           <a:p>
             <a:r>
-              <a:rPr lang="en-US" sz="5400" dirty="0"/>
-              <a:t>Animation</a:t>
-            </a:r>
+              <a:rPr lang="en-US" sz="6600" dirty="0" err="1"/>
+              <a:t>Latensi</a:t>
+            </a:r>
+            <a:endParaRPr lang="en-US" sz="6600" dirty="0"/>
           </a:p>
         </p:txBody>
       </p:sp>
     </p:spTree>
     <p:extLst>
       <p:ext uri="{BB962C8B-B14F-4D97-AF65-F5344CB8AC3E}">
-        <p14:creationId xmlns:p14="http://schemas.microsoft.com/office/powerpoint/2010/main" val="1965202231"/>
+        <p14:creationId xmlns:p14="http://schemas.microsoft.com/office/powerpoint/2010/main" val="3084556656"/>
       </p:ext>
     </p:extLst>
   </p:cSld>
   <p:clrMapOvr>
     <a:masterClrMapping/>
   </p:clrMapOvr>
+  <p:timing>
+    <p:tnLst>
+      <p:par>
+        <p:cTn id="1" dur="indefinite" restart="never" nodeType="tmRoot">
+          <p:childTnLst>
+            <p:seq concurrent="1" nextAc="seek">
+              <p:cTn id="2" dur="indefinite" nodeType="mainSeq">
+                <p:childTnLst>
+                  <p:par>
+                    <p:cTn id="3" fill="hold">
+                      <p:stCondLst>
+                        <p:cond delay="indefinite"/>
+                      </p:stCondLst>
+                      <p:childTnLst>
+                        <p:par>
+                          <p:cTn id="4" fill="hold">
+                            <p:stCondLst>
+                              <p:cond delay="0"/>
+                            </p:stCondLst>
+                            <p:childTnLst>
+                              <p:par>
+                                <p:cTn id="5" presetID="22" presetClass="entr" presetSubtype="8" fill="hold" grpId="0" nodeType="clickEffect">
+                                  <p:stCondLst>
+                                    <p:cond delay="0"/>
+                                  </p:stCondLst>
+                                  <p:childTnLst>
+                                    <p:set>
+                                      <p:cBhvr>
+                                        <p:cTn id="6" dur="1" fill="hold">
+                                          <p:stCondLst>
+                                            <p:cond delay="0"/>
+                                          </p:stCondLst>
+                                        </p:cTn>
+                                        <p:tgtEl>
+                                          <p:spTgt spid="5"/>
+                                        </p:tgtEl>
+                                        <p:attrNameLst>
+                                          <p:attrName>style.visibility</p:attrName>
+                                        </p:attrNameLst>
+                                      </p:cBhvr>
+                                      <p:to>
+                                        <p:strVal val="visible"/>
+                                      </p:to>
+                                    </p:set>
+                                    <p:animEffect transition="in" filter="wipe(left)">
+                                      <p:cBhvr>
+                                        <p:cTn id="7" dur="1000"/>
+                                        <p:tgtEl>
+                                          <p:spTgt spid="5"/>
+                                        </p:tgtEl>
+                                      </p:cBhvr>
+                                    </p:animEffect>
+                                  </p:childTnLst>
+                                </p:cTn>
+                              </p:par>
+                            </p:childTnLst>
+                          </p:cTn>
+                        </p:par>
+                      </p:childTnLst>
+                    </p:cTn>
+                  </p:par>
+                </p:childTnLst>
+              </p:cTn>
+              <p:prevCondLst>
+                <p:cond evt="onPrev" delay="0">
+                  <p:tgtEl>
+                    <p:sldTgt/>
+                  </p:tgtEl>
+                </p:cond>
+              </p:prevCondLst>
+              <p:nextCondLst>
+                <p:cond evt="onNext" delay="0">
+                  <p:tgtEl>
+                    <p:sldTgt/>
+                  </p:tgtEl>
+                </p:cond>
+              </p:nextCondLst>
+            </p:seq>
+          </p:childTnLst>
+        </p:cTn>
+      </p:par>
+    </p:tnLst>
+    <p:bldLst>
+      <p:bldP spid="5" grpId="0"/>
+    </p:bldLst>
+  </p:timing>
 </p:sld>
 </file>
 
 <file path=ppt/slides/slide22.xml><?xml version="1.0" encoding="utf-8"?>
-<p:sld xmlns:a="http://schemas.openxmlformats.org/drawingml/2006/main" xmlns:r="http://schemas.openxmlformats.org/officeDocument/2006/relationships" xmlns:p="http://schemas.openxmlformats.org/presentationml/2006/main" show="0">
-  <p:cSld>
-    <p:spTree>
-      <p:nvGrpSpPr>
-        <p:cNvPr id="1" name=""/>
-        <p:cNvGrpSpPr/>
-        <p:nvPr/>
-      </p:nvGrpSpPr>
-      <p:grpSpPr>
-        <a:xfrm>
-          <a:off x="0" y="0"/>
-          <a:ext cx="0" cy="0"/>
-          <a:chOff x="0" y="0"/>
-          <a:chExt cx="0" cy="0"/>
-        </a:xfrm>
-      </p:grpSpPr>
-      <p:pic>
-        <p:nvPicPr>
-          <p:cNvPr id="3" name="Picture 2">
-            <a:extLst>
-              <a:ext uri="{FF2B5EF4-FFF2-40B4-BE49-F238E27FC236}">
-                <a16:creationId xmlns:a16="http://schemas.microsoft.com/office/drawing/2014/main" id="{3F6F67BD-C2CF-3842-8A8C-C49DF8C762A9}"/>
-              </a:ext>
-            </a:extLst>
-          </p:cNvPr>
-          <p:cNvPicPr>
-            <a:picLocks noChangeAspect="1"/>
-          </p:cNvPicPr>
-          <p:nvPr/>
-        </p:nvPicPr>
-        <p:blipFill>
-          <a:blip r:embed="rId2"/>
-          <a:stretch>
-            <a:fillRect/>
-          </a:stretch>
-        </p:blipFill>
-        <p:spPr>
-          <a:xfrm>
-            <a:off x="3062513" y="2440213"/>
-            <a:ext cx="1977571" cy="1977571"/>
-          </a:xfrm>
-          <a:prstGeom prst="rect">
-            <a:avLst/>
-          </a:prstGeom>
-        </p:spPr>
-      </p:pic>
-      <p:sp>
-        <p:nvSpPr>
-          <p:cNvPr id="4" name="TextBox 3">
-            <a:extLst>
-              <a:ext uri="{FF2B5EF4-FFF2-40B4-BE49-F238E27FC236}">
-                <a16:creationId xmlns:a16="http://schemas.microsoft.com/office/drawing/2014/main" id="{D4FE6D9F-2C14-AB49-BA70-E6BE7AA15D3B}"/>
-              </a:ext>
-            </a:extLst>
-          </p:cNvPr>
-          <p:cNvSpPr txBox="1"/>
-          <p:nvPr/>
-        </p:nvSpPr>
-        <p:spPr>
-          <a:xfrm>
-            <a:off x="5040084" y="2967333"/>
-            <a:ext cx="4039888" cy="923330"/>
-          </a:xfrm>
-          <a:prstGeom prst="rect">
-            <a:avLst/>
-          </a:prstGeom>
-          <a:noFill/>
-        </p:spPr>
-        <p:txBody>
-          <a:bodyPr wrap="none" rtlCol="0">
-            <a:spAutoFit/>
-          </a:bodyPr>
-          <a:lstStyle/>
-          <a:p>
-            <a:r>
-              <a:rPr lang="en-US" sz="5400" dirty="0"/>
-              <a:t>Canvas API</a:t>
-            </a:r>
-          </a:p>
-        </p:txBody>
-      </p:sp>
-      <p:pic>
-        <p:nvPicPr>
-          <p:cNvPr id="5" name="Picture 4">
-            <a:extLst>
-              <a:ext uri="{FF2B5EF4-FFF2-40B4-BE49-F238E27FC236}">
-                <a16:creationId xmlns:a16="http://schemas.microsoft.com/office/drawing/2014/main" id="{D212F90E-0EDF-7042-AB06-8FFA4B7C2104}"/>
-              </a:ext>
-            </a:extLst>
-          </p:cNvPr>
-          <p:cNvPicPr>
-            <a:picLocks noChangeAspect="1"/>
-          </p:cNvPicPr>
-          <p:nvPr/>
-        </p:nvPicPr>
-        <p:blipFill>
-          <a:blip r:embed="rId3"/>
-          <a:stretch>
-            <a:fillRect/>
-          </a:stretch>
-        </p:blipFill>
-        <p:spPr>
-          <a:xfrm>
-            <a:off x="3062513" y="2440212"/>
-            <a:ext cx="1977571" cy="1977571"/>
-          </a:xfrm>
-          <a:prstGeom prst="rect">
-            <a:avLst/>
-          </a:prstGeom>
-        </p:spPr>
-      </p:pic>
-    </p:spTree>
-    <p:extLst>
-      <p:ext uri="{BB962C8B-B14F-4D97-AF65-F5344CB8AC3E}">
-        <p14:creationId xmlns:p14="http://schemas.microsoft.com/office/powerpoint/2010/main" val="954466035"/>
-      </p:ext>
-    </p:extLst>
-  </p:cSld>
-  <p:clrMapOvr>
-    <a:masterClrMapping/>
-  </p:clrMapOvr>
-</p:sld>
-</file>
-
-<file path=ppt/slides/slide23.xml><?xml version="1.0" encoding="utf-8"?>
-<p:sld xmlns:a="http://schemas.openxmlformats.org/drawingml/2006/main" xmlns:r="http://schemas.openxmlformats.org/officeDocument/2006/relationships" xmlns:p="http://schemas.openxmlformats.org/presentationml/2006/main" show="0">
+<p:sld xmlns:a="http://schemas.openxmlformats.org/drawingml/2006/main" xmlns:r="http://schemas.openxmlformats.org/officeDocument/2006/relationships" xmlns:p="http://schemas.openxmlformats.org/presentationml/2006/main">
   <p:cSld>
     <p:spTree>
       <p:nvGrpSpPr>
@@ -15886,7 +17678,7 @@
           <p:cNvPr id="2" name="Title 1">
             <a:extLst>
               <a:ext uri="{FF2B5EF4-FFF2-40B4-BE49-F238E27FC236}">
-                <a16:creationId xmlns:a16="http://schemas.microsoft.com/office/drawing/2014/main" id="{9754A912-27FA-A84C-AF39-BA702B37B208}"/>
+                <a16:creationId xmlns:a16="http://schemas.microsoft.com/office/drawing/2014/main" id="{85EC1D46-4513-C847-BC7A-B0F7D8B999E2}"/>
               </a:ext>
             </a:extLst>
           </p:cNvPr>
@@ -15903,9 +17695,10 @@
           <a:lstStyle/>
           <a:p>
             <a:r>
-              <a:rPr lang="en-US" dirty="0"/>
-              <a:t>Animation</a:t>
-            </a:r>
+              <a:rPr lang="en-US" dirty="0" err="1"/>
+              <a:t>Latensi</a:t>
+            </a:r>
+            <a:endParaRPr lang="en-US" dirty="0"/>
           </a:p>
         </p:txBody>
       </p:sp>
@@ -15914,7 +17707,7 @@
           <p:cNvPr id="3" name="Content Placeholder 2">
             <a:extLst>
               <a:ext uri="{FF2B5EF4-FFF2-40B4-BE49-F238E27FC236}">
-                <a16:creationId xmlns:a16="http://schemas.microsoft.com/office/drawing/2014/main" id="{CECB6443-6780-0D40-A724-C0A53F485323}"/>
+                <a16:creationId xmlns:a16="http://schemas.microsoft.com/office/drawing/2014/main" id="{893E6F11-2174-0D4E-A871-0988712F120B}"/>
               </a:ext>
             </a:extLst>
           </p:cNvPr>
@@ -15932,119 +17725,93 @@
           </a:bodyPr>
           <a:lstStyle/>
           <a:p>
-            <a:pPr>
-              <a:buClr>
-                <a:schemeClr val="tx1"/>
-              </a:buClr>
+            <a:pPr marL="0" indent="0" algn="ctr">
+              <a:buNone/>
             </a:pPr>
             <a:r>
-              <a:rPr lang="en-US" sz="2400" dirty="0" err="1"/>
-              <a:t>Menghapus</a:t>
-            </a:r>
-            <a:r>
-              <a:rPr lang="en-US" sz="2400" dirty="0"/>
+              <a:rPr lang="en-US" sz="4000" dirty="0" err="1"/>
+              <a:t>Selisih</a:t>
+            </a:r>
+            <a:r>
+              <a:rPr lang="en-US" sz="4000" dirty="0"/>
               <a:t> </a:t>
             </a:r>
             <a:r>
-              <a:rPr lang="en-US" sz="2400" dirty="0" err="1"/>
-              <a:t>isi</a:t>
-            </a:r>
-            <a:r>
-              <a:rPr lang="en-US" sz="2400" dirty="0"/>
-              <a:t> canvas</a:t>
-            </a:r>
-          </a:p>
-          <a:p>
-            <a:pPr>
-              <a:buClr>
-                <a:schemeClr val="tx1"/>
-              </a:buClr>
-            </a:pPr>
-            <a:r>
-              <a:rPr lang="en-US" sz="2400" dirty="0" err="1"/>
-              <a:t>Menyimpan</a:t>
-            </a:r>
-            <a:r>
-              <a:rPr lang="en-US" sz="2400" dirty="0"/>
-              <a:t> state </a:t>
-            </a:r>
-            <a:r>
-              <a:rPr lang="en-US" sz="2400" dirty="0" err="1"/>
-              <a:t>milik</a:t>
-            </a:r>
-            <a:r>
-              <a:rPr lang="en-US" sz="2400" dirty="0"/>
-              <a:t> canvas</a:t>
-            </a:r>
-          </a:p>
-          <a:p>
-            <a:pPr>
-              <a:buClr>
-                <a:schemeClr val="tx1"/>
-              </a:buClr>
-            </a:pPr>
-            <a:r>
-              <a:rPr lang="en-US" sz="2400" dirty="0" err="1"/>
-              <a:t>Menggambar</a:t>
-            </a:r>
-            <a:r>
-              <a:rPr lang="en-US" sz="2400" dirty="0"/>
+              <a:rPr lang="en-US" sz="4000" dirty="0" err="1"/>
+              <a:t>waktu</a:t>
+            </a:r>
+            <a:r>
+              <a:rPr lang="en-US" sz="4000" dirty="0"/>
+              <a:t> yang </a:t>
+            </a:r>
+            <a:r>
+              <a:rPr lang="en-US" sz="4000" dirty="0" err="1"/>
+              <a:t>dihasilkan</a:t>
+            </a:r>
+            <a:r>
+              <a:rPr lang="en-US" sz="4000" dirty="0"/>
               <a:t> </a:t>
             </a:r>
             <a:r>
-              <a:rPr lang="en-US" sz="2400" dirty="0" err="1"/>
-              <a:t>elemen</a:t>
-            </a:r>
-            <a:r>
-              <a:rPr lang="en-US" sz="2400" dirty="0"/>
-              <a:t> (</a:t>
-            </a:r>
-            <a:r>
-              <a:rPr lang="en-US" sz="2400" dirty="0" err="1"/>
-              <a:t>bentuk</a:t>
-            </a:r>
-            <a:r>
-              <a:rPr lang="en-US" sz="2400" dirty="0"/>
-              <a:t>, </a:t>
-            </a:r>
-            <a:r>
-              <a:rPr lang="en-US" sz="2400" dirty="0" err="1"/>
-              <a:t>foto</a:t>
-            </a:r>
-            <a:r>
-              <a:rPr lang="en-US" sz="2400" dirty="0"/>
-              <a:t>)</a:t>
-            </a:r>
-          </a:p>
-          <a:p>
-            <a:pPr>
-              <a:buClr>
-                <a:schemeClr val="tx1"/>
-              </a:buClr>
-            </a:pPr>
-            <a:r>
-              <a:rPr lang="en-US" sz="2400" dirty="0" err="1"/>
-              <a:t>Mengembalikan</a:t>
-            </a:r>
-            <a:r>
-              <a:rPr lang="en-US" sz="2400" dirty="0"/>
-              <a:t> state </a:t>
-            </a:r>
-            <a:r>
-              <a:rPr lang="en-US" sz="2400" dirty="0" err="1"/>
+              <a:rPr lang="en-US" sz="4000" dirty="0" err="1"/>
+              <a:t>pada</a:t>
+            </a:r>
+            <a:r>
+              <a:rPr lang="en-US" sz="4000" dirty="0"/>
+              <a:t> </a:t>
+            </a:r>
+            <a:r>
+              <a:rPr lang="en-US" sz="4000" dirty="0" err="1"/>
+              <a:t>saat</a:t>
+            </a:r>
+            <a:r>
+              <a:rPr lang="en-US" sz="4000" dirty="0"/>
+              <a:t> </a:t>
+            </a:r>
+            <a:r>
+              <a:rPr lang="en-US" sz="4000" dirty="0" err="1"/>
+              <a:t>pengiriman</a:t>
+            </a:r>
+            <a:r>
+              <a:rPr lang="en-US" sz="4000" dirty="0"/>
+              <a:t> data </a:t>
+            </a:r>
+            <a:r>
+              <a:rPr lang="en-US" sz="4000" dirty="0" err="1"/>
               <a:t>dari</a:t>
             </a:r>
             <a:r>
-              <a:rPr lang="en-US" sz="2400" dirty="0"/>
-              <a:t> canvas</a:t>
-            </a:r>
+              <a:rPr lang="en-US" sz="4000" dirty="0"/>
+              <a:t> client </a:t>
+            </a:r>
+            <a:r>
+              <a:rPr lang="en-US" sz="4000" dirty="0" err="1"/>
+              <a:t>menuju</a:t>
+            </a:r>
+            <a:r>
+              <a:rPr lang="en-US" sz="4000" dirty="0"/>
+              <a:t> server </a:t>
+            </a:r>
+            <a:r>
+              <a:rPr lang="en-US" sz="4000" dirty="0" err="1"/>
+              <a:t>maupun</a:t>
+            </a:r>
+            <a:r>
+              <a:rPr lang="en-US" sz="4000" dirty="0"/>
+              <a:t> </a:t>
+            </a:r>
+            <a:r>
+              <a:rPr lang="en-US" sz="4000" dirty="0" err="1"/>
+              <a:t>sebaliknya</a:t>
+            </a:r>
+            <a:endParaRPr lang="en-US" sz="4000" dirty="0"/>
           </a:p>
         </p:txBody>
       </p:sp>
     </p:spTree>
     <p:extLst>
       <p:ext uri="{BB962C8B-B14F-4D97-AF65-F5344CB8AC3E}">
-        <p14:creationId xmlns:p14="http://schemas.microsoft.com/office/powerpoint/2010/main" val="2292786168"/>
+        <p14:creationId xmlns:p14="http://schemas.microsoft.com/office/powerpoint/2010/main" val="889546556"/>
       </p:ext>
     </p:extLst>
   </p:cSld>
@@ -16054,8 +17821,8 @@
 </p:sld>
 </file>
 
-<file path=ppt/slides/slide24.xml><?xml version="1.0" encoding="utf-8"?>
-<p:sld xmlns:a="http://schemas.openxmlformats.org/drawingml/2006/main" xmlns:r="http://schemas.openxmlformats.org/officeDocument/2006/relationships" xmlns:p="http://schemas.openxmlformats.org/presentationml/2006/main" show="0">
+<file path=ppt/slides/slide23.xml><?xml version="1.0" encoding="utf-8"?>
+<p:sld xmlns:a="http://schemas.openxmlformats.org/drawingml/2006/main" xmlns:r="http://schemas.openxmlformats.org/officeDocument/2006/relationships" xmlns:p="http://schemas.openxmlformats.org/presentationml/2006/main">
   <p:cSld>
     <p:spTree>
       <p:nvGrpSpPr>
@@ -16076,7 +17843,7 @@
           <p:cNvPr id="2" name="Title 1">
             <a:extLst>
               <a:ext uri="{FF2B5EF4-FFF2-40B4-BE49-F238E27FC236}">
-                <a16:creationId xmlns:a16="http://schemas.microsoft.com/office/drawing/2014/main" id="{9754A912-27FA-A84C-AF39-BA702B37B208}"/>
+                <a16:creationId xmlns:a16="http://schemas.microsoft.com/office/drawing/2014/main" id="{C2891647-9703-2C4B-8083-457A67CFE892}"/>
               </a:ext>
             </a:extLst>
           </p:cNvPr>
@@ -16093,164 +17860,2432 @@
           <a:lstStyle/>
           <a:p>
             <a:r>
-              <a:rPr lang="en-US" dirty="0"/>
-              <a:t>Animation</a:t>
-            </a:r>
+              <a:rPr lang="en-US" dirty="0" err="1"/>
+              <a:t>Latensi</a:t>
+            </a:r>
+            <a:endParaRPr lang="en-US" dirty="0"/>
           </a:p>
         </p:txBody>
       </p:sp>
-      <p:sp>
-        <p:nvSpPr>
-          <p:cNvPr id="5" name="Rectangle 4">
+      <p:pic>
+        <p:nvPicPr>
+          <p:cNvPr id="5" name="Picture 4">
             <a:extLst>
               <a:ext uri="{FF2B5EF4-FFF2-40B4-BE49-F238E27FC236}">
-                <a16:creationId xmlns:a16="http://schemas.microsoft.com/office/drawing/2014/main" id="{71492342-8793-A349-A1A8-4DB7D19F604A}"/>
+                <a16:creationId xmlns:a16="http://schemas.microsoft.com/office/drawing/2014/main" id="{9D4FCDB5-6F74-9A49-803D-8A757B71C012}"/>
               </a:ext>
             </a:extLst>
           </p:cNvPr>
-          <p:cNvSpPr/>
+          <p:cNvPicPr>
+            <a:picLocks noChangeAspect="1"/>
+          </p:cNvPicPr>
           <p:nvPr/>
-        </p:nvSpPr>
+        </p:nvPicPr>
+        <p:blipFill>
+          <a:blip r:embed="rId2"/>
+          <a:stretch>
+            <a:fillRect/>
+          </a:stretch>
+        </p:blipFill>
         <p:spPr>
           <a:xfrm>
-            <a:off x="420914" y="3193143"/>
-            <a:ext cx="11408229" cy="3396343"/>
+            <a:off x="1574437" y="2313407"/>
+            <a:ext cx="2387963" cy="3982332"/>
           </a:xfrm>
           <a:prstGeom prst="rect">
             <a:avLst/>
           </a:prstGeom>
         </p:spPr>
-        <p:style>
-          <a:lnRef idx="2">
-            <a:schemeClr val="accent1">
-              <a:shade val="50000"/>
-            </a:schemeClr>
-          </a:lnRef>
-          <a:fillRef idx="1">
-            <a:schemeClr val="accent1"/>
-          </a:fillRef>
-          <a:effectRef idx="0">
-            <a:schemeClr val="accent1"/>
-          </a:effectRef>
-          <a:fontRef idx="minor">
-            <a:schemeClr val="lt1"/>
-          </a:fontRef>
-        </p:style>
-        <p:txBody>
-          <a:bodyPr rtlCol="0" anchor="ctr"/>
-          <a:lstStyle/>
-          <a:p>
-            <a:pPr algn="ctr"/>
-            <a:endParaRPr lang="en-US"/>
-          </a:p>
-        </p:txBody>
-      </p:sp>
-      <p:sp>
-        <p:nvSpPr>
-          <p:cNvPr id="8" name="Lightning Bolt 7">
+      </p:pic>
+      <p:pic>
+        <p:nvPicPr>
+          <p:cNvPr id="7" name="Picture 6">
             <a:extLst>
               <a:ext uri="{FF2B5EF4-FFF2-40B4-BE49-F238E27FC236}">
-                <a16:creationId xmlns:a16="http://schemas.microsoft.com/office/drawing/2014/main" id="{C33B7016-742F-F441-9228-0AB8F88BAE81}"/>
+                <a16:creationId xmlns:a16="http://schemas.microsoft.com/office/drawing/2014/main" id="{746452FE-BAFD-B644-84EF-2938B4EFDBCB}"/>
               </a:ext>
             </a:extLst>
           </p:cNvPr>
-          <p:cNvSpPr/>
+          <p:cNvPicPr>
+            <a:picLocks noChangeAspect="1"/>
+          </p:cNvPicPr>
           <p:nvPr/>
-        </p:nvSpPr>
+        </p:nvPicPr>
+        <p:blipFill>
+          <a:blip r:embed="rId3"/>
+          <a:stretch>
+            <a:fillRect/>
+          </a:stretch>
+        </p:blipFill>
         <p:spPr>
           <a:xfrm>
-            <a:off x="2092778" y="3775527"/>
-            <a:ext cx="2231571" cy="2231571"/>
+            <a:off x="4818795" y="2313407"/>
+            <a:ext cx="6563203" cy="3984069"/>
           </a:xfrm>
-          <a:prstGeom prst="lightningBolt">
+          <a:prstGeom prst="rect">
             <a:avLst/>
           </a:prstGeom>
         </p:spPr>
-        <p:style>
-          <a:lnRef idx="2">
-            <a:schemeClr val="accent4">
-              <a:shade val="50000"/>
-            </a:schemeClr>
-          </a:lnRef>
-          <a:fillRef idx="1">
-            <a:schemeClr val="accent4"/>
-          </a:fillRef>
-          <a:effectRef idx="0">
-            <a:schemeClr val="accent4"/>
-          </a:effectRef>
-          <a:fontRef idx="minor">
-            <a:schemeClr val="lt1"/>
-          </a:fontRef>
-        </p:style>
-        <p:txBody>
-          <a:bodyPr rtlCol="0" anchor="ctr"/>
-          <a:lstStyle/>
-          <a:p>
-            <a:pPr algn="ctr"/>
-            <a:endParaRPr lang="en-US"/>
-          </a:p>
-        </p:txBody>
-      </p:sp>
-      <p:sp>
-        <p:nvSpPr>
-          <p:cNvPr id="9" name="Sun 8">
-            <a:extLst>
-              <a:ext uri="{FF2B5EF4-FFF2-40B4-BE49-F238E27FC236}">
-                <a16:creationId xmlns:a16="http://schemas.microsoft.com/office/drawing/2014/main" id="{E2E20C3C-AF88-684A-9386-A68772CB9934}"/>
-              </a:ext>
-            </a:extLst>
-          </p:cNvPr>
-          <p:cNvSpPr/>
-          <p:nvPr/>
-        </p:nvSpPr>
-        <p:spPr>
-          <a:xfrm>
-            <a:off x="7130746" y="3775528"/>
-            <a:ext cx="2231571" cy="2231571"/>
-          </a:xfrm>
-          <a:prstGeom prst="sun">
-            <a:avLst/>
-          </a:prstGeom>
-        </p:spPr>
-        <p:style>
-          <a:lnRef idx="2">
-            <a:schemeClr val="accent4">
-              <a:shade val="50000"/>
-            </a:schemeClr>
-          </a:lnRef>
-          <a:fillRef idx="1">
-            <a:schemeClr val="accent4"/>
-          </a:fillRef>
-          <a:effectRef idx="0">
-            <a:schemeClr val="accent4"/>
-          </a:effectRef>
-          <a:fontRef idx="minor">
-            <a:schemeClr val="lt1"/>
-          </a:fontRef>
-        </p:style>
-        <p:txBody>
-          <a:bodyPr rtlCol="0" anchor="ctr"/>
-          <a:lstStyle/>
-          <a:p>
-            <a:pPr algn="ctr"/>
-            <a:endParaRPr lang="en-US"/>
-          </a:p>
-        </p:txBody>
-      </p:sp>
+      </p:pic>
     </p:spTree>
     <p:extLst>
       <p:ext uri="{BB962C8B-B14F-4D97-AF65-F5344CB8AC3E}">
-        <p14:creationId xmlns:p14="http://schemas.microsoft.com/office/powerpoint/2010/main" val="3612373344"/>
+        <p14:creationId xmlns:p14="http://schemas.microsoft.com/office/powerpoint/2010/main" val="497340292"/>
       </p:ext>
     </p:extLst>
   </p:cSld>
   <p:clrMapOvr>
     <a:masterClrMapping/>
   </p:clrMapOvr>
+  <p:timing>
+    <p:tnLst>
+      <p:par>
+        <p:cTn id="1" dur="indefinite" restart="never" nodeType="tmRoot">
+          <p:childTnLst>
+            <p:seq concurrent="1" nextAc="seek">
+              <p:cTn id="2" dur="indefinite" nodeType="mainSeq">
+                <p:childTnLst>
+                  <p:par>
+                    <p:cTn id="3" fill="hold">
+                      <p:stCondLst>
+                        <p:cond delay="indefinite"/>
+                      </p:stCondLst>
+                      <p:childTnLst>
+                        <p:par>
+                          <p:cTn id="4" fill="hold">
+                            <p:stCondLst>
+                              <p:cond delay="0"/>
+                            </p:stCondLst>
+                            <p:childTnLst>
+                              <p:par>
+                                <p:cTn id="5" presetID="10" presetClass="entr" presetSubtype="0" fill="hold" nodeType="clickEffect">
+                                  <p:stCondLst>
+                                    <p:cond delay="0"/>
+                                  </p:stCondLst>
+                                  <p:childTnLst>
+                                    <p:set>
+                                      <p:cBhvr>
+                                        <p:cTn id="6" dur="1" fill="hold">
+                                          <p:stCondLst>
+                                            <p:cond delay="0"/>
+                                          </p:stCondLst>
+                                        </p:cTn>
+                                        <p:tgtEl>
+                                          <p:spTgt spid="5"/>
+                                        </p:tgtEl>
+                                        <p:attrNameLst>
+                                          <p:attrName>style.visibility</p:attrName>
+                                        </p:attrNameLst>
+                                      </p:cBhvr>
+                                      <p:to>
+                                        <p:strVal val="visible"/>
+                                      </p:to>
+                                    </p:set>
+                                    <p:animEffect transition="in" filter="fade">
+                                      <p:cBhvr>
+                                        <p:cTn id="7" dur="500"/>
+                                        <p:tgtEl>
+                                          <p:spTgt spid="5"/>
+                                        </p:tgtEl>
+                                      </p:cBhvr>
+                                    </p:animEffect>
+                                  </p:childTnLst>
+                                </p:cTn>
+                              </p:par>
+                            </p:childTnLst>
+                          </p:cTn>
+                        </p:par>
+                      </p:childTnLst>
+                    </p:cTn>
+                  </p:par>
+                  <p:par>
+                    <p:cTn id="8" fill="hold">
+                      <p:stCondLst>
+                        <p:cond delay="indefinite"/>
+                      </p:stCondLst>
+                      <p:childTnLst>
+                        <p:par>
+                          <p:cTn id="9" fill="hold">
+                            <p:stCondLst>
+                              <p:cond delay="0"/>
+                            </p:stCondLst>
+                            <p:childTnLst>
+                              <p:par>
+                                <p:cTn id="10" presetID="10" presetClass="entr" presetSubtype="0" fill="hold" nodeType="clickEffect">
+                                  <p:stCondLst>
+                                    <p:cond delay="0"/>
+                                  </p:stCondLst>
+                                  <p:childTnLst>
+                                    <p:set>
+                                      <p:cBhvr>
+                                        <p:cTn id="11" dur="1" fill="hold">
+                                          <p:stCondLst>
+                                            <p:cond delay="0"/>
+                                          </p:stCondLst>
+                                        </p:cTn>
+                                        <p:tgtEl>
+                                          <p:spTgt spid="7"/>
+                                        </p:tgtEl>
+                                        <p:attrNameLst>
+                                          <p:attrName>style.visibility</p:attrName>
+                                        </p:attrNameLst>
+                                      </p:cBhvr>
+                                      <p:to>
+                                        <p:strVal val="visible"/>
+                                      </p:to>
+                                    </p:set>
+                                    <p:animEffect transition="in" filter="fade">
+                                      <p:cBhvr>
+                                        <p:cTn id="12" dur="500"/>
+                                        <p:tgtEl>
+                                          <p:spTgt spid="7"/>
+                                        </p:tgtEl>
+                                      </p:cBhvr>
+                                    </p:animEffect>
+                                  </p:childTnLst>
+                                </p:cTn>
+                              </p:par>
+                            </p:childTnLst>
+                          </p:cTn>
+                        </p:par>
+                      </p:childTnLst>
+                    </p:cTn>
+                  </p:par>
+                </p:childTnLst>
+              </p:cTn>
+              <p:prevCondLst>
+                <p:cond evt="onPrev" delay="0">
+                  <p:tgtEl>
+                    <p:sldTgt/>
+                  </p:tgtEl>
+                </p:cond>
+              </p:prevCondLst>
+              <p:nextCondLst>
+                <p:cond evt="onNext" delay="0">
+                  <p:tgtEl>
+                    <p:sldTgt/>
+                  </p:tgtEl>
+                </p:cond>
+              </p:nextCondLst>
+            </p:seq>
+          </p:childTnLst>
+        </p:cTn>
+      </p:par>
+    </p:tnLst>
+  </p:timing>
+</p:sld>
+</file>
+
+<file path=ppt/slides/slide24.xml><?xml version="1.0" encoding="utf-8"?>
+<p:sld xmlns:a="http://schemas.openxmlformats.org/drawingml/2006/main" xmlns:r="http://schemas.openxmlformats.org/officeDocument/2006/relationships" xmlns:p="http://schemas.openxmlformats.org/presentationml/2006/main">
+  <p:cSld>
+    <p:spTree>
+      <p:nvGrpSpPr>
+        <p:cNvPr id="1" name=""/>
+        <p:cNvGrpSpPr/>
+        <p:nvPr/>
+      </p:nvGrpSpPr>
+      <p:grpSpPr>
+        <a:xfrm>
+          <a:off x="0" y="0"/>
+          <a:ext cx="0" cy="0"/>
+          <a:chOff x="0" y="0"/>
+          <a:chExt cx="0" cy="0"/>
+        </a:xfrm>
+      </p:grpSpPr>
+      <p:sp>
+        <p:nvSpPr>
+          <p:cNvPr id="2" name="Title 1">
+            <a:extLst>
+              <a:ext uri="{FF2B5EF4-FFF2-40B4-BE49-F238E27FC236}">
+                <a16:creationId xmlns:a16="http://schemas.microsoft.com/office/drawing/2014/main" id="{2473588D-D41C-784E-BC12-D8BA8FC816F6}"/>
+              </a:ext>
+            </a:extLst>
+          </p:cNvPr>
+          <p:cNvSpPr>
+            <a:spLocks noGrp="1"/>
+          </p:cNvSpPr>
+          <p:nvPr>
+            <p:ph type="title"/>
+          </p:nvPr>
+        </p:nvSpPr>
+        <p:spPr/>
+        <p:txBody>
+          <a:bodyPr/>
+          <a:lstStyle/>
+          <a:p>
+            <a:r>
+              <a:rPr lang="en-US" dirty="0" err="1"/>
+              <a:t>Latensi</a:t>
+            </a:r>
+            <a:endParaRPr lang="en-US" dirty="0"/>
+          </a:p>
+        </p:txBody>
+      </p:sp>
+      <p:sp>
+        <p:nvSpPr>
+          <p:cNvPr id="3" name="Content Placeholder 2">
+            <a:extLst>
+              <a:ext uri="{FF2B5EF4-FFF2-40B4-BE49-F238E27FC236}">
+                <a16:creationId xmlns:a16="http://schemas.microsoft.com/office/drawing/2014/main" id="{32544F60-B4F8-204B-A51C-901AEB2DEEB5}"/>
+              </a:ext>
+            </a:extLst>
+          </p:cNvPr>
+          <p:cNvSpPr>
+            <a:spLocks noGrp="1"/>
+          </p:cNvSpPr>
+          <p:nvPr>
+            <p:ph idx="1"/>
+          </p:nvPr>
+        </p:nvSpPr>
+        <p:spPr>
+          <a:effectLst/>
+        </p:spPr>
+        <p:txBody>
+          <a:bodyPr anchor="t">
+            <a:normAutofit/>
+          </a:bodyPr>
+          <a:lstStyle/>
+          <a:p>
+            <a:pPr marL="0" indent="0">
+              <a:buNone/>
+            </a:pPr>
+            <a:r>
+              <a:rPr lang="en-US" sz="2400" dirty="0" err="1"/>
+              <a:t>Menghitung</a:t>
+            </a:r>
+            <a:r>
+              <a:rPr lang="en-US" sz="2400" dirty="0"/>
+              <a:t> </a:t>
+            </a:r>
+            <a:r>
+              <a:rPr lang="en-US" sz="2400" dirty="0" err="1"/>
+              <a:t>latensi</a:t>
+            </a:r>
+            <a:r>
+              <a:rPr lang="en-US" sz="2400" dirty="0"/>
+              <a:t>:</a:t>
+            </a:r>
+          </a:p>
+          <a:p>
+            <a:pPr marL="0" indent="0">
+              <a:buNone/>
+            </a:pPr>
+            <a:r>
+              <a:rPr lang="en-US" sz="2400" dirty="0" err="1"/>
+              <a:t>Latensi</a:t>
+            </a:r>
+            <a:r>
+              <a:rPr lang="en-US" sz="2400" dirty="0"/>
+              <a:t> = </a:t>
+            </a:r>
+            <a:r>
+              <a:rPr lang="en-US" sz="2400" dirty="0" err="1"/>
+              <a:t>Waktu</a:t>
+            </a:r>
+            <a:r>
+              <a:rPr lang="en-US" sz="2400" dirty="0"/>
+              <a:t> </a:t>
+            </a:r>
+            <a:r>
+              <a:rPr lang="en-US" sz="2400" dirty="0" err="1"/>
+              <a:t>saat</a:t>
+            </a:r>
+            <a:r>
+              <a:rPr lang="en-US" sz="2400" dirty="0"/>
+              <a:t> </a:t>
+            </a:r>
+            <a:r>
+              <a:rPr lang="en-US" sz="2400" dirty="0" err="1"/>
+              <a:t>ini</a:t>
+            </a:r>
+            <a:r>
+              <a:rPr lang="en-US" sz="2400" dirty="0"/>
+              <a:t> – </a:t>
+            </a:r>
+            <a:r>
+              <a:rPr lang="en-US" sz="2400" dirty="0" err="1"/>
+              <a:t>Waktu</a:t>
+            </a:r>
+            <a:r>
+              <a:rPr lang="en-US" sz="2400" dirty="0"/>
+              <a:t> </a:t>
+            </a:r>
+            <a:r>
+              <a:rPr lang="en-US" sz="2400" dirty="0" err="1"/>
+              <a:t>mulai</a:t>
+            </a:r>
+            <a:endParaRPr lang="en-US" sz="2400" dirty="0"/>
+          </a:p>
+          <a:p>
+            <a:pPr marL="0" indent="0">
+              <a:buNone/>
+            </a:pPr>
+            <a:endParaRPr lang="en-US" sz="2400" dirty="0"/>
+          </a:p>
+          <a:p>
+            <a:pPr marL="0" indent="0">
+              <a:buNone/>
+            </a:pPr>
+            <a:endParaRPr lang="en-US" sz="2400" dirty="0"/>
+          </a:p>
+          <a:p>
+            <a:pPr marL="0" indent="0">
+              <a:buNone/>
+            </a:pPr>
+            <a:r>
+              <a:rPr lang="en-US" sz="2400" dirty="0" err="1"/>
+              <a:t>Menghitung</a:t>
+            </a:r>
+            <a:r>
+              <a:rPr lang="en-US" sz="2400" dirty="0"/>
+              <a:t> rata-rata </a:t>
+            </a:r>
+            <a:r>
+              <a:rPr lang="en-US" sz="2400" dirty="0" err="1"/>
+              <a:t>latensi</a:t>
+            </a:r>
+            <a:r>
+              <a:rPr lang="en-US" sz="2400" dirty="0"/>
+              <a:t>:</a:t>
+            </a:r>
+          </a:p>
+          <a:p>
+            <a:pPr marL="0" indent="0">
+              <a:buNone/>
+            </a:pPr>
+            <a:r>
+              <a:rPr lang="en-US" sz="2400" dirty="0"/>
+              <a:t>Rata-rata </a:t>
+            </a:r>
+            <a:r>
+              <a:rPr lang="en-US" sz="2400" dirty="0" err="1"/>
+              <a:t>latensi</a:t>
+            </a:r>
+            <a:r>
+              <a:rPr lang="en-US" sz="2400" dirty="0"/>
+              <a:t> = </a:t>
+            </a:r>
+            <a:r>
+              <a:rPr lang="en-US" sz="2400" dirty="0" err="1"/>
+              <a:t>Jumlah</a:t>
+            </a:r>
+            <a:r>
+              <a:rPr lang="en-US" sz="2400" dirty="0"/>
+              <a:t> total </a:t>
+            </a:r>
+            <a:r>
+              <a:rPr lang="en-US" sz="2400" dirty="0" err="1"/>
+              <a:t>latensi</a:t>
+            </a:r>
+            <a:r>
+              <a:rPr lang="en-US" sz="2400" dirty="0"/>
+              <a:t> / </a:t>
+            </a:r>
+            <a:r>
+              <a:rPr lang="en-US" sz="2400" dirty="0" err="1"/>
+              <a:t>Jumlah</a:t>
+            </a:r>
+            <a:r>
+              <a:rPr lang="en-US" sz="2400" dirty="0"/>
+              <a:t> </a:t>
+            </a:r>
+            <a:r>
+              <a:rPr lang="en-US" sz="2400" dirty="0" err="1"/>
+              <a:t>pengiriman</a:t>
+            </a:r>
+            <a:r>
+              <a:rPr lang="en-US" sz="2400" dirty="0"/>
+              <a:t> </a:t>
+            </a:r>
+            <a:r>
+              <a:rPr lang="en-US" sz="2400" dirty="0" err="1"/>
+              <a:t>latensi</a:t>
+            </a:r>
+            <a:endParaRPr lang="en-US" sz="2400" dirty="0"/>
+          </a:p>
+        </p:txBody>
+      </p:sp>
+    </p:spTree>
+    <p:extLst>
+      <p:ext uri="{BB962C8B-B14F-4D97-AF65-F5344CB8AC3E}">
+        <p14:creationId xmlns:p14="http://schemas.microsoft.com/office/powerpoint/2010/main" val="2355321782"/>
+      </p:ext>
+    </p:extLst>
+  </p:cSld>
+  <p:clrMapOvr>
+    <a:masterClrMapping/>
+  </p:clrMapOvr>
+  <p:timing>
+    <p:tnLst>
+      <p:par>
+        <p:cTn id="1" dur="indefinite" restart="never" nodeType="tmRoot">
+          <p:childTnLst>
+            <p:seq concurrent="1" nextAc="seek">
+              <p:cTn id="2" dur="indefinite" nodeType="mainSeq">
+                <p:childTnLst>
+                  <p:par>
+                    <p:cTn id="3" fill="hold">
+                      <p:stCondLst>
+                        <p:cond delay="indefinite"/>
+                      </p:stCondLst>
+                      <p:childTnLst>
+                        <p:par>
+                          <p:cTn id="4" fill="hold">
+                            <p:stCondLst>
+                              <p:cond delay="0"/>
+                            </p:stCondLst>
+                            <p:childTnLst>
+                              <p:par>
+                                <p:cTn id="5" presetID="10" presetClass="entr" presetSubtype="0" fill="hold" nodeType="clickEffect">
+                                  <p:stCondLst>
+                                    <p:cond delay="0"/>
+                                  </p:stCondLst>
+                                  <p:childTnLst>
+                                    <p:set>
+                                      <p:cBhvr>
+                                        <p:cTn id="6" dur="1" fill="hold">
+                                          <p:stCondLst>
+                                            <p:cond delay="0"/>
+                                          </p:stCondLst>
+                                        </p:cTn>
+                                        <p:tgtEl>
+                                          <p:spTgt spid="3">
+                                            <p:txEl>
+                                              <p:pRg st="0" end="0"/>
+                                            </p:txEl>
+                                          </p:spTgt>
+                                        </p:tgtEl>
+                                        <p:attrNameLst>
+                                          <p:attrName>style.visibility</p:attrName>
+                                        </p:attrNameLst>
+                                      </p:cBhvr>
+                                      <p:to>
+                                        <p:strVal val="visible"/>
+                                      </p:to>
+                                    </p:set>
+                                    <p:animEffect transition="in" filter="fade">
+                                      <p:cBhvr>
+                                        <p:cTn id="7" dur="500"/>
+                                        <p:tgtEl>
+                                          <p:spTgt spid="3">
+                                            <p:txEl>
+                                              <p:pRg st="0" end="0"/>
+                                            </p:txEl>
+                                          </p:spTgt>
+                                        </p:tgtEl>
+                                      </p:cBhvr>
+                                    </p:animEffect>
+                                  </p:childTnLst>
+                                </p:cTn>
+                              </p:par>
+                              <p:par>
+                                <p:cTn id="8" presetID="10" presetClass="entr" presetSubtype="0" fill="hold" nodeType="withEffect">
+                                  <p:stCondLst>
+                                    <p:cond delay="0"/>
+                                  </p:stCondLst>
+                                  <p:childTnLst>
+                                    <p:set>
+                                      <p:cBhvr>
+                                        <p:cTn id="9" dur="1" fill="hold">
+                                          <p:stCondLst>
+                                            <p:cond delay="0"/>
+                                          </p:stCondLst>
+                                        </p:cTn>
+                                        <p:tgtEl>
+                                          <p:spTgt spid="3">
+                                            <p:txEl>
+                                              <p:pRg st="1" end="1"/>
+                                            </p:txEl>
+                                          </p:spTgt>
+                                        </p:tgtEl>
+                                        <p:attrNameLst>
+                                          <p:attrName>style.visibility</p:attrName>
+                                        </p:attrNameLst>
+                                      </p:cBhvr>
+                                      <p:to>
+                                        <p:strVal val="visible"/>
+                                      </p:to>
+                                    </p:set>
+                                    <p:animEffect transition="in" filter="fade">
+                                      <p:cBhvr>
+                                        <p:cTn id="10" dur="500"/>
+                                        <p:tgtEl>
+                                          <p:spTgt spid="3">
+                                            <p:txEl>
+                                              <p:pRg st="1" end="1"/>
+                                            </p:txEl>
+                                          </p:spTgt>
+                                        </p:tgtEl>
+                                      </p:cBhvr>
+                                    </p:animEffect>
+                                  </p:childTnLst>
+                                </p:cTn>
+                              </p:par>
+                            </p:childTnLst>
+                          </p:cTn>
+                        </p:par>
+                      </p:childTnLst>
+                    </p:cTn>
+                  </p:par>
+                  <p:par>
+                    <p:cTn id="11" fill="hold">
+                      <p:stCondLst>
+                        <p:cond delay="indefinite"/>
+                      </p:stCondLst>
+                      <p:childTnLst>
+                        <p:par>
+                          <p:cTn id="12" fill="hold">
+                            <p:stCondLst>
+                              <p:cond delay="0"/>
+                            </p:stCondLst>
+                            <p:childTnLst>
+                              <p:par>
+                                <p:cTn id="13" presetID="10" presetClass="entr" presetSubtype="0" fill="hold" nodeType="clickEffect">
+                                  <p:stCondLst>
+                                    <p:cond delay="0"/>
+                                  </p:stCondLst>
+                                  <p:childTnLst>
+                                    <p:set>
+                                      <p:cBhvr>
+                                        <p:cTn id="14" dur="1" fill="hold">
+                                          <p:stCondLst>
+                                            <p:cond delay="0"/>
+                                          </p:stCondLst>
+                                        </p:cTn>
+                                        <p:tgtEl>
+                                          <p:spTgt spid="3">
+                                            <p:txEl>
+                                              <p:pRg st="4" end="4"/>
+                                            </p:txEl>
+                                          </p:spTgt>
+                                        </p:tgtEl>
+                                        <p:attrNameLst>
+                                          <p:attrName>style.visibility</p:attrName>
+                                        </p:attrNameLst>
+                                      </p:cBhvr>
+                                      <p:to>
+                                        <p:strVal val="visible"/>
+                                      </p:to>
+                                    </p:set>
+                                    <p:animEffect transition="in" filter="fade">
+                                      <p:cBhvr>
+                                        <p:cTn id="15" dur="500"/>
+                                        <p:tgtEl>
+                                          <p:spTgt spid="3">
+                                            <p:txEl>
+                                              <p:pRg st="4" end="4"/>
+                                            </p:txEl>
+                                          </p:spTgt>
+                                        </p:tgtEl>
+                                      </p:cBhvr>
+                                    </p:animEffect>
+                                  </p:childTnLst>
+                                </p:cTn>
+                              </p:par>
+                              <p:par>
+                                <p:cTn id="16" presetID="10" presetClass="entr" presetSubtype="0" fill="hold" nodeType="withEffect">
+                                  <p:stCondLst>
+                                    <p:cond delay="0"/>
+                                  </p:stCondLst>
+                                  <p:childTnLst>
+                                    <p:set>
+                                      <p:cBhvr>
+                                        <p:cTn id="17" dur="1" fill="hold">
+                                          <p:stCondLst>
+                                            <p:cond delay="0"/>
+                                          </p:stCondLst>
+                                        </p:cTn>
+                                        <p:tgtEl>
+                                          <p:spTgt spid="3">
+                                            <p:txEl>
+                                              <p:pRg st="5" end="5"/>
+                                            </p:txEl>
+                                          </p:spTgt>
+                                        </p:tgtEl>
+                                        <p:attrNameLst>
+                                          <p:attrName>style.visibility</p:attrName>
+                                        </p:attrNameLst>
+                                      </p:cBhvr>
+                                      <p:to>
+                                        <p:strVal val="visible"/>
+                                      </p:to>
+                                    </p:set>
+                                    <p:animEffect transition="in" filter="fade">
+                                      <p:cBhvr>
+                                        <p:cTn id="18" dur="500"/>
+                                        <p:tgtEl>
+                                          <p:spTgt spid="3">
+                                            <p:txEl>
+                                              <p:pRg st="5" end="5"/>
+                                            </p:txEl>
+                                          </p:spTgt>
+                                        </p:tgtEl>
+                                      </p:cBhvr>
+                                    </p:animEffect>
+                                  </p:childTnLst>
+                                </p:cTn>
+                              </p:par>
+                            </p:childTnLst>
+                          </p:cTn>
+                        </p:par>
+                      </p:childTnLst>
+                    </p:cTn>
+                  </p:par>
+                </p:childTnLst>
+              </p:cTn>
+              <p:prevCondLst>
+                <p:cond evt="onPrev" delay="0">
+                  <p:tgtEl>
+                    <p:sldTgt/>
+                  </p:tgtEl>
+                </p:cond>
+              </p:prevCondLst>
+              <p:nextCondLst>
+                <p:cond evt="onNext" delay="0">
+                  <p:tgtEl>
+                    <p:sldTgt/>
+                  </p:tgtEl>
+                </p:cond>
+              </p:nextCondLst>
+            </p:seq>
+          </p:childTnLst>
+        </p:cTn>
+      </p:par>
+    </p:tnLst>
+  </p:timing>
 </p:sld>
 </file>
 
 <file path=ppt/slides/slide25.xml><?xml version="1.0" encoding="utf-8"?>
+<p:sld xmlns:a="http://schemas.openxmlformats.org/drawingml/2006/main" xmlns:r="http://schemas.openxmlformats.org/officeDocument/2006/relationships" xmlns:p="http://schemas.openxmlformats.org/presentationml/2006/main">
+  <p:cSld>
+    <p:spTree>
+      <p:nvGrpSpPr>
+        <p:cNvPr id="1" name=""/>
+        <p:cNvGrpSpPr/>
+        <p:nvPr/>
+      </p:nvGrpSpPr>
+      <p:grpSpPr>
+        <a:xfrm>
+          <a:off x="0" y="0"/>
+          <a:ext cx="0" cy="0"/>
+          <a:chOff x="0" y="0"/>
+          <a:chExt cx="0" cy="0"/>
+        </a:xfrm>
+      </p:grpSpPr>
+      <p:sp>
+        <p:nvSpPr>
+          <p:cNvPr id="2" name="Title 1">
+            <a:extLst>
+              <a:ext uri="{FF2B5EF4-FFF2-40B4-BE49-F238E27FC236}">
+                <a16:creationId xmlns:a16="http://schemas.microsoft.com/office/drawing/2014/main" id="{819BA3B4-A5B4-2348-8FA9-845940766311}"/>
+              </a:ext>
+            </a:extLst>
+          </p:cNvPr>
+          <p:cNvSpPr>
+            <a:spLocks noGrp="1"/>
+          </p:cNvSpPr>
+          <p:nvPr>
+            <p:ph type="title"/>
+          </p:nvPr>
+        </p:nvSpPr>
+        <p:spPr/>
+        <p:txBody>
+          <a:bodyPr/>
+          <a:lstStyle/>
+          <a:p>
+            <a:r>
+              <a:rPr lang="en-US" dirty="0" err="1"/>
+              <a:t>Latensi</a:t>
+            </a:r>
+            <a:endParaRPr lang="en-US" dirty="0"/>
+          </a:p>
+        </p:txBody>
+      </p:sp>
+      <p:sp>
+        <p:nvSpPr>
+          <p:cNvPr id="5" name="Content Placeholder 4">
+            <a:extLst>
+              <a:ext uri="{FF2B5EF4-FFF2-40B4-BE49-F238E27FC236}">
+                <a16:creationId xmlns:a16="http://schemas.microsoft.com/office/drawing/2014/main" id="{6A251E5D-F6BC-FB4C-B087-277D9F2B466C}"/>
+              </a:ext>
+            </a:extLst>
+          </p:cNvPr>
+          <p:cNvSpPr>
+            <a:spLocks noGrp="1"/>
+          </p:cNvSpPr>
+          <p:nvPr>
+            <p:ph sz="half" idx="2"/>
+          </p:nvPr>
+        </p:nvSpPr>
+        <p:spPr>
+          <a:xfrm>
+            <a:off x="6092984" y="2498271"/>
+            <a:ext cx="5194583" cy="3638764"/>
+          </a:xfrm>
+          <a:effectLst/>
+        </p:spPr>
+        <p:txBody>
+          <a:bodyPr/>
+          <a:lstStyle/>
+          <a:p>
+            <a:pPr marL="0" indent="0">
+              <a:buNone/>
+            </a:pPr>
+            <a:r>
+              <a:rPr lang="en-US" dirty="0" err="1"/>
+              <a:t>var</a:t>
+            </a:r>
+            <a:r>
+              <a:rPr lang="en-US" dirty="0"/>
+              <a:t> time = new Date();</a:t>
+            </a:r>
+          </a:p>
+          <a:p>
+            <a:pPr marL="0" indent="0">
+              <a:buNone/>
+            </a:pPr>
+            <a:r>
+              <a:rPr lang="en-US" dirty="0" err="1"/>
+              <a:t>startTime</a:t>
+            </a:r>
+            <a:r>
+              <a:rPr lang="en-US" dirty="0"/>
+              <a:t> = </a:t>
+            </a:r>
+            <a:r>
+              <a:rPr lang="en-US" dirty="0" err="1"/>
+              <a:t>time.getMilliseconds</a:t>
+            </a:r>
+            <a:r>
+              <a:rPr lang="en-US" dirty="0"/>
+              <a:t>();</a:t>
+            </a:r>
+          </a:p>
+          <a:p>
+            <a:pPr marL="0" indent="0">
+              <a:buNone/>
+            </a:pPr>
+            <a:r>
+              <a:rPr lang="en-US" dirty="0" err="1"/>
+              <a:t>socket.emit</a:t>
+            </a:r>
+            <a:r>
+              <a:rPr lang="en-US" dirty="0"/>
+              <a:t>('ping', </a:t>
+            </a:r>
+            <a:r>
+              <a:rPr lang="en-US" dirty="0" err="1"/>
+              <a:t>startTime</a:t>
+            </a:r>
+            <a:r>
+              <a:rPr lang="en-US" dirty="0"/>
+              <a:t>);</a:t>
+            </a:r>
+          </a:p>
+        </p:txBody>
+      </p:sp>
+      <p:pic>
+        <p:nvPicPr>
+          <p:cNvPr id="6" name="Content Placeholder 5">
+            <a:extLst>
+              <a:ext uri="{FF2B5EF4-FFF2-40B4-BE49-F238E27FC236}">
+                <a16:creationId xmlns:a16="http://schemas.microsoft.com/office/drawing/2014/main" id="{2C54676F-FEC4-3045-996B-4E373E46E785}"/>
+              </a:ext>
+            </a:extLst>
+          </p:cNvPr>
+          <p:cNvPicPr>
+            <a:picLocks noGrp="1" noChangeAspect="1"/>
+          </p:cNvPicPr>
+          <p:nvPr>
+            <p:ph sz="half" idx="1"/>
+          </p:nvPr>
+        </p:nvPicPr>
+        <p:blipFill>
+          <a:blip r:embed="rId2"/>
+          <a:stretch>
+            <a:fillRect/>
+          </a:stretch>
+        </p:blipFill>
+        <p:spPr>
+          <a:xfrm>
+            <a:off x="1827143" y="2498271"/>
+            <a:ext cx="2181817" cy="3638550"/>
+          </a:xfrm>
+          <a:prstGeom prst="rect">
+            <a:avLst/>
+          </a:prstGeom>
+        </p:spPr>
+      </p:pic>
+    </p:spTree>
+    <p:extLst>
+      <p:ext uri="{BB962C8B-B14F-4D97-AF65-F5344CB8AC3E}">
+        <p14:creationId xmlns:p14="http://schemas.microsoft.com/office/powerpoint/2010/main" val="3492955772"/>
+      </p:ext>
+    </p:extLst>
+  </p:cSld>
+  <p:clrMapOvr>
+    <a:masterClrMapping/>
+  </p:clrMapOvr>
+  <p:timing>
+    <p:tnLst>
+      <p:par>
+        <p:cTn id="1" dur="indefinite" restart="never" nodeType="tmRoot">
+          <p:childTnLst>
+            <p:seq concurrent="1" nextAc="seek">
+              <p:cTn id="2" dur="indefinite" nodeType="mainSeq">
+                <p:childTnLst>
+                  <p:par>
+                    <p:cTn id="3" fill="hold">
+                      <p:stCondLst>
+                        <p:cond delay="indefinite"/>
+                      </p:stCondLst>
+                      <p:childTnLst>
+                        <p:par>
+                          <p:cTn id="4" fill="hold">
+                            <p:stCondLst>
+                              <p:cond delay="0"/>
+                            </p:stCondLst>
+                            <p:childTnLst>
+                              <p:par>
+                                <p:cTn id="5" presetID="10" presetClass="entr" presetSubtype="0" fill="hold" nodeType="clickEffect">
+                                  <p:stCondLst>
+                                    <p:cond delay="0"/>
+                                  </p:stCondLst>
+                                  <p:childTnLst>
+                                    <p:set>
+                                      <p:cBhvr>
+                                        <p:cTn id="6" dur="1" fill="hold">
+                                          <p:stCondLst>
+                                            <p:cond delay="0"/>
+                                          </p:stCondLst>
+                                        </p:cTn>
+                                        <p:tgtEl>
+                                          <p:spTgt spid="6"/>
+                                        </p:tgtEl>
+                                        <p:attrNameLst>
+                                          <p:attrName>style.visibility</p:attrName>
+                                        </p:attrNameLst>
+                                      </p:cBhvr>
+                                      <p:to>
+                                        <p:strVal val="visible"/>
+                                      </p:to>
+                                    </p:set>
+                                    <p:animEffect transition="in" filter="fade">
+                                      <p:cBhvr>
+                                        <p:cTn id="7" dur="500"/>
+                                        <p:tgtEl>
+                                          <p:spTgt spid="6"/>
+                                        </p:tgtEl>
+                                      </p:cBhvr>
+                                    </p:animEffect>
+                                  </p:childTnLst>
+                                </p:cTn>
+                              </p:par>
+                            </p:childTnLst>
+                          </p:cTn>
+                        </p:par>
+                      </p:childTnLst>
+                    </p:cTn>
+                  </p:par>
+                  <p:par>
+                    <p:cTn id="8" fill="hold">
+                      <p:stCondLst>
+                        <p:cond delay="indefinite"/>
+                      </p:stCondLst>
+                      <p:childTnLst>
+                        <p:par>
+                          <p:cTn id="9" fill="hold">
+                            <p:stCondLst>
+                              <p:cond delay="0"/>
+                            </p:stCondLst>
+                            <p:childTnLst>
+                              <p:par>
+                                <p:cTn id="10" presetID="10" presetClass="entr" presetSubtype="0" fill="hold" grpId="0" nodeType="clickEffect">
+                                  <p:stCondLst>
+                                    <p:cond delay="0"/>
+                                  </p:stCondLst>
+                                  <p:childTnLst>
+                                    <p:set>
+                                      <p:cBhvr>
+                                        <p:cTn id="11" dur="1" fill="hold">
+                                          <p:stCondLst>
+                                            <p:cond delay="0"/>
+                                          </p:stCondLst>
+                                        </p:cTn>
+                                        <p:tgtEl>
+                                          <p:spTgt spid="5">
+                                            <p:txEl>
+                                              <p:pRg st="0" end="0"/>
+                                            </p:txEl>
+                                          </p:spTgt>
+                                        </p:tgtEl>
+                                        <p:attrNameLst>
+                                          <p:attrName>style.visibility</p:attrName>
+                                        </p:attrNameLst>
+                                      </p:cBhvr>
+                                      <p:to>
+                                        <p:strVal val="visible"/>
+                                      </p:to>
+                                    </p:set>
+                                    <p:animEffect transition="in" filter="fade">
+                                      <p:cBhvr>
+                                        <p:cTn id="12" dur="500"/>
+                                        <p:tgtEl>
+                                          <p:spTgt spid="5">
+                                            <p:txEl>
+                                              <p:pRg st="0" end="0"/>
+                                            </p:txEl>
+                                          </p:spTgt>
+                                        </p:tgtEl>
+                                      </p:cBhvr>
+                                    </p:animEffect>
+                                  </p:childTnLst>
+                                </p:cTn>
+                              </p:par>
+                              <p:par>
+                                <p:cTn id="13" presetID="10" presetClass="entr" presetSubtype="0" fill="hold" grpId="0" nodeType="withEffect">
+                                  <p:stCondLst>
+                                    <p:cond delay="0"/>
+                                  </p:stCondLst>
+                                  <p:childTnLst>
+                                    <p:set>
+                                      <p:cBhvr>
+                                        <p:cTn id="14" dur="1" fill="hold">
+                                          <p:stCondLst>
+                                            <p:cond delay="0"/>
+                                          </p:stCondLst>
+                                        </p:cTn>
+                                        <p:tgtEl>
+                                          <p:spTgt spid="5">
+                                            <p:txEl>
+                                              <p:pRg st="1" end="1"/>
+                                            </p:txEl>
+                                          </p:spTgt>
+                                        </p:tgtEl>
+                                        <p:attrNameLst>
+                                          <p:attrName>style.visibility</p:attrName>
+                                        </p:attrNameLst>
+                                      </p:cBhvr>
+                                      <p:to>
+                                        <p:strVal val="visible"/>
+                                      </p:to>
+                                    </p:set>
+                                    <p:animEffect transition="in" filter="fade">
+                                      <p:cBhvr>
+                                        <p:cTn id="15" dur="500"/>
+                                        <p:tgtEl>
+                                          <p:spTgt spid="5">
+                                            <p:txEl>
+                                              <p:pRg st="1" end="1"/>
+                                            </p:txEl>
+                                          </p:spTgt>
+                                        </p:tgtEl>
+                                      </p:cBhvr>
+                                    </p:animEffect>
+                                  </p:childTnLst>
+                                </p:cTn>
+                              </p:par>
+                              <p:par>
+                                <p:cTn id="16" presetID="10" presetClass="entr" presetSubtype="0" fill="hold" grpId="0" nodeType="withEffect">
+                                  <p:stCondLst>
+                                    <p:cond delay="0"/>
+                                  </p:stCondLst>
+                                  <p:childTnLst>
+                                    <p:set>
+                                      <p:cBhvr>
+                                        <p:cTn id="17" dur="1" fill="hold">
+                                          <p:stCondLst>
+                                            <p:cond delay="0"/>
+                                          </p:stCondLst>
+                                        </p:cTn>
+                                        <p:tgtEl>
+                                          <p:spTgt spid="5">
+                                            <p:txEl>
+                                              <p:pRg st="2" end="2"/>
+                                            </p:txEl>
+                                          </p:spTgt>
+                                        </p:tgtEl>
+                                        <p:attrNameLst>
+                                          <p:attrName>style.visibility</p:attrName>
+                                        </p:attrNameLst>
+                                      </p:cBhvr>
+                                      <p:to>
+                                        <p:strVal val="visible"/>
+                                      </p:to>
+                                    </p:set>
+                                    <p:animEffect transition="in" filter="fade">
+                                      <p:cBhvr>
+                                        <p:cTn id="18" dur="500"/>
+                                        <p:tgtEl>
+                                          <p:spTgt spid="5">
+                                            <p:txEl>
+                                              <p:pRg st="2" end="2"/>
+                                            </p:txEl>
+                                          </p:spTgt>
+                                        </p:tgtEl>
+                                      </p:cBhvr>
+                                    </p:animEffect>
+                                  </p:childTnLst>
+                                </p:cTn>
+                              </p:par>
+                            </p:childTnLst>
+                          </p:cTn>
+                        </p:par>
+                      </p:childTnLst>
+                    </p:cTn>
+                  </p:par>
+                </p:childTnLst>
+              </p:cTn>
+              <p:prevCondLst>
+                <p:cond evt="onPrev" delay="0">
+                  <p:tgtEl>
+                    <p:sldTgt/>
+                  </p:tgtEl>
+                </p:cond>
+              </p:prevCondLst>
+              <p:nextCondLst>
+                <p:cond evt="onNext" delay="0">
+                  <p:tgtEl>
+                    <p:sldTgt/>
+                  </p:tgtEl>
+                </p:cond>
+              </p:nextCondLst>
+            </p:seq>
+          </p:childTnLst>
+        </p:cTn>
+      </p:par>
+    </p:tnLst>
+    <p:bldLst>
+      <p:bldP spid="5" grpId="0" uiExpand="1" build="p"/>
+    </p:bldLst>
+  </p:timing>
+</p:sld>
+</file>
+
+<file path=ppt/slides/slide26.xml><?xml version="1.0" encoding="utf-8"?>
+<p:sld xmlns:a="http://schemas.openxmlformats.org/drawingml/2006/main" xmlns:r="http://schemas.openxmlformats.org/officeDocument/2006/relationships" xmlns:p="http://schemas.openxmlformats.org/presentationml/2006/main">
+  <p:cSld>
+    <p:spTree>
+      <p:nvGrpSpPr>
+        <p:cNvPr id="1" name=""/>
+        <p:cNvGrpSpPr/>
+        <p:nvPr/>
+      </p:nvGrpSpPr>
+      <p:grpSpPr>
+        <a:xfrm>
+          <a:off x="0" y="0"/>
+          <a:ext cx="0" cy="0"/>
+          <a:chOff x="0" y="0"/>
+          <a:chExt cx="0" cy="0"/>
+        </a:xfrm>
+      </p:grpSpPr>
+      <p:sp>
+        <p:nvSpPr>
+          <p:cNvPr id="2" name="Title 1">
+            <a:extLst>
+              <a:ext uri="{FF2B5EF4-FFF2-40B4-BE49-F238E27FC236}">
+                <a16:creationId xmlns:a16="http://schemas.microsoft.com/office/drawing/2014/main" id="{DD2245FF-B76A-EC48-9766-1709D7975253}"/>
+              </a:ext>
+            </a:extLst>
+          </p:cNvPr>
+          <p:cNvSpPr>
+            <a:spLocks noGrp="1"/>
+          </p:cNvSpPr>
+          <p:nvPr>
+            <p:ph type="title"/>
+          </p:nvPr>
+        </p:nvSpPr>
+        <p:spPr/>
+        <p:txBody>
+          <a:bodyPr/>
+          <a:lstStyle/>
+          <a:p>
+            <a:r>
+              <a:rPr lang="en-US" dirty="0" err="1"/>
+              <a:t>Latensi</a:t>
+            </a:r>
+            <a:endParaRPr lang="en-US" dirty="0"/>
+          </a:p>
+        </p:txBody>
+      </p:sp>
+      <p:sp>
+        <p:nvSpPr>
+          <p:cNvPr id="4" name="Content Placeholder 3">
+            <a:extLst>
+              <a:ext uri="{FF2B5EF4-FFF2-40B4-BE49-F238E27FC236}">
+                <a16:creationId xmlns:a16="http://schemas.microsoft.com/office/drawing/2014/main" id="{AA60AB7F-A5EA-964C-A14E-D22C12F1953C}"/>
+              </a:ext>
+            </a:extLst>
+          </p:cNvPr>
+          <p:cNvSpPr>
+            <a:spLocks noGrp="1"/>
+          </p:cNvSpPr>
+          <p:nvPr>
+            <p:ph sz="half" idx="2"/>
+          </p:nvPr>
+        </p:nvSpPr>
+        <p:spPr>
+          <a:effectLst/>
+        </p:spPr>
+        <p:txBody>
+          <a:bodyPr/>
+          <a:lstStyle/>
+          <a:p>
+            <a:pPr marL="0" indent="0">
+              <a:buNone/>
+            </a:pPr>
+            <a:r>
+              <a:rPr lang="en-US" dirty="0" err="1"/>
+              <a:t>socket.on</a:t>
+            </a:r>
+            <a:r>
+              <a:rPr lang="en-US" dirty="0"/>
+              <a:t>('ping', (message) =&gt; {</a:t>
+            </a:r>
+          </a:p>
+          <a:p>
+            <a:pPr marL="0" indent="0">
+              <a:buNone/>
+            </a:pPr>
+            <a:r>
+              <a:rPr lang="en-US" dirty="0"/>
+              <a:t>    </a:t>
+            </a:r>
+            <a:r>
+              <a:rPr lang="en-US" dirty="0" err="1"/>
+              <a:t>socket.emit</a:t>
+            </a:r>
+            <a:r>
+              <a:rPr lang="en-US" dirty="0"/>
+              <a:t>('pong', message);</a:t>
+            </a:r>
+          </a:p>
+          <a:p>
+            <a:pPr marL="0" indent="0">
+              <a:buNone/>
+            </a:pPr>
+            <a:r>
+              <a:rPr lang="en-US" dirty="0"/>
+              <a:t>  })</a:t>
+            </a:r>
+          </a:p>
+        </p:txBody>
+      </p:sp>
+      <p:pic>
+        <p:nvPicPr>
+          <p:cNvPr id="5" name="Content Placeholder 5">
+            <a:extLst>
+              <a:ext uri="{FF2B5EF4-FFF2-40B4-BE49-F238E27FC236}">
+                <a16:creationId xmlns:a16="http://schemas.microsoft.com/office/drawing/2014/main" id="{29AA250B-E9BB-2143-8F0A-178355E9CA3F}"/>
+              </a:ext>
+            </a:extLst>
+          </p:cNvPr>
+          <p:cNvPicPr>
+            <a:picLocks noGrp="1" noChangeAspect="1"/>
+          </p:cNvPicPr>
+          <p:nvPr>
+            <p:ph sz="half" idx="1"/>
+          </p:nvPr>
+        </p:nvPicPr>
+        <p:blipFill>
+          <a:blip r:embed="rId2" cstate="screen">
+            <a:extLst>
+              <a:ext uri="{28A0092B-C50C-407E-A947-70E740481C1C}">
+                <a14:useLocalDpi xmlns:a14="http://schemas.microsoft.com/office/drawing/2010/main"/>
+              </a:ext>
+            </a:extLst>
+          </a:blip>
+          <a:stretch>
+            <a:fillRect/>
+          </a:stretch>
+        </p:blipFill>
+        <p:spPr>
+          <a:xfrm>
+            <a:off x="1566742" y="2222500"/>
+            <a:ext cx="3689591" cy="3638550"/>
+          </a:xfrm>
+          <a:prstGeom prst="rect">
+            <a:avLst/>
+          </a:prstGeom>
+          <a:effectLst>
+            <a:outerShdw blurRad="50800" dir="14400000">
+              <a:srgbClr val="000000">
+                <a:alpha val="40000"/>
+              </a:srgbClr>
+            </a:outerShdw>
+          </a:effectLst>
+        </p:spPr>
+      </p:pic>
+    </p:spTree>
+    <p:extLst>
+      <p:ext uri="{BB962C8B-B14F-4D97-AF65-F5344CB8AC3E}">
+        <p14:creationId xmlns:p14="http://schemas.microsoft.com/office/powerpoint/2010/main" val="124096594"/>
+      </p:ext>
+    </p:extLst>
+  </p:cSld>
+  <p:clrMapOvr>
+    <a:masterClrMapping/>
+  </p:clrMapOvr>
+  <p:timing>
+    <p:tnLst>
+      <p:par>
+        <p:cTn id="1" dur="indefinite" restart="never" nodeType="tmRoot">
+          <p:childTnLst>
+            <p:seq concurrent="1" nextAc="seek">
+              <p:cTn id="2" dur="indefinite" nodeType="mainSeq">
+                <p:childTnLst>
+                  <p:par>
+                    <p:cTn id="3" fill="hold">
+                      <p:stCondLst>
+                        <p:cond delay="indefinite"/>
+                      </p:stCondLst>
+                      <p:childTnLst>
+                        <p:par>
+                          <p:cTn id="4" fill="hold">
+                            <p:stCondLst>
+                              <p:cond delay="0"/>
+                            </p:stCondLst>
+                            <p:childTnLst>
+                              <p:par>
+                                <p:cTn id="5" presetID="10" presetClass="entr" presetSubtype="0" fill="hold" nodeType="clickEffect">
+                                  <p:stCondLst>
+                                    <p:cond delay="0"/>
+                                  </p:stCondLst>
+                                  <p:childTnLst>
+                                    <p:set>
+                                      <p:cBhvr>
+                                        <p:cTn id="6" dur="1" fill="hold">
+                                          <p:stCondLst>
+                                            <p:cond delay="0"/>
+                                          </p:stCondLst>
+                                        </p:cTn>
+                                        <p:tgtEl>
+                                          <p:spTgt spid="5"/>
+                                        </p:tgtEl>
+                                        <p:attrNameLst>
+                                          <p:attrName>style.visibility</p:attrName>
+                                        </p:attrNameLst>
+                                      </p:cBhvr>
+                                      <p:to>
+                                        <p:strVal val="visible"/>
+                                      </p:to>
+                                    </p:set>
+                                    <p:animEffect transition="in" filter="fade">
+                                      <p:cBhvr>
+                                        <p:cTn id="7" dur="500"/>
+                                        <p:tgtEl>
+                                          <p:spTgt spid="5"/>
+                                        </p:tgtEl>
+                                      </p:cBhvr>
+                                    </p:animEffect>
+                                  </p:childTnLst>
+                                </p:cTn>
+                              </p:par>
+                            </p:childTnLst>
+                          </p:cTn>
+                        </p:par>
+                      </p:childTnLst>
+                    </p:cTn>
+                  </p:par>
+                  <p:par>
+                    <p:cTn id="8" fill="hold">
+                      <p:stCondLst>
+                        <p:cond delay="indefinite"/>
+                      </p:stCondLst>
+                      <p:childTnLst>
+                        <p:par>
+                          <p:cTn id="9" fill="hold">
+                            <p:stCondLst>
+                              <p:cond delay="0"/>
+                            </p:stCondLst>
+                            <p:childTnLst>
+                              <p:par>
+                                <p:cTn id="10" presetID="10" presetClass="entr" presetSubtype="0" fill="hold" grpId="0" nodeType="clickEffect">
+                                  <p:stCondLst>
+                                    <p:cond delay="0"/>
+                                  </p:stCondLst>
+                                  <p:childTnLst>
+                                    <p:set>
+                                      <p:cBhvr>
+                                        <p:cTn id="11" dur="1" fill="hold">
+                                          <p:stCondLst>
+                                            <p:cond delay="0"/>
+                                          </p:stCondLst>
+                                        </p:cTn>
+                                        <p:tgtEl>
+                                          <p:spTgt spid="4">
+                                            <p:txEl>
+                                              <p:pRg st="0" end="0"/>
+                                            </p:txEl>
+                                          </p:spTgt>
+                                        </p:tgtEl>
+                                        <p:attrNameLst>
+                                          <p:attrName>style.visibility</p:attrName>
+                                        </p:attrNameLst>
+                                      </p:cBhvr>
+                                      <p:to>
+                                        <p:strVal val="visible"/>
+                                      </p:to>
+                                    </p:set>
+                                    <p:animEffect transition="in" filter="fade">
+                                      <p:cBhvr>
+                                        <p:cTn id="12" dur="500"/>
+                                        <p:tgtEl>
+                                          <p:spTgt spid="4">
+                                            <p:txEl>
+                                              <p:pRg st="0" end="0"/>
+                                            </p:txEl>
+                                          </p:spTgt>
+                                        </p:tgtEl>
+                                      </p:cBhvr>
+                                    </p:animEffect>
+                                  </p:childTnLst>
+                                </p:cTn>
+                              </p:par>
+                              <p:par>
+                                <p:cTn id="13" presetID="10" presetClass="entr" presetSubtype="0" fill="hold" grpId="0" nodeType="withEffect">
+                                  <p:stCondLst>
+                                    <p:cond delay="0"/>
+                                  </p:stCondLst>
+                                  <p:childTnLst>
+                                    <p:set>
+                                      <p:cBhvr>
+                                        <p:cTn id="14" dur="1" fill="hold">
+                                          <p:stCondLst>
+                                            <p:cond delay="0"/>
+                                          </p:stCondLst>
+                                        </p:cTn>
+                                        <p:tgtEl>
+                                          <p:spTgt spid="4">
+                                            <p:txEl>
+                                              <p:pRg st="1" end="1"/>
+                                            </p:txEl>
+                                          </p:spTgt>
+                                        </p:tgtEl>
+                                        <p:attrNameLst>
+                                          <p:attrName>style.visibility</p:attrName>
+                                        </p:attrNameLst>
+                                      </p:cBhvr>
+                                      <p:to>
+                                        <p:strVal val="visible"/>
+                                      </p:to>
+                                    </p:set>
+                                    <p:animEffect transition="in" filter="fade">
+                                      <p:cBhvr>
+                                        <p:cTn id="15" dur="500"/>
+                                        <p:tgtEl>
+                                          <p:spTgt spid="4">
+                                            <p:txEl>
+                                              <p:pRg st="1" end="1"/>
+                                            </p:txEl>
+                                          </p:spTgt>
+                                        </p:tgtEl>
+                                      </p:cBhvr>
+                                    </p:animEffect>
+                                  </p:childTnLst>
+                                </p:cTn>
+                              </p:par>
+                              <p:par>
+                                <p:cTn id="16" presetID="10" presetClass="entr" presetSubtype="0" fill="hold" grpId="0" nodeType="withEffect">
+                                  <p:stCondLst>
+                                    <p:cond delay="0"/>
+                                  </p:stCondLst>
+                                  <p:childTnLst>
+                                    <p:set>
+                                      <p:cBhvr>
+                                        <p:cTn id="17" dur="1" fill="hold">
+                                          <p:stCondLst>
+                                            <p:cond delay="0"/>
+                                          </p:stCondLst>
+                                        </p:cTn>
+                                        <p:tgtEl>
+                                          <p:spTgt spid="4">
+                                            <p:txEl>
+                                              <p:pRg st="2" end="2"/>
+                                            </p:txEl>
+                                          </p:spTgt>
+                                        </p:tgtEl>
+                                        <p:attrNameLst>
+                                          <p:attrName>style.visibility</p:attrName>
+                                        </p:attrNameLst>
+                                      </p:cBhvr>
+                                      <p:to>
+                                        <p:strVal val="visible"/>
+                                      </p:to>
+                                    </p:set>
+                                    <p:animEffect transition="in" filter="fade">
+                                      <p:cBhvr>
+                                        <p:cTn id="18" dur="500"/>
+                                        <p:tgtEl>
+                                          <p:spTgt spid="4">
+                                            <p:txEl>
+                                              <p:pRg st="2" end="2"/>
+                                            </p:txEl>
+                                          </p:spTgt>
+                                        </p:tgtEl>
+                                      </p:cBhvr>
+                                    </p:animEffect>
+                                  </p:childTnLst>
+                                </p:cTn>
+                              </p:par>
+                            </p:childTnLst>
+                          </p:cTn>
+                        </p:par>
+                      </p:childTnLst>
+                    </p:cTn>
+                  </p:par>
+                </p:childTnLst>
+              </p:cTn>
+              <p:prevCondLst>
+                <p:cond evt="onPrev" delay="0">
+                  <p:tgtEl>
+                    <p:sldTgt/>
+                  </p:tgtEl>
+                </p:cond>
+              </p:prevCondLst>
+              <p:nextCondLst>
+                <p:cond evt="onNext" delay="0">
+                  <p:tgtEl>
+                    <p:sldTgt/>
+                  </p:tgtEl>
+                </p:cond>
+              </p:nextCondLst>
+            </p:seq>
+          </p:childTnLst>
+        </p:cTn>
+      </p:par>
+    </p:tnLst>
+    <p:bldLst>
+      <p:bldP spid="4" grpId="0" uiExpand="1" build="p"/>
+    </p:bldLst>
+  </p:timing>
+</p:sld>
+</file>
+
+<file path=ppt/slides/slide27.xml><?xml version="1.0" encoding="utf-8"?>
+<p:sld xmlns:a="http://schemas.openxmlformats.org/drawingml/2006/main" xmlns:r="http://schemas.openxmlformats.org/officeDocument/2006/relationships" xmlns:p="http://schemas.openxmlformats.org/presentationml/2006/main">
+  <p:cSld>
+    <p:spTree>
+      <p:nvGrpSpPr>
+        <p:cNvPr id="1" name=""/>
+        <p:cNvGrpSpPr/>
+        <p:nvPr/>
+      </p:nvGrpSpPr>
+      <p:grpSpPr>
+        <a:xfrm>
+          <a:off x="0" y="0"/>
+          <a:ext cx="0" cy="0"/>
+          <a:chOff x="0" y="0"/>
+          <a:chExt cx="0" cy="0"/>
+        </a:xfrm>
+      </p:grpSpPr>
+      <p:sp>
+        <p:nvSpPr>
+          <p:cNvPr id="2" name="Title 1">
+            <a:extLst>
+              <a:ext uri="{FF2B5EF4-FFF2-40B4-BE49-F238E27FC236}">
+                <a16:creationId xmlns:a16="http://schemas.microsoft.com/office/drawing/2014/main" id="{FD5DC893-227C-3443-BF7E-001F895A8764}"/>
+              </a:ext>
+            </a:extLst>
+          </p:cNvPr>
+          <p:cNvSpPr>
+            <a:spLocks noGrp="1"/>
+          </p:cNvSpPr>
+          <p:nvPr>
+            <p:ph type="title"/>
+          </p:nvPr>
+        </p:nvSpPr>
+        <p:spPr/>
+        <p:txBody>
+          <a:bodyPr/>
+          <a:lstStyle/>
+          <a:p>
+            <a:r>
+              <a:rPr lang="en-US" dirty="0" err="1"/>
+              <a:t>Latensi</a:t>
+            </a:r>
+            <a:endParaRPr lang="en-US" dirty="0"/>
+          </a:p>
+        </p:txBody>
+      </p:sp>
+      <p:sp>
+        <p:nvSpPr>
+          <p:cNvPr id="4" name="Content Placeholder 3">
+            <a:extLst>
+              <a:ext uri="{FF2B5EF4-FFF2-40B4-BE49-F238E27FC236}">
+                <a16:creationId xmlns:a16="http://schemas.microsoft.com/office/drawing/2014/main" id="{283F0DE5-ED44-3D48-BC04-658FAC091A4F}"/>
+              </a:ext>
+            </a:extLst>
+          </p:cNvPr>
+          <p:cNvSpPr>
+            <a:spLocks noGrp="1"/>
+          </p:cNvSpPr>
+          <p:nvPr>
+            <p:ph sz="half" idx="2"/>
+          </p:nvPr>
+        </p:nvSpPr>
+        <p:spPr>
+          <a:effectLst/>
+        </p:spPr>
+        <p:txBody>
+          <a:bodyPr/>
+          <a:lstStyle/>
+          <a:p>
+            <a:pPr marL="0" indent="0">
+              <a:buNone/>
+            </a:pPr>
+            <a:r>
+              <a:rPr lang="en-US" dirty="0" err="1"/>
+              <a:t>socket.on</a:t>
+            </a:r>
+            <a:r>
+              <a:rPr lang="en-US" dirty="0"/>
+              <a:t>('pong', function(</a:t>
+            </a:r>
+            <a:r>
+              <a:rPr lang="en-US" dirty="0" err="1"/>
+              <a:t>startTime</a:t>
+            </a:r>
+            <a:r>
+              <a:rPr lang="en-US" dirty="0"/>
+              <a:t>){</a:t>
+            </a:r>
+          </a:p>
+          <a:p>
+            <a:pPr marL="0" indent="0">
+              <a:buNone/>
+            </a:pPr>
+            <a:r>
+              <a:rPr lang="en-US" dirty="0"/>
+              <a:t>      </a:t>
+            </a:r>
+            <a:r>
+              <a:rPr lang="en-US" dirty="0" err="1"/>
+              <a:t>var</a:t>
+            </a:r>
+            <a:r>
+              <a:rPr lang="en-US" dirty="0"/>
+              <a:t> times = new Date();</a:t>
+            </a:r>
+          </a:p>
+          <a:p>
+            <a:pPr marL="0" indent="0">
+              <a:buNone/>
+            </a:pPr>
+            <a:r>
+              <a:rPr lang="en-US" dirty="0"/>
+              <a:t>      </a:t>
+            </a:r>
+            <a:r>
+              <a:rPr lang="en-US" dirty="0" err="1"/>
+              <a:t>var</a:t>
+            </a:r>
+            <a:r>
+              <a:rPr lang="en-US" dirty="0"/>
+              <a:t> </a:t>
+            </a:r>
+            <a:r>
+              <a:rPr lang="en-US" dirty="0" err="1"/>
+              <a:t>currentTime</a:t>
+            </a:r>
+            <a:r>
+              <a:rPr lang="en-US" dirty="0"/>
+              <a:t> = </a:t>
+            </a:r>
+            <a:r>
+              <a:rPr lang="en-US" dirty="0" err="1"/>
+              <a:t>times.getMilliseconds</a:t>
+            </a:r>
+            <a:r>
+              <a:rPr lang="en-US" dirty="0"/>
+              <a:t>();</a:t>
+            </a:r>
+          </a:p>
+          <a:p>
+            <a:pPr marL="0" indent="0">
+              <a:buNone/>
+            </a:pPr>
+            <a:r>
+              <a:rPr lang="en-US" dirty="0"/>
+              <a:t>      </a:t>
+            </a:r>
+            <a:r>
+              <a:rPr lang="en-US" dirty="0" err="1"/>
+              <a:t>var</a:t>
+            </a:r>
+            <a:r>
+              <a:rPr lang="en-US" dirty="0"/>
+              <a:t> latency = </a:t>
+            </a:r>
+            <a:r>
+              <a:rPr lang="en-US" dirty="0" err="1"/>
+              <a:t>currentTime</a:t>
+            </a:r>
+            <a:r>
+              <a:rPr lang="en-US" dirty="0"/>
+              <a:t> - </a:t>
+            </a:r>
+            <a:r>
+              <a:rPr lang="en-US" dirty="0" err="1"/>
+              <a:t>startTime</a:t>
+            </a:r>
+            <a:r>
+              <a:rPr lang="en-US" dirty="0"/>
+              <a:t>;</a:t>
+            </a:r>
+          </a:p>
+          <a:p>
+            <a:pPr marL="0" indent="0">
+              <a:buNone/>
+            </a:pPr>
+            <a:r>
+              <a:rPr lang="en-US" dirty="0"/>
+              <a:t>      totalLatencyP1 += latency;</a:t>
+            </a:r>
+          </a:p>
+          <a:p>
+            <a:pPr marL="0" indent="0">
+              <a:buNone/>
+            </a:pPr>
+            <a:r>
+              <a:rPr lang="en-US" dirty="0"/>
+              <a:t>      counterLatencyP1 += 1;</a:t>
+            </a:r>
+          </a:p>
+          <a:p>
+            <a:pPr marL="0" indent="0">
+              <a:buNone/>
+            </a:pPr>
+            <a:r>
+              <a:rPr lang="en-US" dirty="0"/>
+              <a:t>    });</a:t>
+            </a:r>
+          </a:p>
+        </p:txBody>
+      </p:sp>
+      <p:pic>
+        <p:nvPicPr>
+          <p:cNvPr id="5" name="Content Placeholder 4">
+            <a:extLst>
+              <a:ext uri="{FF2B5EF4-FFF2-40B4-BE49-F238E27FC236}">
+                <a16:creationId xmlns:a16="http://schemas.microsoft.com/office/drawing/2014/main" id="{3248EB62-2648-7B42-8090-F4054E77C7FF}"/>
+              </a:ext>
+            </a:extLst>
+          </p:cNvPr>
+          <p:cNvPicPr>
+            <a:picLocks noGrp="1" noChangeAspect="1"/>
+          </p:cNvPicPr>
+          <p:nvPr>
+            <p:ph sz="half" idx="1"/>
+          </p:nvPr>
+        </p:nvPicPr>
+        <p:blipFill>
+          <a:blip r:embed="rId2"/>
+          <a:stretch>
+            <a:fillRect/>
+          </a:stretch>
+        </p:blipFill>
+        <p:spPr>
+          <a:xfrm>
+            <a:off x="819811" y="2468009"/>
+            <a:ext cx="5184775" cy="3147320"/>
+          </a:xfrm>
+          <a:prstGeom prst="rect">
+            <a:avLst/>
+          </a:prstGeom>
+        </p:spPr>
+      </p:pic>
+    </p:spTree>
+    <p:extLst>
+      <p:ext uri="{BB962C8B-B14F-4D97-AF65-F5344CB8AC3E}">
+        <p14:creationId xmlns:p14="http://schemas.microsoft.com/office/powerpoint/2010/main" val="2846312061"/>
+      </p:ext>
+    </p:extLst>
+  </p:cSld>
+  <p:clrMapOvr>
+    <a:masterClrMapping/>
+  </p:clrMapOvr>
+  <p:timing>
+    <p:tnLst>
+      <p:par>
+        <p:cTn id="1" dur="indefinite" restart="never" nodeType="tmRoot">
+          <p:childTnLst>
+            <p:seq concurrent="1" nextAc="seek">
+              <p:cTn id="2" dur="indefinite" nodeType="mainSeq">
+                <p:childTnLst>
+                  <p:par>
+                    <p:cTn id="3" fill="hold">
+                      <p:stCondLst>
+                        <p:cond delay="indefinite"/>
+                      </p:stCondLst>
+                      <p:childTnLst>
+                        <p:par>
+                          <p:cTn id="4" fill="hold">
+                            <p:stCondLst>
+                              <p:cond delay="0"/>
+                            </p:stCondLst>
+                            <p:childTnLst>
+                              <p:par>
+                                <p:cTn id="5" presetID="10" presetClass="entr" presetSubtype="0" fill="hold" nodeType="clickEffect">
+                                  <p:stCondLst>
+                                    <p:cond delay="0"/>
+                                  </p:stCondLst>
+                                  <p:childTnLst>
+                                    <p:set>
+                                      <p:cBhvr>
+                                        <p:cTn id="6" dur="1" fill="hold">
+                                          <p:stCondLst>
+                                            <p:cond delay="0"/>
+                                          </p:stCondLst>
+                                        </p:cTn>
+                                        <p:tgtEl>
+                                          <p:spTgt spid="5"/>
+                                        </p:tgtEl>
+                                        <p:attrNameLst>
+                                          <p:attrName>style.visibility</p:attrName>
+                                        </p:attrNameLst>
+                                      </p:cBhvr>
+                                      <p:to>
+                                        <p:strVal val="visible"/>
+                                      </p:to>
+                                    </p:set>
+                                    <p:animEffect transition="in" filter="fade">
+                                      <p:cBhvr>
+                                        <p:cTn id="7" dur="500"/>
+                                        <p:tgtEl>
+                                          <p:spTgt spid="5"/>
+                                        </p:tgtEl>
+                                      </p:cBhvr>
+                                    </p:animEffect>
+                                  </p:childTnLst>
+                                </p:cTn>
+                              </p:par>
+                            </p:childTnLst>
+                          </p:cTn>
+                        </p:par>
+                      </p:childTnLst>
+                    </p:cTn>
+                  </p:par>
+                  <p:par>
+                    <p:cTn id="8" fill="hold">
+                      <p:stCondLst>
+                        <p:cond delay="indefinite"/>
+                      </p:stCondLst>
+                      <p:childTnLst>
+                        <p:par>
+                          <p:cTn id="9" fill="hold">
+                            <p:stCondLst>
+                              <p:cond delay="0"/>
+                            </p:stCondLst>
+                            <p:childTnLst>
+                              <p:par>
+                                <p:cTn id="10" presetID="10" presetClass="entr" presetSubtype="0" fill="hold" grpId="0" nodeType="clickEffect">
+                                  <p:stCondLst>
+                                    <p:cond delay="0"/>
+                                  </p:stCondLst>
+                                  <p:childTnLst>
+                                    <p:set>
+                                      <p:cBhvr>
+                                        <p:cTn id="11" dur="1" fill="hold">
+                                          <p:stCondLst>
+                                            <p:cond delay="0"/>
+                                          </p:stCondLst>
+                                        </p:cTn>
+                                        <p:tgtEl>
+                                          <p:spTgt spid="4">
+                                            <p:txEl>
+                                              <p:pRg st="0" end="0"/>
+                                            </p:txEl>
+                                          </p:spTgt>
+                                        </p:tgtEl>
+                                        <p:attrNameLst>
+                                          <p:attrName>style.visibility</p:attrName>
+                                        </p:attrNameLst>
+                                      </p:cBhvr>
+                                      <p:to>
+                                        <p:strVal val="visible"/>
+                                      </p:to>
+                                    </p:set>
+                                    <p:animEffect transition="in" filter="fade">
+                                      <p:cBhvr>
+                                        <p:cTn id="12" dur="500"/>
+                                        <p:tgtEl>
+                                          <p:spTgt spid="4">
+                                            <p:txEl>
+                                              <p:pRg st="0" end="0"/>
+                                            </p:txEl>
+                                          </p:spTgt>
+                                        </p:tgtEl>
+                                      </p:cBhvr>
+                                    </p:animEffect>
+                                  </p:childTnLst>
+                                </p:cTn>
+                              </p:par>
+                              <p:par>
+                                <p:cTn id="13" presetID="10" presetClass="entr" presetSubtype="0" fill="hold" grpId="0" nodeType="withEffect">
+                                  <p:stCondLst>
+                                    <p:cond delay="0"/>
+                                  </p:stCondLst>
+                                  <p:childTnLst>
+                                    <p:set>
+                                      <p:cBhvr>
+                                        <p:cTn id="14" dur="1" fill="hold">
+                                          <p:stCondLst>
+                                            <p:cond delay="0"/>
+                                          </p:stCondLst>
+                                        </p:cTn>
+                                        <p:tgtEl>
+                                          <p:spTgt spid="4">
+                                            <p:txEl>
+                                              <p:pRg st="1" end="1"/>
+                                            </p:txEl>
+                                          </p:spTgt>
+                                        </p:tgtEl>
+                                        <p:attrNameLst>
+                                          <p:attrName>style.visibility</p:attrName>
+                                        </p:attrNameLst>
+                                      </p:cBhvr>
+                                      <p:to>
+                                        <p:strVal val="visible"/>
+                                      </p:to>
+                                    </p:set>
+                                    <p:animEffect transition="in" filter="fade">
+                                      <p:cBhvr>
+                                        <p:cTn id="15" dur="500"/>
+                                        <p:tgtEl>
+                                          <p:spTgt spid="4">
+                                            <p:txEl>
+                                              <p:pRg st="1" end="1"/>
+                                            </p:txEl>
+                                          </p:spTgt>
+                                        </p:tgtEl>
+                                      </p:cBhvr>
+                                    </p:animEffect>
+                                  </p:childTnLst>
+                                </p:cTn>
+                              </p:par>
+                              <p:par>
+                                <p:cTn id="16" presetID="10" presetClass="entr" presetSubtype="0" fill="hold" grpId="0" nodeType="withEffect">
+                                  <p:stCondLst>
+                                    <p:cond delay="0"/>
+                                  </p:stCondLst>
+                                  <p:childTnLst>
+                                    <p:set>
+                                      <p:cBhvr>
+                                        <p:cTn id="17" dur="1" fill="hold">
+                                          <p:stCondLst>
+                                            <p:cond delay="0"/>
+                                          </p:stCondLst>
+                                        </p:cTn>
+                                        <p:tgtEl>
+                                          <p:spTgt spid="4">
+                                            <p:txEl>
+                                              <p:pRg st="2" end="2"/>
+                                            </p:txEl>
+                                          </p:spTgt>
+                                        </p:tgtEl>
+                                        <p:attrNameLst>
+                                          <p:attrName>style.visibility</p:attrName>
+                                        </p:attrNameLst>
+                                      </p:cBhvr>
+                                      <p:to>
+                                        <p:strVal val="visible"/>
+                                      </p:to>
+                                    </p:set>
+                                    <p:animEffect transition="in" filter="fade">
+                                      <p:cBhvr>
+                                        <p:cTn id="18" dur="500"/>
+                                        <p:tgtEl>
+                                          <p:spTgt spid="4">
+                                            <p:txEl>
+                                              <p:pRg st="2" end="2"/>
+                                            </p:txEl>
+                                          </p:spTgt>
+                                        </p:tgtEl>
+                                      </p:cBhvr>
+                                    </p:animEffect>
+                                  </p:childTnLst>
+                                </p:cTn>
+                              </p:par>
+                              <p:par>
+                                <p:cTn id="19" presetID="10" presetClass="entr" presetSubtype="0" fill="hold" grpId="0" nodeType="withEffect">
+                                  <p:stCondLst>
+                                    <p:cond delay="0"/>
+                                  </p:stCondLst>
+                                  <p:childTnLst>
+                                    <p:set>
+                                      <p:cBhvr>
+                                        <p:cTn id="20" dur="1" fill="hold">
+                                          <p:stCondLst>
+                                            <p:cond delay="0"/>
+                                          </p:stCondLst>
+                                        </p:cTn>
+                                        <p:tgtEl>
+                                          <p:spTgt spid="4">
+                                            <p:txEl>
+                                              <p:pRg st="3" end="3"/>
+                                            </p:txEl>
+                                          </p:spTgt>
+                                        </p:tgtEl>
+                                        <p:attrNameLst>
+                                          <p:attrName>style.visibility</p:attrName>
+                                        </p:attrNameLst>
+                                      </p:cBhvr>
+                                      <p:to>
+                                        <p:strVal val="visible"/>
+                                      </p:to>
+                                    </p:set>
+                                    <p:animEffect transition="in" filter="fade">
+                                      <p:cBhvr>
+                                        <p:cTn id="21" dur="500"/>
+                                        <p:tgtEl>
+                                          <p:spTgt spid="4">
+                                            <p:txEl>
+                                              <p:pRg st="3" end="3"/>
+                                            </p:txEl>
+                                          </p:spTgt>
+                                        </p:tgtEl>
+                                      </p:cBhvr>
+                                    </p:animEffect>
+                                  </p:childTnLst>
+                                </p:cTn>
+                              </p:par>
+                              <p:par>
+                                <p:cTn id="22" presetID="10" presetClass="entr" presetSubtype="0" fill="hold" grpId="0" nodeType="withEffect">
+                                  <p:stCondLst>
+                                    <p:cond delay="0"/>
+                                  </p:stCondLst>
+                                  <p:childTnLst>
+                                    <p:set>
+                                      <p:cBhvr>
+                                        <p:cTn id="23" dur="1" fill="hold">
+                                          <p:stCondLst>
+                                            <p:cond delay="0"/>
+                                          </p:stCondLst>
+                                        </p:cTn>
+                                        <p:tgtEl>
+                                          <p:spTgt spid="4">
+                                            <p:txEl>
+                                              <p:pRg st="4" end="4"/>
+                                            </p:txEl>
+                                          </p:spTgt>
+                                        </p:tgtEl>
+                                        <p:attrNameLst>
+                                          <p:attrName>style.visibility</p:attrName>
+                                        </p:attrNameLst>
+                                      </p:cBhvr>
+                                      <p:to>
+                                        <p:strVal val="visible"/>
+                                      </p:to>
+                                    </p:set>
+                                    <p:animEffect transition="in" filter="fade">
+                                      <p:cBhvr>
+                                        <p:cTn id="24" dur="500"/>
+                                        <p:tgtEl>
+                                          <p:spTgt spid="4">
+                                            <p:txEl>
+                                              <p:pRg st="4" end="4"/>
+                                            </p:txEl>
+                                          </p:spTgt>
+                                        </p:tgtEl>
+                                      </p:cBhvr>
+                                    </p:animEffect>
+                                  </p:childTnLst>
+                                </p:cTn>
+                              </p:par>
+                              <p:par>
+                                <p:cTn id="25" presetID="10" presetClass="entr" presetSubtype="0" fill="hold" grpId="0" nodeType="withEffect">
+                                  <p:stCondLst>
+                                    <p:cond delay="0"/>
+                                  </p:stCondLst>
+                                  <p:childTnLst>
+                                    <p:set>
+                                      <p:cBhvr>
+                                        <p:cTn id="26" dur="1" fill="hold">
+                                          <p:stCondLst>
+                                            <p:cond delay="0"/>
+                                          </p:stCondLst>
+                                        </p:cTn>
+                                        <p:tgtEl>
+                                          <p:spTgt spid="4">
+                                            <p:txEl>
+                                              <p:pRg st="5" end="5"/>
+                                            </p:txEl>
+                                          </p:spTgt>
+                                        </p:tgtEl>
+                                        <p:attrNameLst>
+                                          <p:attrName>style.visibility</p:attrName>
+                                        </p:attrNameLst>
+                                      </p:cBhvr>
+                                      <p:to>
+                                        <p:strVal val="visible"/>
+                                      </p:to>
+                                    </p:set>
+                                    <p:animEffect transition="in" filter="fade">
+                                      <p:cBhvr>
+                                        <p:cTn id="27" dur="500"/>
+                                        <p:tgtEl>
+                                          <p:spTgt spid="4">
+                                            <p:txEl>
+                                              <p:pRg st="5" end="5"/>
+                                            </p:txEl>
+                                          </p:spTgt>
+                                        </p:tgtEl>
+                                      </p:cBhvr>
+                                    </p:animEffect>
+                                  </p:childTnLst>
+                                </p:cTn>
+                              </p:par>
+                              <p:par>
+                                <p:cTn id="28" presetID="10" presetClass="entr" presetSubtype="0" fill="hold" grpId="0" nodeType="withEffect">
+                                  <p:stCondLst>
+                                    <p:cond delay="0"/>
+                                  </p:stCondLst>
+                                  <p:childTnLst>
+                                    <p:set>
+                                      <p:cBhvr>
+                                        <p:cTn id="29" dur="1" fill="hold">
+                                          <p:stCondLst>
+                                            <p:cond delay="0"/>
+                                          </p:stCondLst>
+                                        </p:cTn>
+                                        <p:tgtEl>
+                                          <p:spTgt spid="4">
+                                            <p:txEl>
+                                              <p:pRg st="6" end="6"/>
+                                            </p:txEl>
+                                          </p:spTgt>
+                                        </p:tgtEl>
+                                        <p:attrNameLst>
+                                          <p:attrName>style.visibility</p:attrName>
+                                        </p:attrNameLst>
+                                      </p:cBhvr>
+                                      <p:to>
+                                        <p:strVal val="visible"/>
+                                      </p:to>
+                                    </p:set>
+                                    <p:animEffect transition="in" filter="fade">
+                                      <p:cBhvr>
+                                        <p:cTn id="30" dur="500"/>
+                                        <p:tgtEl>
+                                          <p:spTgt spid="4">
+                                            <p:txEl>
+                                              <p:pRg st="6" end="6"/>
+                                            </p:txEl>
+                                          </p:spTgt>
+                                        </p:tgtEl>
+                                      </p:cBhvr>
+                                    </p:animEffect>
+                                  </p:childTnLst>
+                                </p:cTn>
+                              </p:par>
+                            </p:childTnLst>
+                          </p:cTn>
+                        </p:par>
+                      </p:childTnLst>
+                    </p:cTn>
+                  </p:par>
+                </p:childTnLst>
+              </p:cTn>
+              <p:prevCondLst>
+                <p:cond evt="onPrev" delay="0">
+                  <p:tgtEl>
+                    <p:sldTgt/>
+                  </p:tgtEl>
+                </p:cond>
+              </p:prevCondLst>
+              <p:nextCondLst>
+                <p:cond evt="onNext" delay="0">
+                  <p:tgtEl>
+                    <p:sldTgt/>
+                  </p:tgtEl>
+                </p:cond>
+              </p:nextCondLst>
+            </p:seq>
+          </p:childTnLst>
+        </p:cTn>
+      </p:par>
+    </p:tnLst>
+    <p:bldLst>
+      <p:bldP spid="4" grpId="0" uiExpand="1" build="p"/>
+    </p:bldLst>
+  </p:timing>
+</p:sld>
+</file>
+
+<file path=ppt/slides/slide28.xml><?xml version="1.0" encoding="utf-8"?>
+<p:sld xmlns:a="http://schemas.openxmlformats.org/drawingml/2006/main" xmlns:r="http://schemas.openxmlformats.org/officeDocument/2006/relationships" xmlns:p="http://schemas.openxmlformats.org/presentationml/2006/main">
+  <p:cSld>
+    <p:spTree>
+      <p:nvGrpSpPr>
+        <p:cNvPr id="1" name=""/>
+        <p:cNvGrpSpPr/>
+        <p:nvPr/>
+      </p:nvGrpSpPr>
+      <p:grpSpPr>
+        <a:xfrm>
+          <a:off x="0" y="0"/>
+          <a:ext cx="0" cy="0"/>
+          <a:chOff x="0" y="0"/>
+          <a:chExt cx="0" cy="0"/>
+        </a:xfrm>
+      </p:grpSpPr>
+      <p:sp>
+        <p:nvSpPr>
+          <p:cNvPr id="2" name="Title 1">
+            <a:extLst>
+              <a:ext uri="{FF2B5EF4-FFF2-40B4-BE49-F238E27FC236}">
+                <a16:creationId xmlns:a16="http://schemas.microsoft.com/office/drawing/2014/main" id="{381E80A4-FBF8-1E48-A4C2-24E96DEEA7C8}"/>
+              </a:ext>
+            </a:extLst>
+          </p:cNvPr>
+          <p:cNvSpPr>
+            <a:spLocks noGrp="1"/>
+          </p:cNvSpPr>
+          <p:nvPr>
+            <p:ph type="title"/>
+          </p:nvPr>
+        </p:nvSpPr>
+        <p:spPr/>
+        <p:txBody>
+          <a:bodyPr/>
+          <a:lstStyle/>
+          <a:p>
+            <a:r>
+              <a:rPr lang="en-US" dirty="0" err="1"/>
+              <a:t>Latensi</a:t>
+            </a:r>
+            <a:endParaRPr lang="en-US" dirty="0"/>
+          </a:p>
+        </p:txBody>
+      </p:sp>
+      <p:sp>
+        <p:nvSpPr>
+          <p:cNvPr id="5" name="Content Placeholder 4">
+            <a:extLst>
+              <a:ext uri="{FF2B5EF4-FFF2-40B4-BE49-F238E27FC236}">
+                <a16:creationId xmlns:a16="http://schemas.microsoft.com/office/drawing/2014/main" id="{C05127FE-2432-3F42-AF4D-3047AC8D35D0}"/>
+              </a:ext>
+            </a:extLst>
+          </p:cNvPr>
+          <p:cNvSpPr>
+            <a:spLocks noGrp="1"/>
+          </p:cNvSpPr>
+          <p:nvPr>
+            <p:ph idx="1"/>
+          </p:nvPr>
+        </p:nvSpPr>
+        <p:spPr>
+          <a:effectLst/>
+        </p:spPr>
+        <p:txBody>
+          <a:bodyPr>
+            <a:normAutofit/>
+          </a:bodyPr>
+          <a:lstStyle/>
+          <a:p>
+            <a:pPr>
+              <a:buClr>
+                <a:schemeClr val="tx1"/>
+              </a:buClr>
+            </a:pPr>
+            <a:r>
+              <a:rPr lang="en-US" sz="2400" dirty="0" err="1"/>
+              <a:t>var</a:t>
+            </a:r>
+            <a:r>
+              <a:rPr lang="en-US" sz="2400" dirty="0"/>
+              <a:t> averageLatencyP1 = totalLatencyP1 / counterLatencyP1;</a:t>
+            </a:r>
+          </a:p>
+          <a:p>
+            <a:pPr>
+              <a:buClr>
+                <a:schemeClr val="tx1"/>
+              </a:buClr>
+            </a:pPr>
+            <a:r>
+              <a:rPr lang="en-US" sz="2400" dirty="0" err="1"/>
+              <a:t>var</a:t>
+            </a:r>
+            <a:r>
+              <a:rPr lang="en-US" sz="2400" dirty="0"/>
+              <a:t> averageLatencyP2 = totalLatencyP2 / counterLatencyP2;</a:t>
+            </a:r>
+          </a:p>
+        </p:txBody>
+      </p:sp>
+    </p:spTree>
+    <p:extLst>
+      <p:ext uri="{BB962C8B-B14F-4D97-AF65-F5344CB8AC3E}">
+        <p14:creationId xmlns:p14="http://schemas.microsoft.com/office/powerpoint/2010/main" val="1363915015"/>
+      </p:ext>
+    </p:extLst>
+  </p:cSld>
+  <p:clrMapOvr>
+    <a:masterClrMapping/>
+  </p:clrMapOvr>
+  <p:timing>
+    <p:tnLst>
+      <p:par>
+        <p:cTn id="1" dur="indefinite" restart="never" nodeType="tmRoot">
+          <p:childTnLst>
+            <p:seq concurrent="1" nextAc="seek">
+              <p:cTn id="2" dur="indefinite" nodeType="mainSeq">
+                <p:childTnLst>
+                  <p:par>
+                    <p:cTn id="3" fill="hold">
+                      <p:stCondLst>
+                        <p:cond delay="indefinite"/>
+                      </p:stCondLst>
+                      <p:childTnLst>
+                        <p:par>
+                          <p:cTn id="4" fill="hold">
+                            <p:stCondLst>
+                              <p:cond delay="0"/>
+                            </p:stCondLst>
+                            <p:childTnLst>
+                              <p:par>
+                                <p:cTn id="5" presetID="10" presetClass="entr" presetSubtype="0" fill="hold" grpId="0" nodeType="clickEffect">
+                                  <p:stCondLst>
+                                    <p:cond delay="0"/>
+                                  </p:stCondLst>
+                                  <p:childTnLst>
+                                    <p:set>
+                                      <p:cBhvr>
+                                        <p:cTn id="6" dur="1" fill="hold">
+                                          <p:stCondLst>
+                                            <p:cond delay="0"/>
+                                          </p:stCondLst>
+                                        </p:cTn>
+                                        <p:tgtEl>
+                                          <p:spTgt spid="5">
+                                            <p:txEl>
+                                              <p:pRg st="0" end="0"/>
+                                            </p:txEl>
+                                          </p:spTgt>
+                                        </p:tgtEl>
+                                        <p:attrNameLst>
+                                          <p:attrName>style.visibility</p:attrName>
+                                        </p:attrNameLst>
+                                      </p:cBhvr>
+                                      <p:to>
+                                        <p:strVal val="visible"/>
+                                      </p:to>
+                                    </p:set>
+                                    <p:animEffect transition="in" filter="fade">
+                                      <p:cBhvr>
+                                        <p:cTn id="7" dur="500"/>
+                                        <p:tgtEl>
+                                          <p:spTgt spid="5">
+                                            <p:txEl>
+                                              <p:pRg st="0" end="0"/>
+                                            </p:txEl>
+                                          </p:spTgt>
+                                        </p:tgtEl>
+                                      </p:cBhvr>
+                                    </p:animEffect>
+                                  </p:childTnLst>
+                                </p:cTn>
+                              </p:par>
+                            </p:childTnLst>
+                          </p:cTn>
+                        </p:par>
+                      </p:childTnLst>
+                    </p:cTn>
+                  </p:par>
+                  <p:par>
+                    <p:cTn id="8" fill="hold">
+                      <p:stCondLst>
+                        <p:cond delay="indefinite"/>
+                      </p:stCondLst>
+                      <p:childTnLst>
+                        <p:par>
+                          <p:cTn id="9" fill="hold">
+                            <p:stCondLst>
+                              <p:cond delay="0"/>
+                            </p:stCondLst>
+                            <p:childTnLst>
+                              <p:par>
+                                <p:cTn id="10" presetID="10" presetClass="entr" presetSubtype="0" fill="hold" grpId="0" nodeType="clickEffect">
+                                  <p:stCondLst>
+                                    <p:cond delay="0"/>
+                                  </p:stCondLst>
+                                  <p:childTnLst>
+                                    <p:set>
+                                      <p:cBhvr>
+                                        <p:cTn id="11" dur="1" fill="hold">
+                                          <p:stCondLst>
+                                            <p:cond delay="0"/>
+                                          </p:stCondLst>
+                                        </p:cTn>
+                                        <p:tgtEl>
+                                          <p:spTgt spid="5">
+                                            <p:txEl>
+                                              <p:pRg st="1" end="1"/>
+                                            </p:txEl>
+                                          </p:spTgt>
+                                        </p:tgtEl>
+                                        <p:attrNameLst>
+                                          <p:attrName>style.visibility</p:attrName>
+                                        </p:attrNameLst>
+                                      </p:cBhvr>
+                                      <p:to>
+                                        <p:strVal val="visible"/>
+                                      </p:to>
+                                    </p:set>
+                                    <p:animEffect transition="in" filter="fade">
+                                      <p:cBhvr>
+                                        <p:cTn id="12" dur="500"/>
+                                        <p:tgtEl>
+                                          <p:spTgt spid="5">
+                                            <p:txEl>
+                                              <p:pRg st="1" end="1"/>
+                                            </p:txEl>
+                                          </p:spTgt>
+                                        </p:tgtEl>
+                                      </p:cBhvr>
+                                    </p:animEffect>
+                                  </p:childTnLst>
+                                </p:cTn>
+                              </p:par>
+                            </p:childTnLst>
+                          </p:cTn>
+                        </p:par>
+                      </p:childTnLst>
+                    </p:cTn>
+                  </p:par>
+                </p:childTnLst>
+              </p:cTn>
+              <p:prevCondLst>
+                <p:cond evt="onPrev" delay="0">
+                  <p:tgtEl>
+                    <p:sldTgt/>
+                  </p:tgtEl>
+                </p:cond>
+              </p:prevCondLst>
+              <p:nextCondLst>
+                <p:cond evt="onNext" delay="0">
+                  <p:tgtEl>
+                    <p:sldTgt/>
+                  </p:tgtEl>
+                </p:cond>
+              </p:nextCondLst>
+            </p:seq>
+          </p:childTnLst>
+        </p:cTn>
+      </p:par>
+    </p:tnLst>
+    <p:bldLst>
+      <p:bldP spid="5" grpId="0" build="p"/>
+    </p:bldLst>
+  </p:timing>
+</p:sld>
+</file>
+
+<file path=ppt/slides/slide29.xml><?xml version="1.0" encoding="utf-8"?>
 <p:sld xmlns:a="http://schemas.openxmlformats.org/drawingml/2006/main" xmlns:r="http://schemas.openxmlformats.org/officeDocument/2006/relationships" xmlns:p="http://schemas.openxmlformats.org/presentationml/2006/main">
   <p:cSld>
     <p:spTree>
@@ -16416,7 +20451,13 @@
           <p:nvPr/>
         </p:nvPicPr>
         <p:blipFill>
-          <a:blip r:embed="rId2"/>
+          <a:blip r:embed="rId3" cstate="screen">
+            <a:extLst>
+              <a:ext uri="{28A0092B-C50C-407E-A947-70E740481C1C}">
+                <a14:useLocalDpi xmlns:a14="http://schemas.microsoft.com/office/drawing/2010/main"/>
+              </a:ext>
+            </a:extLst>
+          </a:blip>
           <a:stretch>
             <a:fillRect/>
           </a:stretch>
@@ -16446,7 +20487,13 @@
           <p:nvPr/>
         </p:nvPicPr>
         <p:blipFill>
-          <a:blip r:embed="rId3"/>
+          <a:blip r:embed="rId4" cstate="screen">
+            <a:extLst>
+              <a:ext uri="{28A0092B-C50C-407E-A947-70E740481C1C}">
+                <a14:useLocalDpi xmlns:a14="http://schemas.microsoft.com/office/drawing/2010/main"/>
+              </a:ext>
+            </a:extLst>
+          </a:blip>
           <a:stretch>
             <a:fillRect/>
           </a:stretch>
@@ -16476,7 +20523,13 @@
           <p:nvPr/>
         </p:nvPicPr>
         <p:blipFill>
-          <a:blip r:embed="rId4"/>
+          <a:blip r:embed="rId5" cstate="screen">
+            <a:extLst>
+              <a:ext uri="{28A0092B-C50C-407E-A947-70E740481C1C}">
+                <a14:useLocalDpi xmlns:a14="http://schemas.microsoft.com/office/drawing/2010/main"/>
+              </a:ext>
+            </a:extLst>
+          </a:blip>
           <a:stretch>
             <a:fillRect/>
           </a:stretch>
@@ -16600,6 +20653,561 @@
     <p:extLst>
       <p:ext uri="{BB962C8B-B14F-4D97-AF65-F5344CB8AC3E}">
         <p14:creationId xmlns:p14="http://schemas.microsoft.com/office/powerpoint/2010/main" val="291313713"/>
+      </p:ext>
+    </p:extLst>
+  </p:cSld>
+  <p:clrMapOvr>
+    <a:masterClrMapping/>
+  </p:clrMapOvr>
+  <p:timing>
+    <p:tnLst>
+      <p:par>
+        <p:cTn id="1" dur="indefinite" restart="never" nodeType="tmRoot">
+          <p:childTnLst>
+            <p:seq concurrent="1" nextAc="seek">
+              <p:cTn id="2" dur="indefinite" nodeType="mainSeq">
+                <p:childTnLst>
+                  <p:par>
+                    <p:cTn id="3" fill="hold">
+                      <p:stCondLst>
+                        <p:cond delay="indefinite"/>
+                      </p:stCondLst>
+                      <p:childTnLst>
+                        <p:par>
+                          <p:cTn id="4" fill="hold">
+                            <p:stCondLst>
+                              <p:cond delay="0"/>
+                            </p:stCondLst>
+                            <p:childTnLst>
+                              <p:par>
+                                <p:cTn id="5" presetID="10" presetClass="entr" presetSubtype="0" fill="hold" nodeType="clickEffect">
+                                  <p:stCondLst>
+                                    <p:cond delay="0"/>
+                                  </p:stCondLst>
+                                  <p:childTnLst>
+                                    <p:set>
+                                      <p:cBhvr>
+                                        <p:cTn id="6" dur="1" fill="hold">
+                                          <p:stCondLst>
+                                            <p:cond delay="0"/>
+                                          </p:stCondLst>
+                                        </p:cTn>
+                                        <p:tgtEl>
+                                          <p:spTgt spid="6"/>
+                                        </p:tgtEl>
+                                        <p:attrNameLst>
+                                          <p:attrName>style.visibility</p:attrName>
+                                        </p:attrNameLst>
+                                      </p:cBhvr>
+                                      <p:to>
+                                        <p:strVal val="visible"/>
+                                      </p:to>
+                                    </p:set>
+                                    <p:animEffect transition="in" filter="fade">
+                                      <p:cBhvr>
+                                        <p:cTn id="7" dur="500"/>
+                                        <p:tgtEl>
+                                          <p:spTgt spid="6"/>
+                                        </p:tgtEl>
+                                      </p:cBhvr>
+                                    </p:animEffect>
+                                  </p:childTnLst>
+                                </p:cTn>
+                              </p:par>
+                              <p:par>
+                                <p:cTn id="8" presetID="10" presetClass="entr" presetSubtype="0" fill="hold" grpId="0" nodeType="withEffect">
+                                  <p:stCondLst>
+                                    <p:cond delay="0"/>
+                                  </p:stCondLst>
+                                  <p:childTnLst>
+                                    <p:set>
+                                      <p:cBhvr>
+                                        <p:cTn id="9" dur="1" fill="hold">
+                                          <p:stCondLst>
+                                            <p:cond delay="0"/>
+                                          </p:stCondLst>
+                                        </p:cTn>
+                                        <p:tgtEl>
+                                          <p:spTgt spid="11"/>
+                                        </p:tgtEl>
+                                        <p:attrNameLst>
+                                          <p:attrName>style.visibility</p:attrName>
+                                        </p:attrNameLst>
+                                      </p:cBhvr>
+                                      <p:to>
+                                        <p:strVal val="visible"/>
+                                      </p:to>
+                                    </p:set>
+                                    <p:animEffect transition="in" filter="fade">
+                                      <p:cBhvr>
+                                        <p:cTn id="10" dur="500"/>
+                                        <p:tgtEl>
+                                          <p:spTgt spid="11"/>
+                                        </p:tgtEl>
+                                      </p:cBhvr>
+                                    </p:animEffect>
+                                  </p:childTnLst>
+                                </p:cTn>
+                              </p:par>
+                            </p:childTnLst>
+                          </p:cTn>
+                        </p:par>
+                      </p:childTnLst>
+                    </p:cTn>
+                  </p:par>
+                  <p:par>
+                    <p:cTn id="11" fill="hold">
+                      <p:stCondLst>
+                        <p:cond delay="indefinite"/>
+                      </p:stCondLst>
+                      <p:childTnLst>
+                        <p:par>
+                          <p:cTn id="12" fill="hold">
+                            <p:stCondLst>
+                              <p:cond delay="0"/>
+                            </p:stCondLst>
+                            <p:childTnLst>
+                              <p:par>
+                                <p:cTn id="13" presetID="10" presetClass="entr" presetSubtype="0" fill="hold" nodeType="clickEffect">
+                                  <p:stCondLst>
+                                    <p:cond delay="0"/>
+                                  </p:stCondLst>
+                                  <p:childTnLst>
+                                    <p:set>
+                                      <p:cBhvr>
+                                        <p:cTn id="14" dur="1" fill="hold">
+                                          <p:stCondLst>
+                                            <p:cond delay="0"/>
+                                          </p:stCondLst>
+                                        </p:cTn>
+                                        <p:tgtEl>
+                                          <p:spTgt spid="8"/>
+                                        </p:tgtEl>
+                                        <p:attrNameLst>
+                                          <p:attrName>style.visibility</p:attrName>
+                                        </p:attrNameLst>
+                                      </p:cBhvr>
+                                      <p:to>
+                                        <p:strVal val="visible"/>
+                                      </p:to>
+                                    </p:set>
+                                    <p:animEffect transition="in" filter="fade">
+                                      <p:cBhvr>
+                                        <p:cTn id="15" dur="500"/>
+                                        <p:tgtEl>
+                                          <p:spTgt spid="8"/>
+                                        </p:tgtEl>
+                                      </p:cBhvr>
+                                    </p:animEffect>
+                                  </p:childTnLst>
+                                </p:cTn>
+                              </p:par>
+                              <p:par>
+                                <p:cTn id="16" presetID="10" presetClass="entr" presetSubtype="0" fill="hold" grpId="0" nodeType="withEffect">
+                                  <p:stCondLst>
+                                    <p:cond delay="0"/>
+                                  </p:stCondLst>
+                                  <p:childTnLst>
+                                    <p:set>
+                                      <p:cBhvr>
+                                        <p:cTn id="17" dur="1" fill="hold">
+                                          <p:stCondLst>
+                                            <p:cond delay="0"/>
+                                          </p:stCondLst>
+                                        </p:cTn>
+                                        <p:tgtEl>
+                                          <p:spTgt spid="12"/>
+                                        </p:tgtEl>
+                                        <p:attrNameLst>
+                                          <p:attrName>style.visibility</p:attrName>
+                                        </p:attrNameLst>
+                                      </p:cBhvr>
+                                      <p:to>
+                                        <p:strVal val="visible"/>
+                                      </p:to>
+                                    </p:set>
+                                    <p:animEffect transition="in" filter="fade">
+                                      <p:cBhvr>
+                                        <p:cTn id="18" dur="500"/>
+                                        <p:tgtEl>
+                                          <p:spTgt spid="12"/>
+                                        </p:tgtEl>
+                                      </p:cBhvr>
+                                    </p:animEffect>
+                                  </p:childTnLst>
+                                </p:cTn>
+                              </p:par>
+                            </p:childTnLst>
+                          </p:cTn>
+                        </p:par>
+                      </p:childTnLst>
+                    </p:cTn>
+                  </p:par>
+                  <p:par>
+                    <p:cTn id="19" fill="hold">
+                      <p:stCondLst>
+                        <p:cond delay="indefinite"/>
+                      </p:stCondLst>
+                      <p:childTnLst>
+                        <p:par>
+                          <p:cTn id="20" fill="hold">
+                            <p:stCondLst>
+                              <p:cond delay="0"/>
+                            </p:stCondLst>
+                            <p:childTnLst>
+                              <p:par>
+                                <p:cTn id="21" presetID="10" presetClass="entr" presetSubtype="0" fill="hold" nodeType="clickEffect">
+                                  <p:stCondLst>
+                                    <p:cond delay="0"/>
+                                  </p:stCondLst>
+                                  <p:childTnLst>
+                                    <p:set>
+                                      <p:cBhvr>
+                                        <p:cTn id="22" dur="1" fill="hold">
+                                          <p:stCondLst>
+                                            <p:cond delay="0"/>
+                                          </p:stCondLst>
+                                        </p:cTn>
+                                        <p:tgtEl>
+                                          <p:spTgt spid="10"/>
+                                        </p:tgtEl>
+                                        <p:attrNameLst>
+                                          <p:attrName>style.visibility</p:attrName>
+                                        </p:attrNameLst>
+                                      </p:cBhvr>
+                                      <p:to>
+                                        <p:strVal val="visible"/>
+                                      </p:to>
+                                    </p:set>
+                                    <p:animEffect transition="in" filter="fade">
+                                      <p:cBhvr>
+                                        <p:cTn id="23" dur="500"/>
+                                        <p:tgtEl>
+                                          <p:spTgt spid="10"/>
+                                        </p:tgtEl>
+                                      </p:cBhvr>
+                                    </p:animEffect>
+                                  </p:childTnLst>
+                                </p:cTn>
+                              </p:par>
+                              <p:par>
+                                <p:cTn id="24" presetID="10" presetClass="entr" presetSubtype="0" fill="hold" grpId="0" nodeType="withEffect">
+                                  <p:stCondLst>
+                                    <p:cond delay="0"/>
+                                  </p:stCondLst>
+                                  <p:childTnLst>
+                                    <p:set>
+                                      <p:cBhvr>
+                                        <p:cTn id="25" dur="1" fill="hold">
+                                          <p:stCondLst>
+                                            <p:cond delay="0"/>
+                                          </p:stCondLst>
+                                        </p:cTn>
+                                        <p:tgtEl>
+                                          <p:spTgt spid="13"/>
+                                        </p:tgtEl>
+                                        <p:attrNameLst>
+                                          <p:attrName>style.visibility</p:attrName>
+                                        </p:attrNameLst>
+                                      </p:cBhvr>
+                                      <p:to>
+                                        <p:strVal val="visible"/>
+                                      </p:to>
+                                    </p:set>
+                                    <p:animEffect transition="in" filter="fade">
+                                      <p:cBhvr>
+                                        <p:cTn id="26" dur="500"/>
+                                        <p:tgtEl>
+                                          <p:spTgt spid="13"/>
+                                        </p:tgtEl>
+                                      </p:cBhvr>
+                                    </p:animEffect>
+                                  </p:childTnLst>
+                                </p:cTn>
+                              </p:par>
+                            </p:childTnLst>
+                          </p:cTn>
+                        </p:par>
+                      </p:childTnLst>
+                    </p:cTn>
+                  </p:par>
+                </p:childTnLst>
+              </p:cTn>
+              <p:prevCondLst>
+                <p:cond evt="onPrev" delay="0">
+                  <p:tgtEl>
+                    <p:sldTgt/>
+                  </p:tgtEl>
+                </p:cond>
+              </p:prevCondLst>
+              <p:nextCondLst>
+                <p:cond evt="onNext" delay="0">
+                  <p:tgtEl>
+                    <p:sldTgt/>
+                  </p:tgtEl>
+                </p:cond>
+              </p:nextCondLst>
+            </p:seq>
+          </p:childTnLst>
+        </p:cTn>
+      </p:par>
+    </p:tnLst>
+    <p:bldLst>
+      <p:bldP spid="11" grpId="0"/>
+      <p:bldP spid="12" grpId="0"/>
+      <p:bldP spid="13" grpId="0"/>
+    </p:bldLst>
+  </p:timing>
+</p:sld>
+</file>
+
+<file path=ppt/slides/slide30.xml><?xml version="1.0" encoding="utf-8"?>
+<p:sld xmlns:a="http://schemas.openxmlformats.org/drawingml/2006/main" xmlns:r="http://schemas.openxmlformats.org/officeDocument/2006/relationships" xmlns:p="http://schemas.openxmlformats.org/presentationml/2006/main">
+  <p:cSld>
+    <p:spTree>
+      <p:nvGrpSpPr>
+        <p:cNvPr id="1" name=""/>
+        <p:cNvGrpSpPr/>
+        <p:nvPr/>
+      </p:nvGrpSpPr>
+      <p:grpSpPr>
+        <a:xfrm>
+          <a:off x="0" y="0"/>
+          <a:ext cx="0" cy="0"/>
+          <a:chOff x="0" y="0"/>
+          <a:chExt cx="0" cy="0"/>
+        </a:xfrm>
+      </p:grpSpPr>
+      <p:sp>
+        <p:nvSpPr>
+          <p:cNvPr id="2" name="Title 1">
+            <a:extLst>
+              <a:ext uri="{FF2B5EF4-FFF2-40B4-BE49-F238E27FC236}">
+                <a16:creationId xmlns:a16="http://schemas.microsoft.com/office/drawing/2014/main" id="{C7577940-CD06-E544-B797-232A9E9174C4}"/>
+              </a:ext>
+            </a:extLst>
+          </p:cNvPr>
+          <p:cNvSpPr>
+            <a:spLocks noGrp="1"/>
+          </p:cNvSpPr>
+          <p:nvPr>
+            <p:ph type="title"/>
+          </p:nvPr>
+        </p:nvSpPr>
+        <p:spPr/>
+        <p:txBody>
+          <a:bodyPr/>
+          <a:lstStyle/>
+          <a:p>
+            <a:r>
+              <a:rPr lang="en-US" dirty="0"/>
+              <a:t>Kesimpulan</a:t>
+            </a:r>
+          </a:p>
+        </p:txBody>
+      </p:sp>
+      <p:sp>
+        <p:nvSpPr>
+          <p:cNvPr id="3" name="Content Placeholder 2">
+            <a:extLst>
+              <a:ext uri="{FF2B5EF4-FFF2-40B4-BE49-F238E27FC236}">
+                <a16:creationId xmlns:a16="http://schemas.microsoft.com/office/drawing/2014/main" id="{CEC85D9F-8F67-2842-9E95-5ABD670DED54}"/>
+              </a:ext>
+            </a:extLst>
+          </p:cNvPr>
+          <p:cNvSpPr>
+            <a:spLocks noGrp="1"/>
+          </p:cNvSpPr>
+          <p:nvPr>
+            <p:ph idx="1"/>
+          </p:nvPr>
+        </p:nvSpPr>
+        <p:spPr/>
+        <p:txBody>
+          <a:bodyPr>
+            <a:normAutofit/>
+          </a:bodyPr>
+          <a:lstStyle/>
+          <a:p>
+            <a:r>
+              <a:rPr lang="en-US" sz="2000" dirty="0" err="1"/>
+              <a:t>Aplikasi</a:t>
+            </a:r>
+            <a:r>
+              <a:rPr lang="en-US" sz="2000" dirty="0"/>
+              <a:t> Finger For Life </a:t>
+            </a:r>
+            <a:r>
+              <a:rPr lang="en-US" sz="2000" dirty="0" err="1"/>
+              <a:t>telah</a:t>
+            </a:r>
+            <a:r>
+              <a:rPr lang="en-US" sz="2000" dirty="0"/>
+              <a:t> </a:t>
+            </a:r>
+            <a:r>
+              <a:rPr lang="en-US" sz="2000" dirty="0" err="1"/>
+              <a:t>berhasil</a:t>
+            </a:r>
+            <a:r>
+              <a:rPr lang="en-US" sz="2000" dirty="0"/>
+              <a:t> </a:t>
+            </a:r>
+            <a:r>
+              <a:rPr lang="en-US" sz="2000" dirty="0" err="1"/>
+              <a:t>dibangun</a:t>
+            </a:r>
+            <a:r>
+              <a:rPr lang="en-US" sz="2000" dirty="0"/>
+              <a:t> </a:t>
+            </a:r>
+            <a:r>
+              <a:rPr lang="en-US" sz="2000" dirty="0" err="1"/>
+              <a:t>dengan</a:t>
+            </a:r>
+            <a:r>
+              <a:rPr lang="en-US" sz="2000" dirty="0"/>
+              <a:t> </a:t>
+            </a:r>
+            <a:r>
+              <a:rPr lang="en-US" sz="2000" dirty="0" err="1"/>
+              <a:t>memanfaatkan</a:t>
+            </a:r>
+            <a:r>
+              <a:rPr lang="en-US" sz="2000" dirty="0"/>
+              <a:t> </a:t>
+            </a:r>
+            <a:r>
+              <a:rPr lang="en-US" sz="2000" dirty="0" err="1"/>
+              <a:t>Socket.io</a:t>
+            </a:r>
+            <a:r>
+              <a:rPr lang="en-US" sz="2000" dirty="0"/>
+              <a:t>.</a:t>
+            </a:r>
+          </a:p>
+          <a:p>
+            <a:r>
+              <a:rPr lang="en-US" sz="2000" dirty="0" err="1"/>
+              <a:t>Jumlah</a:t>
+            </a:r>
+            <a:r>
+              <a:rPr lang="en-US" sz="2000" dirty="0"/>
+              <a:t> rata-rata </a:t>
+            </a:r>
+            <a:r>
+              <a:rPr lang="en-US" sz="2000" dirty="0" err="1"/>
+              <a:t>latensi</a:t>
+            </a:r>
+            <a:r>
+              <a:rPr lang="en-US" sz="2000" dirty="0"/>
+              <a:t> yang </a:t>
+            </a:r>
+            <a:r>
+              <a:rPr lang="en-US" sz="2000" dirty="0" err="1"/>
+              <a:t>dihasilkan</a:t>
+            </a:r>
+            <a:r>
+              <a:rPr lang="en-US" sz="2000" dirty="0"/>
+              <a:t> </a:t>
+            </a:r>
+            <a:r>
+              <a:rPr lang="en-US" sz="2000" dirty="0" err="1"/>
+              <a:t>aplikasi</a:t>
+            </a:r>
+            <a:r>
+              <a:rPr lang="en-US" sz="2000" dirty="0"/>
+              <a:t> </a:t>
+            </a:r>
+            <a:r>
+              <a:rPr lang="en-US" sz="2000" dirty="0" err="1"/>
+              <a:t>adalah</a:t>
+            </a:r>
+            <a:r>
+              <a:rPr lang="en-US" sz="2000" dirty="0"/>
+              <a:t> 0.362 </a:t>
+            </a:r>
+            <a:r>
+              <a:rPr lang="en-US" sz="2000" dirty="0" err="1"/>
+              <a:t>detik</a:t>
+            </a:r>
+            <a:r>
+              <a:rPr lang="en-US" sz="2000" dirty="0"/>
+              <a:t>.</a:t>
+            </a:r>
+          </a:p>
+        </p:txBody>
+      </p:sp>
+    </p:spTree>
+    <p:extLst>
+      <p:ext uri="{BB962C8B-B14F-4D97-AF65-F5344CB8AC3E}">
+        <p14:creationId xmlns:p14="http://schemas.microsoft.com/office/powerpoint/2010/main" val="2909558158"/>
+      </p:ext>
+    </p:extLst>
+  </p:cSld>
+  <p:clrMapOvr>
+    <a:masterClrMapping/>
+  </p:clrMapOvr>
+</p:sld>
+</file>
+
+<file path=ppt/slides/slide31.xml><?xml version="1.0" encoding="utf-8"?>
+<p:sld xmlns:a="http://schemas.openxmlformats.org/drawingml/2006/main" xmlns:r="http://schemas.openxmlformats.org/officeDocument/2006/relationships" xmlns:p="http://schemas.openxmlformats.org/presentationml/2006/main">
+  <p:cSld>
+    <p:spTree>
+      <p:nvGrpSpPr>
+        <p:cNvPr id="1" name=""/>
+        <p:cNvGrpSpPr/>
+        <p:nvPr/>
+      </p:nvGrpSpPr>
+      <p:grpSpPr>
+        <a:xfrm>
+          <a:off x="0" y="0"/>
+          <a:ext cx="0" cy="0"/>
+          <a:chOff x="0" y="0"/>
+          <a:chExt cx="0" cy="0"/>
+        </a:xfrm>
+      </p:grpSpPr>
+      <p:sp>
+        <p:nvSpPr>
+          <p:cNvPr id="4" name="TextBox 3">
+            <a:extLst>
+              <a:ext uri="{FF2B5EF4-FFF2-40B4-BE49-F238E27FC236}">
+                <a16:creationId xmlns:a16="http://schemas.microsoft.com/office/drawing/2014/main" id="{A0E27D55-0DA3-B34B-A063-BCB29ED9ACCB}"/>
+              </a:ext>
+            </a:extLst>
+          </p:cNvPr>
+          <p:cNvSpPr txBox="1"/>
+          <p:nvPr/>
+        </p:nvSpPr>
+        <p:spPr>
+          <a:xfrm>
+            <a:off x="4673174" y="2875002"/>
+            <a:ext cx="2845651" cy="1107996"/>
+          </a:xfrm>
+          <a:prstGeom prst="rect">
+            <a:avLst/>
+          </a:prstGeom>
+          <a:noFill/>
+        </p:spPr>
+        <p:txBody>
+          <a:bodyPr wrap="none" rtlCol="0">
+            <a:spAutoFit/>
+          </a:bodyPr>
+          <a:lstStyle/>
+          <a:p>
+            <a:r>
+              <a:rPr lang="en-US" sz="6600" dirty="0" err="1"/>
+              <a:t>Sekian</a:t>
+            </a:r>
+            <a:endParaRPr lang="en-US" sz="6600" dirty="0"/>
+          </a:p>
+        </p:txBody>
+      </p:sp>
+    </p:spTree>
+    <p:extLst>
+      <p:ext uri="{BB962C8B-B14F-4D97-AF65-F5344CB8AC3E}">
+        <p14:creationId xmlns:p14="http://schemas.microsoft.com/office/powerpoint/2010/main" val="114464416"/>
       </p:ext>
     </p:extLst>
   </p:cSld>
@@ -16710,7 +21318,7 @@
           <p:nvPr/>
         </p:nvPicPr>
         <p:blipFill>
-          <a:blip r:embed="rId2"/>
+          <a:blip r:embed="rId3"/>
           <a:stretch>
             <a:fillRect/>
           </a:stretch>
@@ -16740,7 +21348,7 @@
           <p:nvPr/>
         </p:nvPicPr>
         <p:blipFill>
-          <a:blip r:embed="rId3"/>
+          <a:blip r:embed="rId4"/>
           <a:stretch>
             <a:fillRect/>
           </a:stretch>
@@ -17289,7 +21897,7 @@
           <p:nvPr/>
         </p:nvPicPr>
         <p:blipFill>
-          <a:blip r:embed="rId2"/>
+          <a:blip r:embed="rId3"/>
           <a:stretch>
             <a:fillRect/>
           </a:stretch>
@@ -17636,7 +22244,9 @@
             <p:ph idx="1"/>
           </p:nvPr>
         </p:nvSpPr>
-        <p:spPr/>
+        <p:spPr>
+          <a:effectLst/>
+        </p:spPr>
         <p:txBody>
           <a:bodyPr>
             <a:normAutofit/>
@@ -17724,6 +22334,158 @@
   <p:clrMapOvr>
     <a:masterClrMapping/>
   </p:clrMapOvr>
+  <p:timing>
+    <p:tnLst>
+      <p:par>
+        <p:cTn id="1" dur="indefinite" restart="never" nodeType="tmRoot">
+          <p:childTnLst>
+            <p:seq concurrent="1" nextAc="seek">
+              <p:cTn id="2" dur="indefinite" nodeType="mainSeq">
+                <p:childTnLst>
+                  <p:par>
+                    <p:cTn id="3" fill="hold">
+                      <p:stCondLst>
+                        <p:cond delay="indefinite"/>
+                      </p:stCondLst>
+                      <p:childTnLst>
+                        <p:par>
+                          <p:cTn id="4" fill="hold">
+                            <p:stCondLst>
+                              <p:cond delay="0"/>
+                            </p:stCondLst>
+                            <p:childTnLst>
+                              <p:par>
+                                <p:cTn id="5" presetID="10" presetClass="entr" presetSubtype="0" fill="hold" nodeType="clickEffect">
+                                  <p:stCondLst>
+                                    <p:cond delay="0"/>
+                                  </p:stCondLst>
+                                  <p:childTnLst>
+                                    <p:set>
+                                      <p:cBhvr>
+                                        <p:cTn id="6" dur="1" fill="hold">
+                                          <p:stCondLst>
+                                            <p:cond delay="0"/>
+                                          </p:stCondLst>
+                                        </p:cTn>
+                                        <p:tgtEl>
+                                          <p:spTgt spid="3">
+                                            <p:txEl>
+                                              <p:pRg st="0" end="0"/>
+                                            </p:txEl>
+                                          </p:spTgt>
+                                        </p:tgtEl>
+                                        <p:attrNameLst>
+                                          <p:attrName>style.visibility</p:attrName>
+                                        </p:attrNameLst>
+                                      </p:cBhvr>
+                                      <p:to>
+                                        <p:strVal val="visible"/>
+                                      </p:to>
+                                    </p:set>
+                                    <p:animEffect transition="in" filter="fade">
+                                      <p:cBhvr>
+                                        <p:cTn id="7" dur="500"/>
+                                        <p:tgtEl>
+                                          <p:spTgt spid="3">
+                                            <p:txEl>
+                                              <p:pRg st="0" end="0"/>
+                                            </p:txEl>
+                                          </p:spTgt>
+                                        </p:tgtEl>
+                                      </p:cBhvr>
+                                    </p:animEffect>
+                                  </p:childTnLst>
+                                </p:cTn>
+                              </p:par>
+                            </p:childTnLst>
+                          </p:cTn>
+                        </p:par>
+                      </p:childTnLst>
+                    </p:cTn>
+                  </p:par>
+                  <p:par>
+                    <p:cTn id="8" fill="hold">
+                      <p:stCondLst>
+                        <p:cond delay="indefinite"/>
+                      </p:stCondLst>
+                      <p:childTnLst>
+                        <p:par>
+                          <p:cTn id="9" fill="hold">
+                            <p:stCondLst>
+                              <p:cond delay="0"/>
+                            </p:stCondLst>
+                            <p:childTnLst>
+                              <p:par>
+                                <p:cTn id="10" presetID="10" presetClass="entr" presetSubtype="0" fill="hold" nodeType="clickEffect">
+                                  <p:stCondLst>
+                                    <p:cond delay="0"/>
+                                  </p:stCondLst>
+                                  <p:childTnLst>
+                                    <p:set>
+                                      <p:cBhvr>
+                                        <p:cTn id="11" dur="1" fill="hold">
+                                          <p:stCondLst>
+                                            <p:cond delay="0"/>
+                                          </p:stCondLst>
+                                        </p:cTn>
+                                        <p:tgtEl>
+                                          <p:spTgt spid="3">
+                                            <p:txEl>
+                                              <p:pRg st="1" end="1"/>
+                                            </p:txEl>
+                                          </p:spTgt>
+                                        </p:tgtEl>
+                                        <p:attrNameLst>
+                                          <p:attrName>style.visibility</p:attrName>
+                                        </p:attrNameLst>
+                                      </p:cBhvr>
+                                      <p:to>
+                                        <p:strVal val="visible"/>
+                                      </p:to>
+                                    </p:set>
+                                    <p:animEffect transition="in" filter="fade">
+                                      <p:cBhvr>
+                                        <p:cTn id="12" dur="500"/>
+                                        <p:tgtEl>
+                                          <p:spTgt spid="3">
+                                            <p:txEl>
+                                              <p:pRg st="1" end="1"/>
+                                            </p:txEl>
+                                          </p:spTgt>
+                                        </p:tgtEl>
+                                      </p:cBhvr>
+                                    </p:animEffect>
+                                  </p:childTnLst>
+                                </p:cTn>
+                              </p:par>
+                            </p:childTnLst>
+                          </p:cTn>
+                        </p:par>
+                      </p:childTnLst>
+                    </p:cTn>
+                  </p:par>
+                </p:childTnLst>
+              </p:cTn>
+              <p:prevCondLst>
+                <p:cond evt="onPrev" delay="0">
+                  <p:tgtEl>
+                    <p:sldTgt/>
+                  </p:tgtEl>
+                </p:cond>
+              </p:prevCondLst>
+              <p:nextCondLst>
+                <p:cond evt="onNext" delay="0">
+                  <p:tgtEl>
+                    <p:sldTgt/>
+                  </p:tgtEl>
+                </p:cond>
+              </p:nextCondLst>
+            </p:seq>
+          </p:childTnLst>
+        </p:cTn>
+      </p:par>
+    </p:tnLst>
+  </p:timing>
 </p:sld>
 </file>
 
@@ -17744,56 +22506,6 @@
           <a:chExt cx="0" cy="0"/>
         </a:xfrm>
       </p:grpSpPr>
-      <p:sp>
-        <p:nvSpPr>
-          <p:cNvPr id="5" name="Cloud 4">
-            <a:extLst>
-              <a:ext uri="{FF2B5EF4-FFF2-40B4-BE49-F238E27FC236}">
-                <a16:creationId xmlns:a16="http://schemas.microsoft.com/office/drawing/2014/main" id="{4BF72CF7-6CF8-2949-86F4-5ADDDD9EE192}"/>
-              </a:ext>
-            </a:extLst>
-          </p:cNvPr>
-          <p:cNvSpPr/>
-          <p:nvPr/>
-        </p:nvSpPr>
-        <p:spPr>
-          <a:xfrm>
-            <a:off x="2414588" y="114299"/>
-            <a:ext cx="7758113" cy="2700338"/>
-          </a:xfrm>
-          <a:prstGeom prst="cloud">
-            <a:avLst/>
-          </a:prstGeom>
-          <a:ln>
-            <a:noFill/>
-          </a:ln>
-        </p:spPr>
-        <p:style>
-          <a:lnRef idx="2">
-            <a:schemeClr val="dk1"/>
-          </a:lnRef>
-          <a:fillRef idx="1">
-            <a:schemeClr val="lt1"/>
-          </a:fillRef>
-          <a:effectRef idx="0">
-            <a:schemeClr val="dk1"/>
-          </a:effectRef>
-          <a:fontRef idx="minor">
-            <a:schemeClr val="dk1"/>
-          </a:fontRef>
-        </p:style>
-        <p:txBody>
-          <a:bodyPr rtlCol="0" anchor="ctr"/>
-          <a:lstStyle/>
-          <a:p>
-            <a:pPr algn="ctr"/>
-            <a:r>
-              <a:rPr lang="en-US" sz="2800" dirty="0"/>
-              <a:t>STREAM</a:t>
-            </a:r>
-          </a:p>
-        </p:txBody>
-      </p:sp>
       <p:pic>
         <p:nvPicPr>
           <p:cNvPr id="7" name="Picture 6">
@@ -17809,7 +22521,13 @@
           <p:nvPr/>
         </p:nvPicPr>
         <p:blipFill>
-          <a:blip r:embed="rId3"/>
+          <a:blip r:embed="rId3" cstate="screen">
+            <a:extLst>
+              <a:ext uri="{28A0092B-C50C-407E-A947-70E740481C1C}">
+                <a14:useLocalDpi xmlns:a14="http://schemas.microsoft.com/office/drawing/2010/main"/>
+              </a:ext>
+            </a:extLst>
+          </a:blip>
           <a:stretch>
             <a:fillRect/>
           </a:stretch>
@@ -17839,7 +22557,13 @@
           <p:nvPr/>
         </p:nvPicPr>
         <p:blipFill>
-          <a:blip r:embed="rId4"/>
+          <a:blip r:embed="rId4" cstate="screen">
+            <a:extLst>
+              <a:ext uri="{28A0092B-C50C-407E-A947-70E740481C1C}">
+                <a14:useLocalDpi xmlns:a14="http://schemas.microsoft.com/office/drawing/2010/main"/>
+              </a:ext>
+            </a:extLst>
+          </a:blip>
           <a:stretch>
             <a:fillRect/>
           </a:stretch>
@@ -18190,11 +22914,7 @@
           <a:lstStyle/>
           <a:p>
             <a:r>
-              <a:rPr lang="en-US" sz="2400" dirty="0">
-                <a:solidFill>
-                  <a:srgbClr val="FF0000"/>
-                </a:solidFill>
-              </a:rPr>
+              <a:rPr lang="en-US" sz="2400" dirty="0"/>
               <a:t>Event</a:t>
             </a:r>
           </a:p>
@@ -18229,357 +22949,6 @@
           <a:lstStyle/>
           <a:p>
             <a:endParaRPr lang="en-US" dirty="0"/>
-          </a:p>
-        </p:txBody>
-      </p:sp>
-      <p:sp>
-        <p:nvSpPr>
-          <p:cNvPr id="24" name="TextBox 23">
-            <a:extLst>
-              <a:ext uri="{FF2B5EF4-FFF2-40B4-BE49-F238E27FC236}">
-                <a16:creationId xmlns:a16="http://schemas.microsoft.com/office/drawing/2014/main" id="{9AA64A23-3214-6E42-AEA1-A4276834A2FA}"/>
-              </a:ext>
-            </a:extLst>
-          </p:cNvPr>
-          <p:cNvSpPr txBox="1"/>
-          <p:nvPr/>
-        </p:nvSpPr>
-        <p:spPr>
-          <a:xfrm>
-            <a:off x="8356209" y="1406769"/>
-            <a:ext cx="833883" cy="369332"/>
-          </a:xfrm>
-          <a:prstGeom prst="rect">
-            <a:avLst/>
-          </a:prstGeom>
-          <a:noFill/>
-        </p:spPr>
-        <p:txBody>
-          <a:bodyPr wrap="none" rtlCol="0">
-            <a:spAutoFit/>
-          </a:bodyPr>
-          <a:lstStyle/>
-          <a:p>
-            <a:r>
-              <a:rPr lang="en-US" dirty="0">
-                <a:solidFill>
-                  <a:schemeClr val="bg1"/>
-                </a:solidFill>
-              </a:rPr>
-              <a:t>event</a:t>
-            </a:r>
-          </a:p>
-        </p:txBody>
-      </p:sp>
-      <p:sp>
-        <p:nvSpPr>
-          <p:cNvPr id="25" name="TextBox 24">
-            <a:extLst>
-              <a:ext uri="{FF2B5EF4-FFF2-40B4-BE49-F238E27FC236}">
-                <a16:creationId xmlns:a16="http://schemas.microsoft.com/office/drawing/2014/main" id="{9AA3242A-042D-FB4C-BA86-0D109B2E7DB6}"/>
-              </a:ext>
-            </a:extLst>
-          </p:cNvPr>
-          <p:cNvSpPr txBox="1"/>
-          <p:nvPr/>
-        </p:nvSpPr>
-        <p:spPr>
-          <a:xfrm>
-            <a:off x="7734886" y="1037437"/>
-            <a:ext cx="833883" cy="369332"/>
-          </a:xfrm>
-          <a:prstGeom prst="rect">
-            <a:avLst/>
-          </a:prstGeom>
-          <a:noFill/>
-        </p:spPr>
-        <p:txBody>
-          <a:bodyPr wrap="none" rtlCol="0">
-            <a:spAutoFit/>
-          </a:bodyPr>
-          <a:lstStyle/>
-          <a:p>
-            <a:r>
-              <a:rPr lang="en-US" dirty="0">
-                <a:solidFill>
-                  <a:schemeClr val="bg1"/>
-                </a:solidFill>
-              </a:rPr>
-              <a:t>event</a:t>
-            </a:r>
-          </a:p>
-        </p:txBody>
-      </p:sp>
-      <p:sp>
-        <p:nvSpPr>
-          <p:cNvPr id="26" name="TextBox 25">
-            <a:extLst>
-              <a:ext uri="{FF2B5EF4-FFF2-40B4-BE49-F238E27FC236}">
-                <a16:creationId xmlns:a16="http://schemas.microsoft.com/office/drawing/2014/main" id="{FD7E8A99-DF39-2343-973C-FC93D64B1EA3}"/>
-              </a:ext>
-            </a:extLst>
-          </p:cNvPr>
-          <p:cNvSpPr txBox="1"/>
-          <p:nvPr/>
-        </p:nvSpPr>
-        <p:spPr>
-          <a:xfrm>
-            <a:off x="5679058" y="668105"/>
-            <a:ext cx="833883" cy="369332"/>
-          </a:xfrm>
-          <a:prstGeom prst="rect">
-            <a:avLst/>
-          </a:prstGeom>
-          <a:noFill/>
-        </p:spPr>
-        <p:txBody>
-          <a:bodyPr wrap="none" rtlCol="0">
-            <a:spAutoFit/>
-          </a:bodyPr>
-          <a:lstStyle/>
-          <a:p>
-            <a:r>
-              <a:rPr lang="en-US" dirty="0">
-                <a:solidFill>
-                  <a:schemeClr val="bg1"/>
-                </a:solidFill>
-              </a:rPr>
-              <a:t>event</a:t>
-            </a:r>
-          </a:p>
-        </p:txBody>
-      </p:sp>
-      <p:sp>
-        <p:nvSpPr>
-          <p:cNvPr id="27" name="TextBox 26">
-            <a:extLst>
-              <a:ext uri="{FF2B5EF4-FFF2-40B4-BE49-F238E27FC236}">
-                <a16:creationId xmlns:a16="http://schemas.microsoft.com/office/drawing/2014/main" id="{9E3C3CCB-A36C-5447-B9B7-BC18EB6ED9C5}"/>
-              </a:ext>
-            </a:extLst>
-          </p:cNvPr>
-          <p:cNvSpPr txBox="1"/>
-          <p:nvPr/>
-        </p:nvSpPr>
-        <p:spPr>
-          <a:xfrm>
-            <a:off x="4155058" y="668105"/>
-            <a:ext cx="833883" cy="369332"/>
-          </a:xfrm>
-          <a:prstGeom prst="rect">
-            <a:avLst/>
-          </a:prstGeom>
-          <a:noFill/>
-        </p:spPr>
-        <p:txBody>
-          <a:bodyPr wrap="none" rtlCol="0">
-            <a:spAutoFit/>
-          </a:bodyPr>
-          <a:lstStyle/>
-          <a:p>
-            <a:r>
-              <a:rPr lang="en-US" dirty="0">
-                <a:solidFill>
-                  <a:schemeClr val="bg1"/>
-                </a:solidFill>
-              </a:rPr>
-              <a:t>event</a:t>
-            </a:r>
-          </a:p>
-        </p:txBody>
-      </p:sp>
-      <p:sp>
-        <p:nvSpPr>
-          <p:cNvPr id="28" name="TextBox 27">
-            <a:extLst>
-              <a:ext uri="{FF2B5EF4-FFF2-40B4-BE49-F238E27FC236}">
-                <a16:creationId xmlns:a16="http://schemas.microsoft.com/office/drawing/2014/main" id="{6A21E9C4-6B2F-744D-B872-5A91B2B3C0F7}"/>
-              </a:ext>
-            </a:extLst>
-          </p:cNvPr>
-          <p:cNvSpPr txBox="1"/>
-          <p:nvPr/>
-        </p:nvSpPr>
-        <p:spPr>
-          <a:xfrm>
-            <a:off x="7559439" y="509551"/>
-            <a:ext cx="833883" cy="369332"/>
-          </a:xfrm>
-          <a:prstGeom prst="rect">
-            <a:avLst/>
-          </a:prstGeom>
-          <a:noFill/>
-        </p:spPr>
-        <p:txBody>
-          <a:bodyPr wrap="none" rtlCol="0">
-            <a:spAutoFit/>
-          </a:bodyPr>
-          <a:lstStyle/>
-          <a:p>
-            <a:r>
-              <a:rPr lang="en-US" dirty="0">
-                <a:solidFill>
-                  <a:schemeClr val="bg1"/>
-                </a:solidFill>
-              </a:rPr>
-              <a:t>event</a:t>
-            </a:r>
-          </a:p>
-        </p:txBody>
-      </p:sp>
-      <p:sp>
-        <p:nvSpPr>
-          <p:cNvPr id="29" name="TextBox 28">
-            <a:extLst>
-              <a:ext uri="{FF2B5EF4-FFF2-40B4-BE49-F238E27FC236}">
-                <a16:creationId xmlns:a16="http://schemas.microsoft.com/office/drawing/2014/main" id="{43C3D8E0-3C7F-CA43-8BA9-C0B276A84DE0}"/>
-              </a:ext>
-            </a:extLst>
-          </p:cNvPr>
-          <p:cNvSpPr txBox="1"/>
-          <p:nvPr/>
-        </p:nvSpPr>
-        <p:spPr>
-          <a:xfrm>
-            <a:off x="3321175" y="1279802"/>
-            <a:ext cx="833883" cy="369332"/>
-          </a:xfrm>
-          <a:prstGeom prst="rect">
-            <a:avLst/>
-          </a:prstGeom>
-          <a:noFill/>
-        </p:spPr>
-        <p:txBody>
-          <a:bodyPr wrap="none" rtlCol="0">
-            <a:spAutoFit/>
-          </a:bodyPr>
-          <a:lstStyle/>
-          <a:p>
-            <a:r>
-              <a:rPr lang="en-US" dirty="0">
-                <a:solidFill>
-                  <a:schemeClr val="bg1"/>
-                </a:solidFill>
-              </a:rPr>
-              <a:t>event</a:t>
-            </a:r>
-          </a:p>
-        </p:txBody>
-      </p:sp>
-      <p:sp>
-        <p:nvSpPr>
-          <p:cNvPr id="30" name="TextBox 29">
-            <a:extLst>
-              <a:ext uri="{FF2B5EF4-FFF2-40B4-BE49-F238E27FC236}">
-                <a16:creationId xmlns:a16="http://schemas.microsoft.com/office/drawing/2014/main" id="{3A9FBD4A-C754-EF45-80CF-19F327768F19}"/>
-              </a:ext>
-            </a:extLst>
-          </p:cNvPr>
-          <p:cNvSpPr txBox="1"/>
-          <p:nvPr/>
-        </p:nvSpPr>
-        <p:spPr>
-          <a:xfrm>
-            <a:off x="3321174" y="1776101"/>
-            <a:ext cx="833883" cy="369332"/>
-          </a:xfrm>
-          <a:prstGeom prst="rect">
-            <a:avLst/>
-          </a:prstGeom>
-          <a:noFill/>
-        </p:spPr>
-        <p:txBody>
-          <a:bodyPr wrap="none" rtlCol="0">
-            <a:spAutoFit/>
-          </a:bodyPr>
-          <a:lstStyle/>
-          <a:p>
-            <a:r>
-              <a:rPr lang="en-US" dirty="0">
-                <a:solidFill>
-                  <a:schemeClr val="bg1"/>
-                </a:solidFill>
-              </a:rPr>
-              <a:t>event</a:t>
-            </a:r>
-          </a:p>
-        </p:txBody>
-      </p:sp>
-      <p:sp>
-        <p:nvSpPr>
-          <p:cNvPr id="32" name="TextBox 31">
-            <a:extLst>
-              <a:ext uri="{FF2B5EF4-FFF2-40B4-BE49-F238E27FC236}">
-                <a16:creationId xmlns:a16="http://schemas.microsoft.com/office/drawing/2014/main" id="{5207DDBD-4159-BA43-AAF4-861D702C5A47}"/>
-              </a:ext>
-            </a:extLst>
-          </p:cNvPr>
-          <p:cNvSpPr txBox="1"/>
-          <p:nvPr/>
-        </p:nvSpPr>
-        <p:spPr>
-          <a:xfrm>
-            <a:off x="7113563" y="1406769"/>
-            <a:ext cx="833883" cy="369332"/>
-          </a:xfrm>
-          <a:prstGeom prst="rect">
-            <a:avLst/>
-          </a:prstGeom>
-          <a:noFill/>
-        </p:spPr>
-        <p:txBody>
-          <a:bodyPr wrap="none" rtlCol="0">
-            <a:spAutoFit/>
-          </a:bodyPr>
-          <a:lstStyle/>
-          <a:p>
-            <a:r>
-              <a:rPr lang="en-US" dirty="0">
-                <a:solidFill>
-                  <a:schemeClr val="bg1"/>
-                </a:solidFill>
-              </a:rPr>
-              <a:t>event</a:t>
-            </a:r>
-          </a:p>
-        </p:txBody>
-      </p:sp>
-      <p:sp>
-        <p:nvSpPr>
-          <p:cNvPr id="34" name="TextBox 33">
-            <a:extLst>
-              <a:ext uri="{FF2B5EF4-FFF2-40B4-BE49-F238E27FC236}">
-                <a16:creationId xmlns:a16="http://schemas.microsoft.com/office/drawing/2014/main" id="{8D82217F-C692-224B-B31C-02C0E362817A}"/>
-              </a:ext>
-            </a:extLst>
-          </p:cNvPr>
-          <p:cNvSpPr txBox="1"/>
-          <p:nvPr/>
-        </p:nvSpPr>
-        <p:spPr>
-          <a:xfrm>
-            <a:off x="4406530" y="1410578"/>
-            <a:ext cx="833883" cy="369332"/>
-          </a:xfrm>
-          <a:prstGeom prst="rect">
-            <a:avLst/>
-          </a:prstGeom>
-          <a:noFill/>
-        </p:spPr>
-        <p:txBody>
-          <a:bodyPr wrap="none" rtlCol="0">
-            <a:spAutoFit/>
-          </a:bodyPr>
-          <a:lstStyle/>
-          <a:p>
-            <a:r>
-              <a:rPr lang="en-US" dirty="0">
-                <a:solidFill>
-                  <a:schemeClr val="bg1"/>
-                </a:solidFill>
-              </a:rPr>
-              <a:t>event</a:t>
-            </a:r>
           </a:p>
         </p:txBody>
       </p:sp>
@@ -18842,6 +23211,9 @@
           <a:prstGeom prst="rect">
             <a:avLst/>
           </a:prstGeom>
+          <a:solidFill>
+            <a:srgbClr val="212121"/>
+          </a:solidFill>
           <a:ln>
             <a:noFill/>
           </a:ln>
@@ -18898,11 +23270,7 @@
           <a:lstStyle/>
           <a:p>
             <a:r>
-              <a:rPr lang="en-US" sz="2400" dirty="0">
-                <a:solidFill>
-                  <a:srgbClr val="FF0000"/>
-                </a:solidFill>
-              </a:rPr>
+              <a:rPr lang="en-US" sz="2400" dirty="0"/>
               <a:t>Event</a:t>
             </a:r>
           </a:p>
@@ -19388,20 +23756,59 @@
                             </p:stCondLst>
                             <p:childTnLst>
                               <p:par>
-                                <p:cTn id="46" presetID="10" presetClass="entr" presetSubtype="0" fill="hold" grpId="0" nodeType="clickEffect">
+                                <p:cTn id="46" presetID="0" presetClass="path" presetSubtype="0" accel="50000" decel="50000" fill="hold" grpId="1" nodeType="clickEffect">
+                                  <p:stCondLst>
+                                    <p:cond delay="0"/>
+                                  </p:stCondLst>
+                                  <p:childTnLst>
+                                    <p:animMotion origin="layout" path="M 0 0 L 0 0 C 0.003 -0.00555 0.00625 -0.01088 0.00912 -0.01643 C 0.01042 -0.01898 0.01133 -0.02222 0.01263 -0.02477 C 0.01394 -0.02708 0.01576 -0.0287 0.01719 -0.03079 C 0.01849 -0.03287 0.01954 -0.03518 0.02071 -0.03704 C 0.02214 -0.03935 0.02396 -0.04074 0.02526 -0.04329 C 0.0267 -0.0456 0.02748 -0.04907 0.02878 -0.05139 C 0.02982 -0.05324 0.03125 -0.05393 0.0323 -0.05555 C 0.0431 -0.07222 0.03373 -0.06065 0.04154 -0.06991 C 0.04571 -0.08125 0.04154 -0.07153 0.04727 -0.08009 C 0.04844 -0.08194 0.04948 -0.08449 0.05066 -0.08634 C 0.05287 -0.08935 0.05573 -0.09097 0.05769 -0.09444 C 0.05873 -0.09653 0.05977 -0.09884 0.06107 -0.10069 C 0.07071 -0.11389 0.06485 -0.10463 0.07266 -0.11296 C 0.075 -0.11551 0.07722 -0.11852 0.07956 -0.12106 L 0.08998 -0.13356 C 0.09115 -0.13472 0.09206 -0.13704 0.09336 -0.1375 L 0.09805 -0.13958 C 0.1 -0.14236 0.1017 -0.1456 0.10378 -0.14792 C 0.10482 -0.14907 0.10612 -0.14907 0.1073 -0.14977 C 0.10886 -0.15116 0.11029 -0.15278 0.11185 -0.15393 C 0.11407 -0.15555 0.11654 -0.15625 0.11875 -0.1581 C 0.12006 -0.15903 0.12097 -0.16111 0.12227 -0.16227 C 0.12448 -0.16389 0.12683 -0.16481 0.12917 -0.1662 L 0.13269 -0.16829 L 0.14297 -0.17454 C 0.14414 -0.17523 0.14532 -0.17616 0.14649 -0.17662 C 0.14844 -0.17731 0.15039 -0.17778 0.15222 -0.1787 C 0.15378 -0.17917 0.15534 -0.18009 0.15691 -0.18055 C 0.15912 -0.18148 0.16146 -0.18194 0.16381 -0.18264 C 0.16498 -0.18333 0.16615 -0.18426 0.16732 -0.18472 C 0.16875 -0.18542 0.17032 -0.18588 0.17188 -0.1868 C 0.18125 -0.19236 0.17396 -0.18958 0.1823 -0.19305 C 0.20079 -0.20023 0.17201 -0.18842 0.1961 -0.19699 C 0.19922 -0.19815 0.20222 -0.20023 0.20534 -0.20116 C 0.20769 -0.20185 0.21003 -0.20231 0.21224 -0.20324 C 0.2168 -0.20486 0.21771 -0.20625 0.22266 -0.20741 C 0.22722 -0.20833 0.23191 -0.20879 0.23646 -0.20926 C 0.24037 -0.21065 0.24441 -0.21088 0.24805 -0.21342 C 0.25 -0.21481 0.2517 -0.2169 0.25378 -0.21759 C 0.25912 -0.21898 0.26459 -0.21875 0.26993 -0.21967 C 0.28021 -0.22106 0.28047 -0.22153 0.28959 -0.22361 C 0.29688 -0.22315 0.30417 -0.22292 0.31146 -0.22176 C 0.31276 -0.22153 0.31381 -0.21991 0.31498 -0.21967 C 0.32214 -0.21759 0.32227 -0.21759 0.32657 -0.21759 " pathEditMode="relative" ptsTypes="AAAAAAAAAAAAAAAAAAAAAAAAAAAAAAAAAAAAAAAAAAAAAA">
+                                      <p:cBhvr>
+                                        <p:cTn id="47" dur="2000" fill="hold"/>
+                                        <p:tgtEl>
+                                          <p:spTgt spid="21"/>
+                                        </p:tgtEl>
+                                        <p:attrNameLst>
+                                          <p:attrName>ppt_x</p:attrName>
+                                          <p:attrName>ppt_y</p:attrName>
+                                        </p:attrNameLst>
+                                      </p:cBhvr>
+                                    </p:animMotion>
+                                  </p:childTnLst>
+                                </p:cTn>
+                              </p:par>
+                            </p:childTnLst>
+                          </p:cTn>
+                        </p:par>
+                      </p:childTnLst>
+                    </p:cTn>
+                  </p:par>
+                  <p:par>
+                    <p:cTn id="48" fill="hold">
+                      <p:stCondLst>
+                        <p:cond delay="indefinite"/>
+                      </p:stCondLst>
+                      <p:childTnLst>
+                        <p:par>
+                          <p:cTn id="49" fill="hold">
+                            <p:stCondLst>
+                              <p:cond delay="0"/>
+                            </p:stCondLst>
+                            <p:childTnLst>
+                              <p:par>
+                                <p:cTn id="50" presetID="10" presetClass="entr" presetSubtype="0" fill="hold" nodeType="clickEffect">
                                   <p:stCondLst>
                                     <p:cond delay="0"/>
                                   </p:stCondLst>
                                   <p:childTnLst>
                                     <p:set>
                                       <p:cBhvr>
-                                        <p:cTn id="47" dur="1" fill="hold">
+                                        <p:cTn id="51" dur="1" fill="hold">
                                           <p:stCondLst>
                                             <p:cond delay="0"/>
                                           </p:stCondLst>
                                         </p:cTn>
                                         <p:tgtEl>
-                                          <p:spTgt spid="5"/>
+                                          <p:spTgt spid="35"/>
                                         </p:tgtEl>
                                         <p:attrNameLst>
                                           <p:attrName>style.visibility</p:attrName>
@@ -19413,9 +23820,176 @@
                                     </p:set>
                                     <p:animEffect transition="in" filter="fade">
                                       <p:cBhvr>
-                                        <p:cTn id="48" dur="1000"/>
-                                        <p:tgtEl>
-                                          <p:spTgt spid="5"/>
+                                        <p:cTn id="52" dur="500"/>
+                                        <p:tgtEl>
+                                          <p:spTgt spid="35"/>
+                                        </p:tgtEl>
+                                      </p:cBhvr>
+                                    </p:animEffect>
+                                  </p:childTnLst>
+                                </p:cTn>
+                              </p:par>
+                              <p:par>
+                                <p:cTn id="53" presetID="10" presetClass="entr" presetSubtype="0" fill="hold" grpId="0" nodeType="withEffect">
+                                  <p:stCondLst>
+                                    <p:cond delay="0"/>
+                                  </p:stCondLst>
+                                  <p:childTnLst>
+                                    <p:set>
+                                      <p:cBhvr>
+                                        <p:cTn id="54" dur="1" fill="hold">
+                                          <p:stCondLst>
+                                            <p:cond delay="0"/>
+                                          </p:stCondLst>
+                                        </p:cTn>
+                                        <p:tgtEl>
+                                          <p:spTgt spid="36"/>
+                                        </p:tgtEl>
+                                        <p:attrNameLst>
+                                          <p:attrName>style.visibility</p:attrName>
+                                        </p:attrNameLst>
+                                      </p:cBhvr>
+                                      <p:to>
+                                        <p:strVal val="visible"/>
+                                      </p:to>
+                                    </p:set>
+                                    <p:animEffect transition="in" filter="fade">
+                                      <p:cBhvr>
+                                        <p:cTn id="55" dur="500"/>
+                                        <p:tgtEl>
+                                          <p:spTgt spid="36"/>
+                                        </p:tgtEl>
+                                      </p:cBhvr>
+                                    </p:animEffect>
+                                  </p:childTnLst>
+                                </p:cTn>
+                              </p:par>
+                            </p:childTnLst>
+                          </p:cTn>
+                        </p:par>
+                        <p:par>
+                          <p:cTn id="56" fill="hold">
+                            <p:stCondLst>
+                              <p:cond delay="500"/>
+                            </p:stCondLst>
+                            <p:childTnLst>
+                              <p:par>
+                                <p:cTn id="57" presetID="10" presetClass="entr" presetSubtype="0" fill="hold" grpId="0" nodeType="afterEffect">
+                                  <p:stCondLst>
+                                    <p:cond delay="0"/>
+                                  </p:stCondLst>
+                                  <p:childTnLst>
+                                    <p:set>
+                                      <p:cBhvr>
+                                        <p:cTn id="58" dur="1" fill="hold">
+                                          <p:stCondLst>
+                                            <p:cond delay="0"/>
+                                          </p:stCondLst>
+                                        </p:cTn>
+                                        <p:tgtEl>
+                                          <p:spTgt spid="37"/>
+                                        </p:tgtEl>
+                                        <p:attrNameLst>
+                                          <p:attrName>style.visibility</p:attrName>
+                                        </p:attrNameLst>
+                                      </p:cBhvr>
+                                      <p:to>
+                                        <p:strVal val="visible"/>
+                                      </p:to>
+                                    </p:set>
+                                    <p:animEffect transition="in" filter="fade">
+                                      <p:cBhvr>
+                                        <p:cTn id="59" dur="500"/>
+                                        <p:tgtEl>
+                                          <p:spTgt spid="37"/>
+                                        </p:tgtEl>
+                                      </p:cBhvr>
+                                    </p:animEffect>
+                                  </p:childTnLst>
+                                </p:cTn>
+                              </p:par>
+                            </p:childTnLst>
+                          </p:cTn>
+                        </p:par>
+                        <p:par>
+                          <p:cTn id="60" fill="hold">
+                            <p:stCondLst>
+                              <p:cond delay="1000"/>
+                            </p:stCondLst>
+                            <p:childTnLst>
+                              <p:par>
+                                <p:cTn id="61" presetID="10" presetClass="entr" presetSubtype="0" fill="hold" grpId="0" nodeType="afterEffect">
+                                  <p:stCondLst>
+                                    <p:cond delay="0"/>
+                                  </p:stCondLst>
+                                  <p:childTnLst>
+                                    <p:set>
+                                      <p:cBhvr>
+                                        <p:cTn id="62" dur="1" fill="hold">
+                                          <p:stCondLst>
+                                            <p:cond delay="0"/>
+                                          </p:stCondLst>
+                                        </p:cTn>
+                                        <p:tgtEl>
+                                          <p:spTgt spid="38"/>
+                                        </p:tgtEl>
+                                        <p:attrNameLst>
+                                          <p:attrName>style.visibility</p:attrName>
+                                        </p:attrNameLst>
+                                      </p:cBhvr>
+                                      <p:to>
+                                        <p:strVal val="visible"/>
+                                      </p:to>
+                                    </p:set>
+                                    <p:animEffect transition="in" filter="fade">
+                                      <p:cBhvr>
+                                        <p:cTn id="63" dur="500"/>
+                                        <p:tgtEl>
+                                          <p:spTgt spid="38"/>
+                                        </p:tgtEl>
+                                      </p:cBhvr>
+                                    </p:animEffect>
+                                  </p:childTnLst>
+                                </p:cTn>
+                              </p:par>
+                            </p:childTnLst>
+                          </p:cTn>
+                        </p:par>
+                        <p:par>
+                          <p:cTn id="64" fill="hold">
+                            <p:stCondLst>
+                              <p:cond delay="1500"/>
+                            </p:stCondLst>
+                            <p:childTnLst>
+                              <p:par>
+                                <p:cTn id="65" presetID="10" presetClass="entr" presetSubtype="0" fill="hold" grpId="0" nodeType="afterEffect">
+                                  <p:stCondLst>
+                                    <p:cond delay="0"/>
+                                  </p:stCondLst>
+                                  <p:childTnLst>
+                                    <p:set>
+                                      <p:cBhvr>
+                                        <p:cTn id="66" dur="1" fill="hold">
+                                          <p:stCondLst>
+                                            <p:cond delay="0"/>
+                                          </p:stCondLst>
+                                        </p:cTn>
+                                        <p:tgtEl>
+                                          <p:spTgt spid="39"/>
+                                        </p:tgtEl>
+                                        <p:attrNameLst>
+                                          <p:attrName>style.visibility</p:attrName>
+                                        </p:attrNameLst>
+                                      </p:cBhvr>
+                                      <p:to>
+                                        <p:strVal val="visible"/>
+                                      </p:to>
+                                    </p:set>
+                                    <p:animEffect transition="in" filter="fade">
+                                      <p:cBhvr>
+                                        <p:cTn id="67" dur="500"/>
+                                        <p:tgtEl>
+                                          <p:spTgt spid="39"/>
                                         </p:tgtEl>
                                       </p:cBhvr>
                                     </p:animEffect>
@@ -19429,71 +24003,32 @@
                     </p:cTn>
                   </p:par>
                   <p:par>
-                    <p:cTn id="49" fill="hold">
+                    <p:cTn id="68" fill="hold">
                       <p:stCondLst>
                         <p:cond delay="indefinite"/>
                       </p:stCondLst>
                       <p:childTnLst>
                         <p:par>
-                          <p:cTn id="50" fill="hold">
+                          <p:cTn id="69" fill="hold">
                             <p:stCondLst>
                               <p:cond delay="0"/>
                             </p:stCondLst>
                             <p:childTnLst>
                               <p:par>
-                                <p:cTn id="51" presetID="0" presetClass="path" presetSubtype="0" accel="50000" decel="50000" fill="hold" grpId="1" nodeType="clickEffect">
-                                  <p:stCondLst>
-                                    <p:cond delay="0"/>
-                                  </p:stCondLst>
-                                  <p:childTnLst>
-                                    <p:animMotion origin="layout" path="M 0 0 L 0 0 C 0.003 -0.00555 0.00625 -0.01088 0.00912 -0.01643 C 0.01042 -0.01898 0.01133 -0.02222 0.01263 -0.02477 C 0.01394 -0.02708 0.01576 -0.0287 0.01719 -0.03079 C 0.01849 -0.03287 0.01954 -0.03518 0.02071 -0.03704 C 0.02214 -0.03935 0.02396 -0.04074 0.02526 -0.04329 C 0.0267 -0.0456 0.02748 -0.04907 0.02878 -0.05139 C 0.02982 -0.05324 0.03125 -0.05393 0.0323 -0.05555 C 0.0431 -0.07222 0.03373 -0.06065 0.04154 -0.06991 C 0.04571 -0.08125 0.04154 -0.07153 0.04727 -0.08009 C 0.04844 -0.08194 0.04948 -0.08449 0.05066 -0.08634 C 0.05287 -0.08935 0.05573 -0.09097 0.05769 -0.09444 C 0.05873 -0.09653 0.05977 -0.09884 0.06107 -0.10069 C 0.07071 -0.11389 0.06485 -0.10463 0.07266 -0.11296 C 0.075 -0.11551 0.07722 -0.11852 0.07956 -0.12106 L 0.08998 -0.13356 C 0.09115 -0.13472 0.09206 -0.13704 0.09336 -0.1375 L 0.09805 -0.13958 C 0.1 -0.14236 0.1017 -0.1456 0.10378 -0.14792 C 0.10482 -0.14907 0.10612 -0.14907 0.1073 -0.14977 C 0.10886 -0.15116 0.11029 -0.15278 0.11185 -0.15393 C 0.11407 -0.15555 0.11654 -0.15625 0.11875 -0.1581 C 0.12006 -0.15903 0.12097 -0.16111 0.12227 -0.16227 C 0.12448 -0.16389 0.12683 -0.16481 0.12917 -0.1662 L 0.13269 -0.16829 L 0.14297 -0.17454 C 0.14414 -0.17523 0.14532 -0.17616 0.14649 -0.17662 C 0.14844 -0.17731 0.15039 -0.17778 0.15222 -0.1787 C 0.15378 -0.17917 0.15534 -0.18009 0.15691 -0.18055 C 0.15912 -0.18148 0.16146 -0.18194 0.16381 -0.18264 C 0.16498 -0.18333 0.16615 -0.18426 0.16732 -0.18472 C 0.16875 -0.18542 0.17032 -0.18588 0.17188 -0.1868 C 0.18125 -0.19236 0.17396 -0.18958 0.1823 -0.19305 C 0.20079 -0.20023 0.17201 -0.18842 0.1961 -0.19699 C 0.19922 -0.19815 0.20222 -0.20023 0.20534 -0.20116 C 0.20769 -0.20185 0.21003 -0.20231 0.21224 -0.20324 C 0.2168 -0.20486 0.21771 -0.20625 0.22266 -0.20741 C 0.22722 -0.20833 0.23191 -0.20879 0.23646 -0.20926 C 0.24037 -0.21065 0.24441 -0.21088 0.24805 -0.21342 C 0.25 -0.21481 0.2517 -0.2169 0.25378 -0.21759 C 0.25912 -0.21898 0.26459 -0.21875 0.26993 -0.21967 C 0.28021 -0.22106 0.28047 -0.22153 0.28959 -0.22361 C 0.29688 -0.22315 0.30417 -0.22292 0.31146 -0.22176 C 0.31276 -0.22153 0.31381 -0.21991 0.31498 -0.21967 C 0.32214 -0.21759 0.32227 -0.21759 0.32657 -0.21759 " pathEditMode="relative" ptsTypes="AAAAAAAAAAAAAAAAAAAAAAAAAAAAAAAAAAAAAAAAAAAAAA">
-                                      <p:cBhvr>
-                                        <p:cTn id="52" dur="2000" fill="hold"/>
-                                        <p:tgtEl>
-                                          <p:spTgt spid="21"/>
-                                        </p:tgtEl>
-                                        <p:attrNameLst>
-                                          <p:attrName>ppt_x</p:attrName>
-                                          <p:attrName>ppt_y</p:attrName>
-                                        </p:attrNameLst>
-                                      </p:cBhvr>
-                                    </p:animMotion>
-                                  </p:childTnLst>
-                                </p:cTn>
-                              </p:par>
-                            </p:childTnLst>
-                          </p:cTn>
-                        </p:par>
-                      </p:childTnLst>
-                    </p:cTn>
-                  </p:par>
-                  <p:par>
-                    <p:cTn id="53" fill="hold">
-                      <p:stCondLst>
-                        <p:cond delay="indefinite"/>
-                      </p:stCondLst>
-                      <p:childTnLst>
-                        <p:par>
-                          <p:cTn id="54" fill="hold">
-                            <p:stCondLst>
-                              <p:cond delay="0"/>
-                            </p:stCondLst>
-                            <p:childTnLst>
-                              <p:par>
-                                <p:cTn id="55" presetID="10" presetClass="entr" presetSubtype="0" fill="hold" grpId="0" nodeType="clickEffect">
+                                <p:cTn id="70" presetID="10" presetClass="entr" presetSubtype="0" fill="hold" grpId="0" nodeType="clickEffect">
                                   <p:stCondLst>
                                     <p:cond delay="0"/>
                                   </p:stCondLst>
                                   <p:childTnLst>
                                     <p:set>
                                       <p:cBhvr>
-                                        <p:cTn id="56" dur="1" fill="hold">
+                                        <p:cTn id="71" dur="1" fill="hold">
                                           <p:stCondLst>
                                             <p:cond delay="0"/>
                                           </p:stCondLst>
                                         </p:cTn>
                                         <p:tgtEl>
-                                          <p:spTgt spid="29"/>
+                                          <p:spTgt spid="3"/>
                                         </p:tgtEl>
                                         <p:attrNameLst>
                                           <p:attrName>style.visibility</p:attrName>
@@ -19505,184 +24040,9 @@
                                     </p:set>
                                     <p:animEffect transition="in" filter="fade">
                                       <p:cBhvr>
-                                        <p:cTn id="57" dur="500"/>
-                                        <p:tgtEl>
-                                          <p:spTgt spid="29"/>
-                                        </p:tgtEl>
-                                      </p:cBhvr>
-                                    </p:animEffect>
-                                  </p:childTnLst>
-                                </p:cTn>
-                              </p:par>
-                              <p:par>
-                                <p:cTn id="58" presetID="10" presetClass="entr" presetSubtype="0" fill="hold" grpId="0" nodeType="withEffect">
-                                  <p:stCondLst>
-                                    <p:cond delay="0"/>
-                                  </p:stCondLst>
-                                  <p:childTnLst>
-                                    <p:set>
-                                      <p:cBhvr>
-                                        <p:cTn id="59" dur="1" fill="hold">
-                                          <p:stCondLst>
-                                            <p:cond delay="0"/>
-                                          </p:stCondLst>
-                                        </p:cTn>
-                                        <p:tgtEl>
-                                          <p:spTgt spid="30"/>
-                                        </p:tgtEl>
-                                        <p:attrNameLst>
-                                          <p:attrName>style.visibility</p:attrName>
-                                        </p:attrNameLst>
-                                      </p:cBhvr>
-                                      <p:to>
-                                        <p:strVal val="visible"/>
-                                      </p:to>
-                                    </p:set>
-                                    <p:animEffect transition="in" filter="fade">
-                                      <p:cBhvr>
-                                        <p:cTn id="60" dur="500"/>
-                                        <p:tgtEl>
-                                          <p:spTgt spid="30"/>
-                                        </p:tgtEl>
-                                      </p:cBhvr>
-                                    </p:animEffect>
-                                  </p:childTnLst>
-                                </p:cTn>
-                              </p:par>
-                              <p:par>
-                                <p:cTn id="61" presetID="10" presetClass="entr" presetSubtype="0" fill="hold" grpId="0" nodeType="withEffect">
-                                  <p:stCondLst>
-                                    <p:cond delay="0"/>
-                                  </p:stCondLst>
-                                  <p:childTnLst>
-                                    <p:set>
-                                      <p:cBhvr>
-                                        <p:cTn id="62" dur="1" fill="hold">
-                                          <p:stCondLst>
-                                            <p:cond delay="0"/>
-                                          </p:stCondLst>
-                                        </p:cTn>
-                                        <p:tgtEl>
-                                          <p:spTgt spid="34"/>
-                                        </p:tgtEl>
-                                        <p:attrNameLst>
-                                          <p:attrName>style.visibility</p:attrName>
-                                        </p:attrNameLst>
-                                      </p:cBhvr>
-                                      <p:to>
-                                        <p:strVal val="visible"/>
-                                      </p:to>
-                                    </p:set>
-                                    <p:animEffect transition="in" filter="fade">
-                                      <p:cBhvr>
-                                        <p:cTn id="63" dur="500"/>
-                                        <p:tgtEl>
-                                          <p:spTgt spid="34"/>
-                                        </p:tgtEl>
-                                      </p:cBhvr>
-                                    </p:animEffect>
-                                  </p:childTnLst>
-                                </p:cTn>
-                              </p:par>
-                              <p:par>
-                                <p:cTn id="64" presetID="10" presetClass="entr" presetSubtype="0" fill="hold" grpId="0" nodeType="withEffect">
-                                  <p:stCondLst>
-                                    <p:cond delay="0"/>
-                                  </p:stCondLst>
-                                  <p:childTnLst>
-                                    <p:set>
-                                      <p:cBhvr>
-                                        <p:cTn id="65" dur="1" fill="hold">
-                                          <p:stCondLst>
-                                            <p:cond delay="0"/>
-                                          </p:stCondLst>
-                                        </p:cTn>
-                                        <p:tgtEl>
-                                          <p:spTgt spid="27"/>
-                                        </p:tgtEl>
-                                        <p:attrNameLst>
-                                          <p:attrName>style.visibility</p:attrName>
-                                        </p:attrNameLst>
-                                      </p:cBhvr>
-                                      <p:to>
-                                        <p:strVal val="visible"/>
-                                      </p:to>
-                                    </p:set>
-                                    <p:animEffect transition="in" filter="fade">
-                                      <p:cBhvr>
-                                        <p:cTn id="66" dur="500"/>
-                                        <p:tgtEl>
-                                          <p:spTgt spid="27"/>
-                                        </p:tgtEl>
-                                      </p:cBhvr>
-                                    </p:animEffect>
-                                  </p:childTnLst>
-                                </p:cTn>
-                              </p:par>
-                              <p:par>
-                                <p:cTn id="67" presetID="10" presetClass="entr" presetSubtype="0" fill="hold" grpId="0" nodeType="withEffect">
-                                  <p:stCondLst>
-                                    <p:cond delay="0"/>
-                                  </p:stCondLst>
-                                  <p:childTnLst>
-                                    <p:set>
-                                      <p:cBhvr>
-                                        <p:cTn id="68" dur="1" fill="hold">
-                                          <p:stCondLst>
-                                            <p:cond delay="0"/>
-                                          </p:stCondLst>
-                                        </p:cTn>
-                                        <p:tgtEl>
-                                          <p:spTgt spid="26"/>
-                                        </p:tgtEl>
-                                        <p:attrNameLst>
-                                          <p:attrName>style.visibility</p:attrName>
-                                        </p:attrNameLst>
-                                      </p:cBhvr>
-                                      <p:to>
-                                        <p:strVal val="visible"/>
-                                      </p:to>
-                                    </p:set>
-                                    <p:animEffect transition="in" filter="fade">
-                                      <p:cBhvr>
-                                        <p:cTn id="69" dur="500"/>
-                                        <p:tgtEl>
-                                          <p:spTgt spid="26"/>
-                                        </p:tgtEl>
-                                      </p:cBhvr>
-                                    </p:animEffect>
-                                  </p:childTnLst>
-                                </p:cTn>
-                              </p:par>
-                              <p:par>
-                                <p:cTn id="70" presetID="10" presetClass="entr" presetSubtype="0" fill="hold" grpId="0" nodeType="withEffect">
-                                  <p:stCondLst>
-                                    <p:cond delay="0"/>
-                                  </p:stCondLst>
-                                  <p:childTnLst>
-                                    <p:set>
-                                      <p:cBhvr>
-                                        <p:cTn id="71" dur="1" fill="hold">
-                                          <p:stCondLst>
-                                            <p:cond delay="0"/>
-                                          </p:stCondLst>
-                                        </p:cTn>
-                                        <p:tgtEl>
-                                          <p:spTgt spid="28"/>
-                                        </p:tgtEl>
-                                        <p:attrNameLst>
-                                          <p:attrName>style.visibility</p:attrName>
-                                        </p:attrNameLst>
-                                      </p:cBhvr>
-                                      <p:to>
-                                        <p:strVal val="visible"/>
-                                      </p:to>
-                                    </p:set>
-                                    <p:animEffect transition="in" filter="fade">
-                                      <p:cBhvr>
                                         <p:cTn id="72" dur="500"/>
                                         <p:tgtEl>
-                                          <p:spTgt spid="28"/>
+                                          <p:spTgt spid="3"/>
                                         </p:tgtEl>
                                       </p:cBhvr>
                                     </p:animEffect>
@@ -19703,7 +24063,7 @@
                                           </p:stCondLst>
                                         </p:cTn>
                                         <p:tgtEl>
-                                          <p:spTgt spid="25"/>
+                                          <p:spTgt spid="4"/>
                                         </p:tgtEl>
                                         <p:attrNameLst>
                                           <p:attrName>style.visibility</p:attrName>
@@ -19717,77 +24077,7 @@
                                       <p:cBhvr>
                                         <p:cTn id="75" dur="500"/>
                                         <p:tgtEl>
-                                          <p:spTgt spid="25"/>
-                                        </p:tgtEl>
-                                      </p:cBhvr>
-                                    </p:animEffect>
-                                  </p:childTnLst>
-                                </p:cTn>
-                              </p:par>
-                              <p:par>
-                                <p:cTn id="76" presetID="10" presetClass="entr" presetSubtype="0" fill="hold" grpId="0" nodeType="withEffect">
-                                  <p:stCondLst>
-                                    <p:cond delay="0"/>
-                                  </p:stCondLst>
-                                  <p:childTnLst>
-                                    <p:set>
-                                      <p:cBhvr>
-                                        <p:cTn id="77" dur="1" fill="hold">
-                                          <p:stCondLst>
-                                            <p:cond delay="0"/>
-                                          </p:stCondLst>
-                                        </p:cTn>
-                                        <p:tgtEl>
-                                          <p:spTgt spid="32"/>
-                                        </p:tgtEl>
-                                        <p:attrNameLst>
-                                          <p:attrName>style.visibility</p:attrName>
-                                        </p:attrNameLst>
-                                      </p:cBhvr>
-                                      <p:to>
-                                        <p:strVal val="visible"/>
-                                      </p:to>
-                                    </p:set>
-                                    <p:animEffect transition="in" filter="fade">
-                                      <p:cBhvr>
-                                        <p:cTn id="78" dur="500"/>
-                                        <p:tgtEl>
-                                          <p:spTgt spid="32"/>
-                                        </p:tgtEl>
-                                      </p:cBhvr>
-                                    </p:animEffect>
-                                  </p:childTnLst>
-                                </p:cTn>
-                              </p:par>
-                              <p:par>
-                                <p:cTn id="79" presetID="10" presetClass="entr" presetSubtype="0" fill="hold" grpId="0" nodeType="withEffect">
-                                  <p:stCondLst>
-                                    <p:cond delay="0"/>
-                                  </p:stCondLst>
-                                  <p:childTnLst>
-                                    <p:set>
-                                      <p:cBhvr>
-                                        <p:cTn id="80" dur="1" fill="hold">
-                                          <p:stCondLst>
-                                            <p:cond delay="0"/>
-                                          </p:stCondLst>
-                                        </p:cTn>
-                                        <p:tgtEl>
-                                          <p:spTgt spid="24"/>
-                                        </p:tgtEl>
-                                        <p:attrNameLst>
-                                          <p:attrName>style.visibility</p:attrName>
-                                        </p:attrNameLst>
-                                      </p:cBhvr>
-                                      <p:to>
-                                        <p:strVal val="visible"/>
-                                      </p:to>
-                                    </p:set>
-                                    <p:animEffect transition="in" filter="fade">
-                                      <p:cBhvr>
-                                        <p:cTn id="81" dur="500"/>
-                                        <p:tgtEl>
-                                          <p:spTgt spid="24"/>
+                                          <p:spTgt spid="4"/>
                                         </p:tgtEl>
                                       </p:cBhvr>
                                     </p:animEffect>
@@ -19801,334 +24091,26 @@
                     </p:cTn>
                   </p:par>
                   <p:par>
-                    <p:cTn id="82" fill="hold">
+                    <p:cTn id="76" fill="hold">
                       <p:stCondLst>
                         <p:cond delay="indefinite"/>
                       </p:stCondLst>
                       <p:childTnLst>
                         <p:par>
-                          <p:cTn id="83" fill="hold">
+                          <p:cTn id="77" fill="hold">
                             <p:stCondLst>
                               <p:cond delay="0"/>
                             </p:stCondLst>
                             <p:childTnLst>
                               <p:par>
-                                <p:cTn id="84" presetID="10" presetClass="entr" presetSubtype="0" fill="hold" nodeType="clickEffect">
-                                  <p:stCondLst>
-                                    <p:cond delay="0"/>
-                                  </p:stCondLst>
-                                  <p:childTnLst>
-                                    <p:set>
-                                      <p:cBhvr>
-                                        <p:cTn id="85" dur="1" fill="hold">
-                                          <p:stCondLst>
-                                            <p:cond delay="0"/>
-                                          </p:stCondLst>
-                                        </p:cTn>
-                                        <p:tgtEl>
-                                          <p:spTgt spid="35"/>
-                                        </p:tgtEl>
-                                        <p:attrNameLst>
-                                          <p:attrName>style.visibility</p:attrName>
-                                        </p:attrNameLst>
-                                      </p:cBhvr>
-                                      <p:to>
-                                        <p:strVal val="visible"/>
-                                      </p:to>
-                                    </p:set>
-                                    <p:animEffect transition="in" filter="fade">
-                                      <p:cBhvr>
-                                        <p:cTn id="86" dur="500"/>
-                                        <p:tgtEl>
-                                          <p:spTgt spid="35"/>
-                                        </p:tgtEl>
-                                      </p:cBhvr>
-                                    </p:animEffect>
-                                  </p:childTnLst>
-                                </p:cTn>
-                              </p:par>
-                              <p:par>
-                                <p:cTn id="87" presetID="10" presetClass="entr" presetSubtype="0" fill="hold" grpId="0" nodeType="withEffect">
-                                  <p:stCondLst>
-                                    <p:cond delay="0"/>
-                                  </p:stCondLst>
-                                  <p:childTnLst>
-                                    <p:set>
-                                      <p:cBhvr>
-                                        <p:cTn id="88" dur="1" fill="hold">
-                                          <p:stCondLst>
-                                            <p:cond delay="0"/>
-                                          </p:stCondLst>
-                                        </p:cTn>
-                                        <p:tgtEl>
-                                          <p:spTgt spid="36"/>
-                                        </p:tgtEl>
-                                        <p:attrNameLst>
-                                          <p:attrName>style.visibility</p:attrName>
-                                        </p:attrNameLst>
-                                      </p:cBhvr>
-                                      <p:to>
-                                        <p:strVal val="visible"/>
-                                      </p:to>
-                                    </p:set>
-                                    <p:animEffect transition="in" filter="fade">
-                                      <p:cBhvr>
-                                        <p:cTn id="89" dur="500"/>
-                                        <p:tgtEl>
-                                          <p:spTgt spid="36"/>
-                                        </p:tgtEl>
-                                      </p:cBhvr>
-                                    </p:animEffect>
-                                  </p:childTnLst>
-                                </p:cTn>
-                              </p:par>
-                            </p:childTnLst>
-                          </p:cTn>
-                        </p:par>
-                        <p:par>
-                          <p:cTn id="90" fill="hold">
-                            <p:stCondLst>
-                              <p:cond delay="500"/>
-                            </p:stCondLst>
-                            <p:childTnLst>
-                              <p:par>
-                                <p:cTn id="91" presetID="10" presetClass="entr" presetSubtype="0" fill="hold" grpId="0" nodeType="afterEffect">
-                                  <p:stCondLst>
-                                    <p:cond delay="0"/>
-                                  </p:stCondLst>
-                                  <p:childTnLst>
-                                    <p:set>
-                                      <p:cBhvr>
-                                        <p:cTn id="92" dur="1" fill="hold">
-                                          <p:stCondLst>
-                                            <p:cond delay="0"/>
-                                          </p:stCondLst>
-                                        </p:cTn>
-                                        <p:tgtEl>
-                                          <p:spTgt spid="37"/>
-                                        </p:tgtEl>
-                                        <p:attrNameLst>
-                                          <p:attrName>style.visibility</p:attrName>
-                                        </p:attrNameLst>
-                                      </p:cBhvr>
-                                      <p:to>
-                                        <p:strVal val="visible"/>
-                                      </p:to>
-                                    </p:set>
-                                    <p:animEffect transition="in" filter="fade">
-                                      <p:cBhvr>
-                                        <p:cTn id="93" dur="500"/>
-                                        <p:tgtEl>
-                                          <p:spTgt spid="37"/>
-                                        </p:tgtEl>
-                                      </p:cBhvr>
-                                    </p:animEffect>
-                                  </p:childTnLst>
-                                </p:cTn>
-                              </p:par>
-                            </p:childTnLst>
-                          </p:cTn>
-                        </p:par>
-                        <p:par>
-                          <p:cTn id="94" fill="hold">
-                            <p:stCondLst>
-                              <p:cond delay="1000"/>
-                            </p:stCondLst>
-                            <p:childTnLst>
-                              <p:par>
-                                <p:cTn id="95" presetID="10" presetClass="entr" presetSubtype="0" fill="hold" grpId="0" nodeType="afterEffect">
-                                  <p:stCondLst>
-                                    <p:cond delay="0"/>
-                                  </p:stCondLst>
-                                  <p:childTnLst>
-                                    <p:set>
-                                      <p:cBhvr>
-                                        <p:cTn id="96" dur="1" fill="hold">
-                                          <p:stCondLst>
-                                            <p:cond delay="0"/>
-                                          </p:stCondLst>
-                                        </p:cTn>
-                                        <p:tgtEl>
-                                          <p:spTgt spid="38"/>
-                                        </p:tgtEl>
-                                        <p:attrNameLst>
-                                          <p:attrName>style.visibility</p:attrName>
-                                        </p:attrNameLst>
-                                      </p:cBhvr>
-                                      <p:to>
-                                        <p:strVal val="visible"/>
-                                      </p:to>
-                                    </p:set>
-                                    <p:animEffect transition="in" filter="fade">
-                                      <p:cBhvr>
-                                        <p:cTn id="97" dur="500"/>
-                                        <p:tgtEl>
-                                          <p:spTgt spid="38"/>
-                                        </p:tgtEl>
-                                      </p:cBhvr>
-                                    </p:animEffect>
-                                  </p:childTnLst>
-                                </p:cTn>
-                              </p:par>
-                            </p:childTnLst>
-                          </p:cTn>
-                        </p:par>
-                        <p:par>
-                          <p:cTn id="98" fill="hold">
-                            <p:stCondLst>
-                              <p:cond delay="1500"/>
-                            </p:stCondLst>
-                            <p:childTnLst>
-                              <p:par>
-                                <p:cTn id="99" presetID="10" presetClass="entr" presetSubtype="0" fill="hold" grpId="0" nodeType="afterEffect">
-                                  <p:stCondLst>
-                                    <p:cond delay="0"/>
-                                  </p:stCondLst>
-                                  <p:childTnLst>
-                                    <p:set>
-                                      <p:cBhvr>
-                                        <p:cTn id="100" dur="1" fill="hold">
-                                          <p:stCondLst>
-                                            <p:cond delay="0"/>
-                                          </p:stCondLst>
-                                        </p:cTn>
-                                        <p:tgtEl>
-                                          <p:spTgt spid="39"/>
-                                        </p:tgtEl>
-                                        <p:attrNameLst>
-                                          <p:attrName>style.visibility</p:attrName>
-                                        </p:attrNameLst>
-                                      </p:cBhvr>
-                                      <p:to>
-                                        <p:strVal val="visible"/>
-                                      </p:to>
-                                    </p:set>
-                                    <p:animEffect transition="in" filter="fade">
-                                      <p:cBhvr>
-                                        <p:cTn id="101" dur="500"/>
-                                        <p:tgtEl>
-                                          <p:spTgt spid="39"/>
-                                        </p:tgtEl>
-                                      </p:cBhvr>
-                                    </p:animEffect>
-                                  </p:childTnLst>
-                                </p:cTn>
-                              </p:par>
-                            </p:childTnLst>
-                          </p:cTn>
-                        </p:par>
-                      </p:childTnLst>
-                    </p:cTn>
-                  </p:par>
-                  <p:par>
-                    <p:cTn id="102" fill="hold">
-                      <p:stCondLst>
-                        <p:cond delay="indefinite"/>
-                      </p:stCondLst>
-                      <p:childTnLst>
-                        <p:par>
-                          <p:cTn id="103" fill="hold">
-                            <p:stCondLst>
-                              <p:cond delay="0"/>
-                            </p:stCondLst>
-                            <p:childTnLst>
-                              <p:par>
-                                <p:cTn id="104" presetID="10" presetClass="entr" presetSubtype="0" fill="hold" grpId="0" nodeType="clickEffect">
-                                  <p:stCondLst>
-                                    <p:cond delay="0"/>
-                                  </p:stCondLst>
-                                  <p:childTnLst>
-                                    <p:set>
-                                      <p:cBhvr>
-                                        <p:cTn id="105" dur="1" fill="hold">
-                                          <p:stCondLst>
-                                            <p:cond delay="0"/>
-                                          </p:stCondLst>
-                                        </p:cTn>
-                                        <p:tgtEl>
-                                          <p:spTgt spid="3"/>
-                                        </p:tgtEl>
-                                        <p:attrNameLst>
-                                          <p:attrName>style.visibility</p:attrName>
-                                        </p:attrNameLst>
-                                      </p:cBhvr>
-                                      <p:to>
-                                        <p:strVal val="visible"/>
-                                      </p:to>
-                                    </p:set>
-                                    <p:animEffect transition="in" filter="fade">
-                                      <p:cBhvr>
-                                        <p:cTn id="106" dur="500"/>
-                                        <p:tgtEl>
-                                          <p:spTgt spid="3"/>
-                                        </p:tgtEl>
-                                      </p:cBhvr>
-                                    </p:animEffect>
-                                  </p:childTnLst>
-                                </p:cTn>
-                              </p:par>
-                              <p:par>
-                                <p:cTn id="107" presetID="10" presetClass="entr" presetSubtype="0" fill="hold" grpId="0" nodeType="withEffect">
-                                  <p:stCondLst>
-                                    <p:cond delay="0"/>
-                                  </p:stCondLst>
-                                  <p:childTnLst>
-                                    <p:set>
-                                      <p:cBhvr>
-                                        <p:cTn id="108" dur="1" fill="hold">
-                                          <p:stCondLst>
-                                            <p:cond delay="0"/>
-                                          </p:stCondLst>
-                                        </p:cTn>
-                                        <p:tgtEl>
-                                          <p:spTgt spid="4"/>
-                                        </p:tgtEl>
-                                        <p:attrNameLst>
-                                          <p:attrName>style.visibility</p:attrName>
-                                        </p:attrNameLst>
-                                      </p:cBhvr>
-                                      <p:to>
-                                        <p:strVal val="visible"/>
-                                      </p:to>
-                                    </p:set>
-                                    <p:animEffect transition="in" filter="fade">
-                                      <p:cBhvr>
-                                        <p:cTn id="109" dur="500"/>
-                                        <p:tgtEl>
-                                          <p:spTgt spid="4"/>
-                                        </p:tgtEl>
-                                      </p:cBhvr>
-                                    </p:animEffect>
-                                  </p:childTnLst>
-                                </p:cTn>
-                              </p:par>
-                            </p:childTnLst>
-                          </p:cTn>
-                        </p:par>
-                      </p:childTnLst>
-                    </p:cTn>
-                  </p:par>
-                  <p:par>
-                    <p:cTn id="110" fill="hold">
-                      <p:stCondLst>
-                        <p:cond delay="indefinite"/>
-                      </p:stCondLst>
-                      <p:childTnLst>
-                        <p:par>
-                          <p:cTn id="111" fill="hold">
-                            <p:stCondLst>
-                              <p:cond delay="0"/>
-                            </p:stCondLst>
-                            <p:childTnLst>
-                              <p:par>
-                                <p:cTn id="112" presetID="0" presetClass="path" presetSubtype="0" accel="50000" decel="50000" fill="hold" grpId="1" nodeType="clickEffect">
+                                <p:cTn id="78" presetID="0" presetClass="path" presetSubtype="0" accel="50000" decel="50000" fill="hold" grpId="1" nodeType="clickEffect">
                                   <p:stCondLst>
                                     <p:cond delay="0"/>
                                   </p:stCondLst>
                                   <p:childTnLst>
                                     <p:animMotion origin="layout" path="M 0 0 L 0.35833 0.24699 " pathEditMode="relative" ptsTypes="AA">
                                       <p:cBhvr>
-                                        <p:cTn id="113" dur="2000" fill="hold"/>
+                                        <p:cTn id="79" dur="2000" fill="hold"/>
                                         <p:tgtEl>
                                           <p:spTgt spid="4"/>
                                         </p:tgtEl>
@@ -20169,7 +24151,6 @@
       </p:par>
     </p:tnLst>
     <p:bldLst>
-      <p:bldP spid="5" grpId="0" animBg="1"/>
       <p:bldP spid="14" grpId="0" animBg="1"/>
       <p:bldP spid="15" grpId="0" animBg="1"/>
       <p:bldP spid="17" grpId="0" animBg="1"/>
@@ -20178,15 +24159,6 @@
       <p:bldP spid="20" grpId="0"/>
       <p:bldP spid="21" grpId="0"/>
       <p:bldP spid="21" grpId="1"/>
-      <p:bldP spid="24" grpId="0"/>
-      <p:bldP spid="25" grpId="0"/>
-      <p:bldP spid="26" grpId="0"/>
-      <p:bldP spid="27" grpId="0"/>
-      <p:bldP spid="28" grpId="0"/>
-      <p:bldP spid="29" grpId="0"/>
-      <p:bldP spid="30" grpId="0"/>
-      <p:bldP spid="32" grpId="0"/>
-      <p:bldP spid="34" grpId="0"/>
       <p:bldP spid="36" grpId="0" animBg="1"/>
       <p:bldP spid="37" grpId="0" animBg="1"/>
       <p:bldP spid="38" grpId="0" animBg="1"/>
